--- a/HW5_Design_Diagrams/T05 _ CUBESAT HW05.pptx
+++ b/HW5_Design_Diagrams/T05 _ CUBESAT HW05.pptx
@@ -8,11 +8,10 @@
     <p:sldId id="256" r:id="rId2"/>
     <p:sldId id="257" r:id="rId3"/>
     <p:sldId id="258" r:id="rId4"/>
-    <p:sldId id="261" r:id="rId5"/>
-    <p:sldId id="262" r:id="rId6"/>
-    <p:sldId id="263" r:id="rId7"/>
-    <p:sldId id="266" r:id="rId8"/>
-    <p:sldId id="265" r:id="rId9"/>
+    <p:sldId id="262" r:id="rId5"/>
+    <p:sldId id="263" r:id="rId6"/>
+    <p:sldId id="266" r:id="rId7"/>
+    <p:sldId id="265" r:id="rId8"/>
   </p:sldIdLst>
   <p:sldSz cx="9144000" cy="6858000" type="screen4x3"/>
   <p:notesSz cx="6858000" cy="9144000"/>
@@ -111,6 +110,22 @@
       </a:defRPr>
     </a:lvl9pPr>
   </p:defaultTextStyle>
+  <p:extLst>
+    <p:ext uri="{EFAFB233-063F-42B5-8137-9DF3F51BA10A}">
+      <p15:sldGuideLst xmlns:p15="http://schemas.microsoft.com/office/powerpoint/2012/main">
+        <p15:guide id="1" orient="horz" pos="2160">
+          <p15:clr>
+            <a:srgbClr val="A4A3A4"/>
+          </p15:clr>
+        </p15:guide>
+        <p15:guide id="2" pos="2880">
+          <p15:clr>
+            <a:srgbClr val="A4A3A4"/>
+          </p15:clr>
+        </p15:guide>
+      </p15:sldGuideLst>
+    </p:ext>
+  </p:extLst>
 </p:presentation>
 </file>
 
@@ -3110,10 +3125,10 @@
         </p:nvGrpSpPr>
         <p:grpSpPr>
           <a:xfrm>
-            <a:off x="960438" y="836711"/>
-            <a:ext cx="4996861" cy="1739423"/>
-            <a:chOff x="973705" y="1434941"/>
-            <a:chExt cx="4521571" cy="1208088"/>
+            <a:off x="1038721" y="765746"/>
+            <a:ext cx="4918578" cy="1810389"/>
+            <a:chOff x="1044542" y="1385653"/>
+            <a:chExt cx="4450734" cy="1257376"/>
           </a:xfrm>
         </p:grpSpPr>
         <p:sp>
@@ -3126,8 +3141,8 @@
           </p:nvSpPr>
           <p:spPr bwMode="auto">
             <a:xfrm rot="10800000" flipV="1">
-              <a:off x="973705" y="2206885"/>
-              <a:ext cx="1469692" cy="269875"/>
+              <a:off x="1044542" y="1802251"/>
+              <a:ext cx="1469692" cy="261504"/>
             </a:xfrm>
             <a:prstGeom prst="rect">
               <a:avLst/>
@@ -3188,10 +3203,10 @@
                   <a:ea typeface="Calibri" pitchFamily="34" charset="0"/>
                   <a:cs typeface="Times New Roman" pitchFamily="18" charset="0"/>
                 </a:rPr>
-                <a:t>Debug</a:t>
+                <a:t>!</a:t>
               </a:r>
               <a:r>
-                <a:rPr kumimoji="0" lang="en-US" altLang="en-US" sz="1600" b="0" i="0" u="none" strike="noStrike" cap="none" normalizeH="0" dirty="0" smtClean="0">
+                <a:rPr kumimoji="0" lang="en-US" altLang="en-US" b="0" i="0" u="none" strike="noStrike" cap="none" normalizeH="0" baseline="0" dirty="0" smtClean="0">
                   <a:ln>
                     <a:noFill/>
                   </a:ln>
@@ -3203,9 +3218,9 @@
                   <a:ea typeface="Calibri" pitchFamily="34" charset="0"/>
                   <a:cs typeface="Times New Roman" pitchFamily="18" charset="0"/>
                 </a:rPr>
-                <a:t> Interface</a:t>
+                <a:t>Reset</a:t>
               </a:r>
-              <a:endParaRPr kumimoji="0" lang="en-US" altLang="en-US" sz="2800" b="0" i="0" u="none" strike="noStrike" cap="none" normalizeH="0" baseline="0" dirty="0" smtClean="0">
+              <a:endParaRPr kumimoji="0" lang="en-US" altLang="en-US" b="0" i="0" u="none" strike="noStrike" cap="none" normalizeH="0" baseline="0" dirty="0" smtClean="0">
                 <a:ln>
                   <a:noFill/>
                 </a:ln>
@@ -3227,10 +3242,10 @@
           </p:nvGrpSpPr>
           <p:grpSpPr>
             <a:xfrm>
-              <a:off x="1114123" y="1434941"/>
-              <a:ext cx="4381153" cy="1208088"/>
-              <a:chOff x="1114123" y="1434941"/>
-              <a:chExt cx="4381153" cy="1208088"/>
+              <a:off x="1182221" y="1385653"/>
+              <a:ext cx="4313055" cy="1257376"/>
+              <a:chOff x="1182221" y="1385653"/>
+              <a:chExt cx="4313055" cy="1257376"/>
             </a:xfrm>
           </p:grpSpPr>
           <p:sp>
@@ -3314,43 +3329,6 @@
               </a:p>
             </p:txBody>
           </p:sp>
-          <p:cxnSp>
-            <p:nvCxnSpPr>
-              <p:cNvPr id="5" name="Straight Arrow Connector 4"/>
-              <p:cNvCxnSpPr/>
-              <p:nvPr/>
-            </p:nvCxnSpPr>
-            <p:spPr>
-              <a:xfrm>
-                <a:off x="2546018" y="1752600"/>
-                <a:ext cx="810895" cy="0"/>
-              </a:xfrm>
-              <a:prstGeom prst="straightConnector1">
-                <a:avLst/>
-              </a:prstGeom>
-              <a:ln>
-                <a:solidFill>
-                  <a:schemeClr val="tx1"/>
-                </a:solidFill>
-                <a:headEnd type="arrow"/>
-                <a:tailEnd type="arrow"/>
-              </a:ln>
-            </p:spPr>
-            <p:style>
-              <a:lnRef idx="1">
-                <a:schemeClr val="accent1"/>
-              </a:lnRef>
-              <a:fillRef idx="0">
-                <a:schemeClr val="accent1"/>
-              </a:fillRef>
-              <a:effectRef idx="0">
-                <a:schemeClr val="accent1"/>
-              </a:effectRef>
-              <a:fontRef idx="minor">
-                <a:schemeClr val="tx1"/>
-              </a:fontRef>
-            </p:style>
-          </p:cxnSp>
           <p:sp>
             <p:nvSpPr>
               <p:cNvPr id="9" name="Text Box 2"/>
@@ -3361,7 +3339,7 @@
             </p:nvSpPr>
             <p:spPr bwMode="auto">
               <a:xfrm rot="10800000" flipV="1">
-                <a:off x="1221580" y="1708708"/>
+                <a:off x="1213581" y="1385653"/>
                 <a:ext cx="1324436" cy="269875"/>
               </a:xfrm>
               <a:prstGeom prst="rect">
@@ -3449,8 +3427,8 @@
             </p:nvSpPr>
             <p:spPr bwMode="auto">
               <a:xfrm rot="10800000" flipV="1">
-                <a:off x="1114123" y="1904047"/>
-                <a:ext cx="1348943" cy="269875"/>
+                <a:off x="1182221" y="1617662"/>
+                <a:ext cx="1348943" cy="214083"/>
               </a:xfrm>
               <a:prstGeom prst="rect">
                 <a:avLst/>
@@ -3511,37 +3489,7 @@
                     <a:ea typeface="Calibri" pitchFamily="34" charset="0"/>
                     <a:cs typeface="Times New Roman" pitchFamily="18" charset="0"/>
                   </a:rPr>
-                  <a:t>Data</a:t>
-                </a:r>
-                <a:r>
-                  <a:rPr kumimoji="0" lang="en-US" altLang="en-US" b="0" i="0" u="none" strike="noStrike" cap="none" normalizeH="0" dirty="0" smtClean="0">
-                    <a:ln>
-                      <a:noFill/>
-                    </a:ln>
-                    <a:solidFill>
-                      <a:schemeClr val="tx1"/>
-                    </a:solidFill>
-                    <a:effectLst/>
-                    <a:latin typeface="Calibri" pitchFamily="34" charset="0"/>
-                    <a:ea typeface="Calibri" pitchFamily="34" charset="0"/>
-                    <a:cs typeface="Times New Roman" pitchFamily="18" charset="0"/>
-                  </a:rPr>
-                  <a:t> </a:t>
-                </a:r>
-                <a:r>
-                  <a:rPr kumimoji="0" lang="en-US" altLang="en-US" b="0" i="0" u="none" strike="noStrike" cap="none" normalizeH="0" dirty="0" err="1" smtClean="0">
-                    <a:ln>
-                      <a:noFill/>
-                    </a:ln>
-                    <a:solidFill>
-                      <a:schemeClr val="tx1"/>
-                    </a:solidFill>
-                    <a:effectLst/>
-                    <a:latin typeface="Calibri" pitchFamily="34" charset="0"/>
-                    <a:ea typeface="Calibri" pitchFamily="34" charset="0"/>
-                    <a:cs typeface="Times New Roman" pitchFamily="18" charset="0"/>
-                  </a:rPr>
-                  <a:t>inout</a:t>
+                  <a:t>On/Off</a:t>
                 </a:r>
                 <a:endParaRPr kumimoji="0" lang="en-US" altLang="en-US" b="0" i="0" u="none" strike="noStrike" cap="none" normalizeH="0" baseline="0" dirty="0" smtClean="0">
                   <a:ln>
@@ -3588,80 +3536,6 @@
               </a:p>
             </p:txBody>
           </p:sp>
-          <p:cxnSp>
-            <p:nvCxnSpPr>
-              <p:cNvPr id="16" name="Straight Arrow Connector 15"/>
-              <p:cNvCxnSpPr/>
-              <p:nvPr/>
-            </p:nvCxnSpPr>
-            <p:spPr>
-              <a:xfrm>
-                <a:off x="2546018" y="1981085"/>
-                <a:ext cx="810895" cy="0"/>
-              </a:xfrm>
-              <a:prstGeom prst="straightConnector1">
-                <a:avLst/>
-              </a:prstGeom>
-              <a:ln>
-                <a:solidFill>
-                  <a:schemeClr val="tx1"/>
-                </a:solidFill>
-                <a:headEnd type="arrow"/>
-                <a:tailEnd type="arrow"/>
-              </a:ln>
-            </p:spPr>
-            <p:style>
-              <a:lnRef idx="1">
-                <a:schemeClr val="accent1"/>
-              </a:lnRef>
-              <a:fillRef idx="0">
-                <a:schemeClr val="accent1"/>
-              </a:fillRef>
-              <a:effectRef idx="0">
-                <a:schemeClr val="accent1"/>
-              </a:effectRef>
-              <a:fontRef idx="minor">
-                <a:schemeClr val="tx1"/>
-              </a:fontRef>
-            </p:style>
-          </p:cxnSp>
-          <p:cxnSp>
-            <p:nvCxnSpPr>
-              <p:cNvPr id="21" name="Straight Arrow Connector 20"/>
-              <p:cNvCxnSpPr/>
-              <p:nvPr/>
-            </p:nvCxnSpPr>
-            <p:spPr>
-              <a:xfrm>
-                <a:off x="2546018" y="2268541"/>
-                <a:ext cx="810895" cy="0"/>
-              </a:xfrm>
-              <a:prstGeom prst="straightConnector1">
-                <a:avLst/>
-              </a:prstGeom>
-              <a:ln>
-                <a:solidFill>
-                  <a:schemeClr val="tx1"/>
-                </a:solidFill>
-                <a:headEnd type="arrow"/>
-                <a:tailEnd type="arrow"/>
-              </a:ln>
-            </p:spPr>
-            <p:style>
-              <a:lnRef idx="1">
-                <a:schemeClr val="accent1"/>
-              </a:lnRef>
-              <a:fillRef idx="0">
-                <a:schemeClr val="accent1"/>
-              </a:fillRef>
-              <a:effectRef idx="0">
-                <a:schemeClr val="accent1"/>
-              </a:effectRef>
-              <a:fontRef idx="minor">
-                <a:schemeClr val="tx1"/>
-              </a:fontRef>
-            </p:style>
-          </p:cxnSp>
         </p:grpSp>
       </p:grpSp>
       <p:sp>
@@ -3719,215 +3593,6 @@
           </a:p>
         </p:txBody>
       </p:sp>
-      <p:graphicFrame>
-        <p:nvGraphicFramePr>
-          <p:cNvPr id="20" name="Table 19"/>
-          <p:cNvGraphicFramePr>
-            <a:graphicFrameLocks noGrp="1"/>
-          </p:cNvGraphicFramePr>
-          <p:nvPr>
-            <p:extLst>
-              <p:ext uri="{D42A27DB-BD31-4B8C-83A1-F6EECF244321}">
-                <p14:modId xmlns:p14="http://schemas.microsoft.com/office/powerpoint/2010/main" val="714487362"/>
-              </p:ext>
-            </p:extLst>
-          </p:nvPr>
-        </p:nvGraphicFramePr>
-        <p:xfrm>
-          <a:off x="471310" y="3176972"/>
-          <a:ext cx="8388932" cy="3537793"/>
-        </p:xfrm>
-        <a:graphic>
-          <a:graphicData uri="http://schemas.openxmlformats.org/drawingml/2006/table">
-            <a:tbl>
-              <a:tblPr firstRow="1" bandRow="1">
-                <a:tableStyleId>{5940675A-B579-460E-94D1-54222C63F5DA}</a:tableStyleId>
-              </a:tblPr>
-              <a:tblGrid>
-                <a:gridCol w="1584177"/>
-                <a:gridCol w="6804755"/>
-              </a:tblGrid>
-              <a:tr h="428833">
-                <a:tc>
-                  <a:txBody>
-                    <a:bodyPr/>
-                    <a:lstStyle/>
-                    <a:p>
-                      <a:r>
-                        <a:rPr lang="en-US" sz="1600" b="1" dirty="0" smtClean="0">
-                          <a:latin typeface="Times New Roman" panose="02020603050405020304" pitchFamily="18" charset="0"/>
-                          <a:cs typeface="Times New Roman" panose="02020603050405020304" pitchFamily="18" charset="0"/>
-                        </a:rPr>
-                        <a:t>Module</a:t>
-                      </a:r>
-                      <a:endParaRPr lang="en-US" sz="1600" b="1" dirty="0">
-                        <a:latin typeface="Times New Roman" panose="02020603050405020304" pitchFamily="18" charset="0"/>
-                        <a:cs typeface="Times New Roman" panose="02020603050405020304" pitchFamily="18" charset="0"/>
-                      </a:endParaRPr>
-                    </a:p>
-                  </a:txBody>
-                  <a:tcPr/>
-                </a:tc>
-                <a:tc>
-                  <a:txBody>
-                    <a:bodyPr/>
-                    <a:lstStyle/>
-                    <a:p>
-                      <a:r>
-                        <a:rPr lang="en-US" sz="1600" b="1" dirty="0" smtClean="0">
-                          <a:latin typeface="Times New Roman" panose="02020603050405020304" pitchFamily="18" charset="0"/>
-                          <a:cs typeface="Times New Roman" panose="02020603050405020304" pitchFamily="18" charset="0"/>
-                        </a:rPr>
-                        <a:t>CubeSat C3 Unit</a:t>
-                      </a:r>
-                      <a:endParaRPr lang="en-US" sz="1600" b="1" dirty="0">
-                        <a:latin typeface="Times New Roman" panose="02020603050405020304" pitchFamily="18" charset="0"/>
-                        <a:cs typeface="Times New Roman" panose="02020603050405020304" pitchFamily="18" charset="0"/>
-                      </a:endParaRPr>
-                    </a:p>
-                  </a:txBody>
-                  <a:tcPr/>
-                </a:tc>
-              </a:tr>
-              <a:tr h="1145423">
-                <a:tc>
-                  <a:txBody>
-                    <a:bodyPr/>
-                    <a:lstStyle/>
-                    <a:p>
-                      <a:r>
-                        <a:rPr lang="en-US" sz="1600" dirty="0" smtClean="0">
-                          <a:latin typeface="Times New Roman" panose="02020603050405020304" pitchFamily="18" charset="0"/>
-                          <a:cs typeface="Times New Roman" panose="02020603050405020304" pitchFamily="18" charset="0"/>
-                        </a:rPr>
-                        <a:t>Bi-directional (Input-Output)</a:t>
-                      </a:r>
-                      <a:endParaRPr lang="en-US" sz="1600" dirty="0">
-                        <a:latin typeface="Times New Roman" panose="02020603050405020304" pitchFamily="18" charset="0"/>
-                        <a:cs typeface="Times New Roman" panose="02020603050405020304" pitchFamily="18" charset="0"/>
-                      </a:endParaRPr>
-                    </a:p>
-                  </a:txBody>
-                  <a:tcPr/>
-                </a:tc>
-                <a:tc>
-                  <a:txBody>
-                    <a:bodyPr/>
-                    <a:lstStyle/>
-                    <a:p>
-                      <a:pPr marL="342900" indent="-342900">
-                        <a:buAutoNum type="arabicParenR"/>
-                      </a:pPr>
-                      <a:r>
-                        <a:rPr lang="en-US" sz="1600" baseline="0" dirty="0" smtClean="0">
-                          <a:latin typeface="Times New Roman" panose="02020603050405020304" pitchFamily="18" charset="0"/>
-                          <a:cs typeface="Times New Roman" panose="02020603050405020304" pitchFamily="18" charset="0"/>
-                        </a:rPr>
-                        <a:t>USB Power :  supplies 4.5V-5.5V to the board and feeds data into and out of the system</a:t>
-                      </a:r>
-                    </a:p>
-                    <a:p>
-                      <a:pPr marL="342900" indent="-342900">
-                        <a:buAutoNum type="arabicParenR"/>
-                      </a:pPr>
-                      <a:r>
-                        <a:rPr lang="en-US" sz="1600" baseline="0" dirty="0" smtClean="0">
-                          <a:latin typeface="Times New Roman" panose="02020603050405020304" pitchFamily="18" charset="0"/>
-                          <a:cs typeface="Times New Roman" panose="02020603050405020304" pitchFamily="18" charset="0"/>
-                        </a:rPr>
-                        <a:t>Debug Interface :  Debug with JTAG interface</a:t>
-                      </a:r>
-                    </a:p>
-                    <a:p>
-                      <a:pPr marL="342900" indent="-342900">
-                        <a:buAutoNum type="arabicParenR"/>
-                      </a:pPr>
-                      <a:r>
-                        <a:rPr lang="en-US" sz="1600" baseline="0" dirty="0" smtClean="0">
-                          <a:latin typeface="Times New Roman" panose="02020603050405020304" pitchFamily="18" charset="0"/>
-                          <a:cs typeface="Times New Roman" panose="02020603050405020304" pitchFamily="18" charset="0"/>
-                        </a:rPr>
-                        <a:t>Peripherals: Connection via GPIO to other components, for e.g. LEDs, audio-channel etc.</a:t>
-                      </a:r>
-                    </a:p>
-                    <a:p>
-                      <a:pPr marL="342900" indent="-342900">
-                        <a:buAutoNum type="arabicParenR"/>
-                      </a:pPr>
-                      <a:r>
-                        <a:rPr lang="en-US" sz="1600" baseline="0" dirty="0" smtClean="0">
-                          <a:latin typeface="Times New Roman" panose="02020603050405020304" pitchFamily="18" charset="0"/>
-                          <a:cs typeface="Times New Roman" panose="02020603050405020304" pitchFamily="18" charset="0"/>
-                        </a:rPr>
-                        <a:t>RFIO: Radio input-output channel at 436.5 MHz passband ; uses an antenna</a:t>
-                      </a:r>
-                    </a:p>
-                    <a:p>
-                      <a:pPr marL="0" indent="0">
-                        <a:buNone/>
-                      </a:pPr>
-                      <a:endParaRPr lang="en-US" sz="1600" dirty="0">
-                        <a:latin typeface="Times New Roman" panose="02020603050405020304" pitchFamily="18" charset="0"/>
-                        <a:cs typeface="Times New Roman" panose="02020603050405020304" pitchFamily="18" charset="0"/>
-                      </a:endParaRPr>
-                    </a:p>
-                  </a:txBody>
-                  <a:tcPr/>
-                </a:tc>
-              </a:tr>
-              <a:tr h="967246">
-                <a:tc>
-                  <a:txBody>
-                    <a:bodyPr/>
-                    <a:lstStyle/>
-                    <a:p>
-                      <a:r>
-                        <a:rPr lang="en-US" sz="1600" dirty="0" smtClean="0">
-                          <a:latin typeface="Times New Roman" panose="02020603050405020304" pitchFamily="18" charset="0"/>
-                          <a:cs typeface="Times New Roman" panose="02020603050405020304" pitchFamily="18" charset="0"/>
-                        </a:rPr>
-                        <a:t>Functionality</a:t>
-                      </a:r>
-                      <a:endParaRPr lang="en-US" sz="1600" dirty="0">
-                        <a:latin typeface="Times New Roman" panose="02020603050405020304" pitchFamily="18" charset="0"/>
-                        <a:cs typeface="Times New Roman" panose="02020603050405020304" pitchFamily="18" charset="0"/>
-                      </a:endParaRPr>
-                    </a:p>
-                  </a:txBody>
-                  <a:tcPr/>
-                </a:tc>
-                <a:tc>
-                  <a:txBody>
-                    <a:bodyPr/>
-                    <a:lstStyle/>
-                    <a:p>
-                      <a:r>
-                        <a:rPr lang="en-US" sz="1600" dirty="0" smtClean="0">
-                          <a:latin typeface="Times New Roman" panose="02020603050405020304" pitchFamily="18" charset="0"/>
-                          <a:cs typeface="Times New Roman" panose="02020603050405020304" pitchFamily="18" charset="0"/>
-                        </a:rPr>
-                        <a:t>This</a:t>
-                      </a:r>
-                      <a:r>
-                        <a:rPr lang="en-US" sz="1600" baseline="0" dirty="0" smtClean="0">
-                          <a:latin typeface="Times New Roman" panose="02020603050405020304" pitchFamily="18" charset="0"/>
-                          <a:cs typeface="Times New Roman" panose="02020603050405020304" pitchFamily="18" charset="0"/>
-                        </a:rPr>
-                        <a:t> module is a subsystem of a larger satellite CubeSat system. The main function of this subsystem is to receive and transmit high frequency data signal using Wi-Fi protocol.  At the heart of this module is a microcontroller that takes commands via USB, GPIO, and JTAG configurations and uses radio frequency to communicate  messages from and to another similar module.</a:t>
-                      </a:r>
-                      <a:endParaRPr lang="en-US" sz="1600" dirty="0">
-                        <a:latin typeface="Times New Roman" panose="02020603050405020304" pitchFamily="18" charset="0"/>
-                        <a:cs typeface="Times New Roman" panose="02020603050405020304" pitchFamily="18" charset="0"/>
-                      </a:endParaRPr>
-                    </a:p>
-                  </a:txBody>
-                  <a:tcPr/>
-                </a:tc>
-              </a:tr>
-            </a:tbl>
-          </a:graphicData>
-        </a:graphic>
-      </p:graphicFrame>
       <p:cxnSp>
         <p:nvCxnSpPr>
           <p:cNvPr id="3" name="Straight Connector 2"/>
@@ -4144,6 +3809,650 @@
           </a:fontRef>
         </p:style>
       </p:cxnSp>
+      <p:sp>
+        <p:nvSpPr>
+          <p:cNvPr id="22" name="Text Box 2"/>
+          <p:cNvSpPr txBox="1">
+            <a:spLocks noChangeArrowheads="1"/>
+          </p:cNvSpPr>
+          <p:nvPr/>
+        </p:nvSpPr>
+        <p:spPr bwMode="auto">
+          <a:xfrm rot="10800000" flipV="1">
+            <a:off x="1046295" y="1708430"/>
+            <a:ext cx="1624180" cy="388570"/>
+          </a:xfrm>
+          <a:prstGeom prst="rect">
+            <a:avLst/>
+          </a:prstGeom>
+          <a:solidFill>
+            <a:srgbClr val="FFFFFF"/>
+          </a:solidFill>
+          <a:ln>
+            <a:noFill/>
+          </a:ln>
+          <a:extLst>
+            <a:ext uri="{91240B29-F687-4F45-9708-019B960494DF}">
+              <a14:hiddenLine xmlns:a14="http://schemas.microsoft.com/office/drawing/2010/main" w="9525">
+                <a:solidFill>
+                  <a:srgbClr val="000000"/>
+                </a:solidFill>
+                <a:miter lim="800000"/>
+                <a:headEnd/>
+                <a:tailEnd/>
+              </a14:hiddenLine>
+            </a:ext>
+          </a:extLst>
+        </p:spPr>
+        <p:txBody>
+          <a:bodyPr vert="horz" wrap="square" lIns="91440" tIns="45720" rIns="91440" bIns="45720" numCol="1" anchor="t" anchorCtr="0" compatLnSpc="1">
+            <a:prstTxWarp prst="textNoShape">
+              <a:avLst/>
+            </a:prstTxWarp>
+          </a:bodyPr>
+          <a:lstStyle/>
+          <a:p>
+            <a:pPr marL="0" marR="0" lvl="0" indent="0" algn="r" defTabSz="914400" rtl="0" eaLnBrk="1" fontAlgn="base" latinLnBrk="0" hangingPunct="1">
+              <a:lnSpc>
+                <a:spcPct val="100000"/>
+              </a:lnSpc>
+              <a:spcBef>
+                <a:spcPct val="0"/>
+              </a:spcBef>
+              <a:spcAft>
+                <a:spcPct val="0"/>
+              </a:spcAft>
+              <a:buClrTx/>
+              <a:buSzTx/>
+              <a:buFontTx/>
+              <a:buNone/>
+              <a:tabLst/>
+            </a:pPr>
+            <a:r>
+              <a:rPr kumimoji="0" lang="en-US" altLang="en-US" b="0" i="0" u="none" strike="noStrike" cap="none" normalizeH="0" baseline="0" dirty="0" smtClean="0">
+                <a:ln>
+                  <a:noFill/>
+                </a:ln>
+                <a:solidFill>
+                  <a:schemeClr val="tx1"/>
+                </a:solidFill>
+                <a:effectLst/>
+                <a:latin typeface="Calibri" pitchFamily="34" charset="0"/>
+                <a:ea typeface="Calibri" pitchFamily="34" charset="0"/>
+                <a:cs typeface="Times New Roman" pitchFamily="18" charset="0"/>
+              </a:rPr>
+              <a:t>Debug</a:t>
+            </a:r>
+            <a:endParaRPr kumimoji="0" lang="en-US" altLang="en-US" b="0" i="0" u="none" strike="noStrike" cap="none" normalizeH="0" baseline="0" dirty="0" smtClean="0">
+              <a:ln>
+                <a:noFill/>
+              </a:ln>
+              <a:solidFill>
+                <a:schemeClr val="tx1"/>
+              </a:solidFill>
+              <a:effectLst/>
+              <a:latin typeface="Arial" pitchFamily="34" charset="0"/>
+              <a:cs typeface="Arial" pitchFamily="34" charset="0"/>
+            </a:endParaRPr>
+          </a:p>
+        </p:txBody>
+      </p:sp>
+      <p:sp>
+        <p:nvSpPr>
+          <p:cNvPr id="23" name="Text Box 2"/>
+          <p:cNvSpPr txBox="1">
+            <a:spLocks noChangeArrowheads="1"/>
+          </p:cNvSpPr>
+          <p:nvPr/>
+        </p:nvSpPr>
+        <p:spPr bwMode="auto">
+          <a:xfrm rot="10800000" flipV="1">
+            <a:off x="1073846" y="2075608"/>
+            <a:ext cx="1624180" cy="388570"/>
+          </a:xfrm>
+          <a:prstGeom prst="rect">
+            <a:avLst/>
+          </a:prstGeom>
+          <a:solidFill>
+            <a:srgbClr val="FFFFFF"/>
+          </a:solidFill>
+          <a:ln>
+            <a:noFill/>
+          </a:ln>
+          <a:extLst>
+            <a:ext uri="{91240B29-F687-4F45-9708-019B960494DF}">
+              <a14:hiddenLine xmlns:a14="http://schemas.microsoft.com/office/drawing/2010/main" w="9525">
+                <a:solidFill>
+                  <a:srgbClr val="000000"/>
+                </a:solidFill>
+                <a:miter lim="800000"/>
+                <a:headEnd/>
+                <a:tailEnd/>
+              </a14:hiddenLine>
+            </a:ext>
+          </a:extLst>
+        </p:spPr>
+        <p:txBody>
+          <a:bodyPr vert="horz" wrap="square" lIns="91440" tIns="45720" rIns="91440" bIns="45720" numCol="1" anchor="t" anchorCtr="0" compatLnSpc="1">
+            <a:prstTxWarp prst="textNoShape">
+              <a:avLst/>
+            </a:prstTxWarp>
+          </a:bodyPr>
+          <a:lstStyle/>
+          <a:p>
+            <a:pPr marL="0" marR="0" lvl="0" indent="0" algn="r" defTabSz="914400" rtl="0" eaLnBrk="1" fontAlgn="base" latinLnBrk="0" hangingPunct="1">
+              <a:lnSpc>
+                <a:spcPct val="100000"/>
+              </a:lnSpc>
+              <a:spcBef>
+                <a:spcPct val="0"/>
+              </a:spcBef>
+              <a:spcAft>
+                <a:spcPct val="0"/>
+              </a:spcAft>
+              <a:buClrTx/>
+              <a:buSzTx/>
+              <a:buFontTx/>
+              <a:buNone/>
+              <a:tabLst/>
+            </a:pPr>
+            <a:r>
+              <a:rPr kumimoji="0" lang="en-US" altLang="en-US" b="0" i="0" u="none" strike="noStrike" cap="none" normalizeH="0" baseline="0" dirty="0" smtClean="0">
+                <a:ln>
+                  <a:noFill/>
+                </a:ln>
+                <a:solidFill>
+                  <a:schemeClr val="tx1"/>
+                </a:solidFill>
+                <a:effectLst/>
+                <a:latin typeface="Calibri" pitchFamily="34" charset="0"/>
+                <a:ea typeface="Calibri" pitchFamily="34" charset="0"/>
+                <a:cs typeface="Times New Roman" pitchFamily="18" charset="0"/>
+              </a:rPr>
+              <a:t>Peripherals</a:t>
+            </a:r>
+            <a:endParaRPr kumimoji="0" lang="en-US" altLang="en-US" b="0" i="0" u="none" strike="noStrike" cap="none" normalizeH="0" baseline="0" dirty="0" smtClean="0">
+              <a:ln>
+                <a:noFill/>
+              </a:ln>
+              <a:solidFill>
+                <a:schemeClr val="tx1"/>
+              </a:solidFill>
+              <a:effectLst/>
+              <a:latin typeface="Arial" pitchFamily="34" charset="0"/>
+              <a:cs typeface="Arial" pitchFamily="34" charset="0"/>
+            </a:endParaRPr>
+          </a:p>
+        </p:txBody>
+      </p:sp>
+      <p:cxnSp>
+        <p:nvCxnSpPr>
+          <p:cNvPr id="25" name="Straight Arrow Connector 24"/>
+          <p:cNvCxnSpPr/>
+          <p:nvPr/>
+        </p:nvCxnSpPr>
+        <p:spPr>
+          <a:xfrm>
+            <a:off x="2871604" y="2269893"/>
+            <a:ext cx="706140" cy="0"/>
+          </a:xfrm>
+          <a:prstGeom prst="straightConnector1">
+            <a:avLst/>
+          </a:prstGeom>
+          <a:ln>
+            <a:solidFill>
+              <a:schemeClr val="tx1"/>
+            </a:solidFill>
+            <a:headEnd type="arrow"/>
+            <a:tailEnd type="arrow"/>
+          </a:ln>
+        </p:spPr>
+        <p:style>
+          <a:lnRef idx="1">
+            <a:schemeClr val="accent1"/>
+          </a:lnRef>
+          <a:fillRef idx="0">
+            <a:schemeClr val="accent1"/>
+          </a:fillRef>
+          <a:effectRef idx="0">
+            <a:schemeClr val="accent1"/>
+          </a:effectRef>
+          <a:fontRef idx="minor">
+            <a:schemeClr val="tx1"/>
+          </a:fontRef>
+        </p:style>
+      </p:cxnSp>
+      <p:cxnSp>
+        <p:nvCxnSpPr>
+          <p:cNvPr id="35" name="Straight Arrow Connector 34"/>
+          <p:cNvCxnSpPr/>
+          <p:nvPr/>
+        </p:nvCxnSpPr>
+        <p:spPr>
+          <a:xfrm flipV="1">
+            <a:off x="2879345" y="1271141"/>
+            <a:ext cx="724674" cy="1461"/>
+          </a:xfrm>
+          <a:prstGeom prst="straightConnector1">
+            <a:avLst/>
+          </a:prstGeom>
+          <a:ln>
+            <a:solidFill>
+              <a:schemeClr val="tx1"/>
+            </a:solidFill>
+            <a:tailEnd type="arrow"/>
+          </a:ln>
+        </p:spPr>
+        <p:style>
+          <a:lnRef idx="1">
+            <a:schemeClr val="accent1"/>
+          </a:lnRef>
+          <a:fillRef idx="0">
+            <a:schemeClr val="accent1"/>
+          </a:fillRef>
+          <a:effectRef idx="0">
+            <a:schemeClr val="accent1"/>
+          </a:effectRef>
+          <a:fontRef idx="minor">
+            <a:schemeClr val="tx1"/>
+          </a:fontRef>
+        </p:style>
+      </p:cxnSp>
+      <p:cxnSp>
+        <p:nvCxnSpPr>
+          <p:cNvPr id="37" name="Straight Arrow Connector 36"/>
+          <p:cNvCxnSpPr/>
+          <p:nvPr/>
+        </p:nvCxnSpPr>
+        <p:spPr>
+          <a:xfrm>
+            <a:off x="2889672" y="1912921"/>
+            <a:ext cx="696279" cy="1"/>
+          </a:xfrm>
+          <a:prstGeom prst="straightConnector1">
+            <a:avLst/>
+          </a:prstGeom>
+          <a:ln>
+            <a:solidFill>
+              <a:schemeClr val="tx1"/>
+            </a:solidFill>
+            <a:tailEnd type="arrow"/>
+          </a:ln>
+        </p:spPr>
+        <p:style>
+          <a:lnRef idx="1">
+            <a:schemeClr val="accent1"/>
+          </a:lnRef>
+          <a:fillRef idx="0">
+            <a:schemeClr val="accent1"/>
+          </a:fillRef>
+          <a:effectRef idx="0">
+            <a:schemeClr val="accent1"/>
+          </a:effectRef>
+          <a:fontRef idx="minor">
+            <a:schemeClr val="tx1"/>
+          </a:fontRef>
+        </p:style>
+      </p:cxnSp>
+      <p:cxnSp>
+        <p:nvCxnSpPr>
+          <p:cNvPr id="40" name="Straight Arrow Connector 39"/>
+          <p:cNvCxnSpPr/>
+          <p:nvPr/>
+        </p:nvCxnSpPr>
+        <p:spPr>
+          <a:xfrm flipV="1">
+            <a:off x="2879345" y="949829"/>
+            <a:ext cx="724674" cy="1461"/>
+          </a:xfrm>
+          <a:prstGeom prst="straightConnector1">
+            <a:avLst/>
+          </a:prstGeom>
+          <a:ln>
+            <a:solidFill>
+              <a:schemeClr val="tx1"/>
+            </a:solidFill>
+            <a:tailEnd type="arrow"/>
+          </a:ln>
+        </p:spPr>
+        <p:style>
+          <a:lnRef idx="1">
+            <a:schemeClr val="accent1"/>
+          </a:lnRef>
+          <a:fillRef idx="0">
+            <a:schemeClr val="accent1"/>
+          </a:fillRef>
+          <a:effectRef idx="0">
+            <a:schemeClr val="accent1"/>
+          </a:effectRef>
+          <a:fontRef idx="minor">
+            <a:schemeClr val="tx1"/>
+          </a:fontRef>
+        </p:style>
+      </p:cxnSp>
+      <p:cxnSp>
+        <p:nvCxnSpPr>
+          <p:cNvPr id="41" name="Straight Arrow Connector 40"/>
+          <p:cNvCxnSpPr/>
+          <p:nvPr/>
+        </p:nvCxnSpPr>
+        <p:spPr>
+          <a:xfrm flipV="1">
+            <a:off x="2879345" y="1547264"/>
+            <a:ext cx="724674" cy="1461"/>
+          </a:xfrm>
+          <a:prstGeom prst="straightConnector1">
+            <a:avLst/>
+          </a:prstGeom>
+          <a:ln>
+            <a:solidFill>
+              <a:schemeClr val="tx1"/>
+            </a:solidFill>
+            <a:tailEnd type="arrow"/>
+          </a:ln>
+        </p:spPr>
+        <p:style>
+          <a:lnRef idx="1">
+            <a:schemeClr val="accent1"/>
+          </a:lnRef>
+          <a:fillRef idx="0">
+            <a:schemeClr val="accent1"/>
+          </a:fillRef>
+          <a:effectRef idx="0">
+            <a:schemeClr val="accent1"/>
+          </a:effectRef>
+          <a:fontRef idx="minor">
+            <a:schemeClr val="tx1"/>
+          </a:fontRef>
+        </p:style>
+      </p:cxnSp>
+      <p:graphicFrame>
+        <p:nvGraphicFramePr>
+          <p:cNvPr id="42" name="Table 41"/>
+          <p:cNvGraphicFramePr>
+            <a:graphicFrameLocks noGrp="1"/>
+          </p:cNvGraphicFramePr>
+          <p:nvPr>
+            <p:extLst>
+              <p:ext uri="{D42A27DB-BD31-4B8C-83A1-F6EECF244321}">
+                <p14:modId xmlns:p14="http://schemas.microsoft.com/office/powerpoint/2010/main" val="4159418594"/>
+              </p:ext>
+            </p:extLst>
+          </p:nvPr>
+        </p:nvGraphicFramePr>
+        <p:xfrm>
+          <a:off x="461604" y="2787389"/>
+          <a:ext cx="8412480" cy="3779520"/>
+        </p:xfrm>
+        <a:graphic>
+          <a:graphicData uri="http://schemas.openxmlformats.org/drawingml/2006/table">
+            <a:tbl>
+              <a:tblPr firstRow="1" bandRow="1">
+                <a:tableStyleId>{5940675A-B579-460E-94D1-54222C63F5DA}</a:tableStyleId>
+              </a:tblPr>
+              <a:tblGrid>
+                <a:gridCol w="2814252"/>
+                <a:gridCol w="5598228"/>
+              </a:tblGrid>
+              <a:tr h="0">
+                <a:tc>
+                  <a:txBody>
+                    <a:bodyPr/>
+                    <a:lstStyle/>
+                    <a:p>
+                      <a:r>
+                        <a:rPr lang="en-US" sz="1600" b="1" dirty="0" smtClean="0">
+                          <a:latin typeface="Times New Roman" panose="02020603050405020304" pitchFamily="18" charset="0"/>
+                          <a:cs typeface="Times New Roman" panose="02020603050405020304" pitchFamily="18" charset="0"/>
+                        </a:rPr>
+                        <a:t>Module</a:t>
+                      </a:r>
+                      <a:endParaRPr lang="en-US" sz="1600" b="1" dirty="0">
+                        <a:latin typeface="Times New Roman" panose="02020603050405020304" pitchFamily="18" charset="0"/>
+                        <a:cs typeface="Times New Roman" panose="02020603050405020304" pitchFamily="18" charset="0"/>
+                      </a:endParaRPr>
+                    </a:p>
+                  </a:txBody>
+                  <a:tcPr/>
+                </a:tc>
+                <a:tc>
+                  <a:txBody>
+                    <a:bodyPr/>
+                    <a:lstStyle/>
+                    <a:p>
+                      <a:r>
+                        <a:rPr lang="en-US" sz="1600" b="1" dirty="0" smtClean="0">
+                          <a:latin typeface="Times New Roman" panose="02020603050405020304" pitchFamily="18" charset="0"/>
+                          <a:cs typeface="Times New Roman" panose="02020603050405020304" pitchFamily="18" charset="0"/>
+                        </a:rPr>
+                        <a:t>Power Management</a:t>
+                      </a:r>
+                      <a:endParaRPr lang="en-US" sz="1600" b="1" dirty="0">
+                        <a:latin typeface="Times New Roman" panose="02020603050405020304" pitchFamily="18" charset="0"/>
+                        <a:cs typeface="Times New Roman" panose="02020603050405020304" pitchFamily="18" charset="0"/>
+                      </a:endParaRPr>
+                    </a:p>
+                  </a:txBody>
+                  <a:tcPr/>
+                </a:tc>
+              </a:tr>
+              <a:tr h="0">
+                <a:tc>
+                  <a:txBody>
+                    <a:bodyPr/>
+                    <a:lstStyle/>
+                    <a:p>
+                      <a:r>
+                        <a:rPr lang="en-US" sz="1600" dirty="0" smtClean="0">
+                          <a:latin typeface="Times New Roman" panose="02020603050405020304" pitchFamily="18" charset="0"/>
+                          <a:cs typeface="Times New Roman" panose="02020603050405020304" pitchFamily="18" charset="0"/>
+                        </a:rPr>
+                        <a:t>Input</a:t>
+                      </a:r>
+                      <a:endParaRPr lang="en-US" sz="1600" dirty="0">
+                        <a:latin typeface="Times New Roman" panose="02020603050405020304" pitchFamily="18" charset="0"/>
+                        <a:cs typeface="Times New Roman" panose="02020603050405020304" pitchFamily="18" charset="0"/>
+                      </a:endParaRPr>
+                    </a:p>
+                  </a:txBody>
+                  <a:tcPr marL="45720" marR="45720"/>
+                </a:tc>
+                <a:tc>
+                  <a:txBody>
+                    <a:bodyPr/>
+                    <a:lstStyle/>
+                    <a:p>
+                      <a:pPr marL="342900" indent="-342900">
+                        <a:buAutoNum type="arabicParenR"/>
+                      </a:pPr>
+                      <a:r>
+                        <a:rPr lang="en-US" sz="1600" baseline="0" dirty="0" smtClean="0">
+                          <a:latin typeface="Times New Roman" panose="02020603050405020304" pitchFamily="18" charset="0"/>
+                          <a:cs typeface="Times New Roman" panose="02020603050405020304" pitchFamily="18" charset="0"/>
+                        </a:rPr>
+                        <a:t>Power: USB or Battery</a:t>
+                      </a:r>
+                    </a:p>
+                    <a:p>
+                      <a:pPr marL="342900" indent="-342900">
+                        <a:buAutoNum type="arabicParenR"/>
+                      </a:pPr>
+                      <a:r>
+                        <a:rPr lang="en-US" sz="1600" baseline="0" dirty="0" smtClean="0">
+                          <a:latin typeface="Times New Roman" panose="02020603050405020304" pitchFamily="18" charset="0"/>
+                          <a:cs typeface="Times New Roman" panose="02020603050405020304" pitchFamily="18" charset="0"/>
+                        </a:rPr>
+                        <a:t>On/Off: Enables and Disables the Voltage Regulator</a:t>
+                      </a:r>
+                    </a:p>
+                    <a:p>
+                      <a:pPr marL="342900" indent="-342900">
+                        <a:buAutoNum type="arabicParenR"/>
+                      </a:pPr>
+                      <a:r>
+                        <a:rPr lang="en-US" sz="1600" baseline="0" dirty="0" smtClean="0">
+                          <a:latin typeface="Times New Roman" panose="02020603050405020304" pitchFamily="18" charset="0"/>
+                          <a:cs typeface="Times New Roman" panose="02020603050405020304" pitchFamily="18" charset="0"/>
+                        </a:rPr>
+                        <a:t>!Reset: Reset Button</a:t>
+                      </a:r>
+                    </a:p>
+                    <a:p>
+                      <a:pPr marL="342900" indent="-342900">
+                        <a:buAutoNum type="arabicParenR"/>
+                      </a:pPr>
+                      <a:r>
+                        <a:rPr lang="en-US" sz="1600" baseline="0" dirty="0" smtClean="0">
+                          <a:latin typeface="Times New Roman" panose="02020603050405020304" pitchFamily="18" charset="0"/>
+                          <a:cs typeface="Times New Roman" panose="02020603050405020304" pitchFamily="18" charset="0"/>
+                        </a:rPr>
+                        <a:t>Debug: Debug with JTAG</a:t>
+                      </a:r>
+                    </a:p>
+                    <a:p>
+                      <a:pPr marL="0" indent="0">
+                        <a:buNone/>
+                      </a:pPr>
+                      <a:endParaRPr lang="en-US" sz="1600" dirty="0">
+                        <a:latin typeface="Times New Roman" panose="02020603050405020304" pitchFamily="18" charset="0"/>
+                        <a:cs typeface="Times New Roman" panose="02020603050405020304" pitchFamily="18" charset="0"/>
+                      </a:endParaRPr>
+                    </a:p>
+                  </a:txBody>
+                  <a:tcPr marL="45720" marR="45720"/>
+                </a:tc>
+              </a:tr>
+              <a:tr h="0">
+                <a:tc>
+                  <a:txBody>
+                    <a:bodyPr/>
+                    <a:lstStyle/>
+                    <a:p>
+                      <a:r>
+                        <a:rPr lang="en-US" sz="1600" dirty="0" smtClean="0">
+                          <a:latin typeface="Times New Roman" panose="02020603050405020304" pitchFamily="18" charset="0"/>
+                          <a:cs typeface="Times New Roman" panose="02020603050405020304" pitchFamily="18" charset="0"/>
+                        </a:rPr>
+                        <a:t>Bi-Directional</a:t>
+                      </a:r>
+                      <a:r>
+                        <a:rPr lang="en-US" sz="1600" baseline="0" dirty="0" smtClean="0">
+                          <a:latin typeface="Times New Roman" panose="02020603050405020304" pitchFamily="18" charset="0"/>
+                          <a:cs typeface="Times New Roman" panose="02020603050405020304" pitchFamily="18" charset="0"/>
+                        </a:rPr>
+                        <a:t> (Input-Output)</a:t>
+                      </a:r>
+                      <a:endParaRPr lang="en-US" sz="1600" dirty="0">
+                        <a:latin typeface="Times New Roman" panose="02020603050405020304" pitchFamily="18" charset="0"/>
+                        <a:cs typeface="Times New Roman" panose="02020603050405020304" pitchFamily="18" charset="0"/>
+                      </a:endParaRPr>
+                    </a:p>
+                  </a:txBody>
+                  <a:tcPr/>
+                </a:tc>
+                <a:tc>
+                  <a:txBody>
+                    <a:bodyPr/>
+                    <a:lstStyle/>
+                    <a:p>
+                      <a:pPr marL="342900" indent="-342900">
+                        <a:buAutoNum type="arabicParenR"/>
+                      </a:pPr>
+                      <a:r>
+                        <a:rPr lang="en-US" sz="1600" dirty="0" smtClean="0">
+                          <a:latin typeface="Times New Roman" panose="02020603050405020304" pitchFamily="18" charset="0"/>
+                          <a:cs typeface="Times New Roman" panose="02020603050405020304" pitchFamily="18" charset="0"/>
+                        </a:rPr>
+                        <a:t>Antenna:</a:t>
+                      </a:r>
+                      <a:r>
+                        <a:rPr lang="en-US" sz="1600" baseline="0" dirty="0" smtClean="0">
+                          <a:latin typeface="Times New Roman" panose="02020603050405020304" pitchFamily="18" charset="0"/>
+                          <a:cs typeface="Times New Roman" panose="02020603050405020304" pitchFamily="18" charset="0"/>
+                        </a:rPr>
+                        <a:t> Radio Antenna with 436.5MHz passband</a:t>
+                      </a:r>
+                    </a:p>
+                    <a:p>
+                      <a:pPr marL="342900" indent="-342900">
+                        <a:buAutoNum type="arabicParenR"/>
+                      </a:pPr>
+                      <a:r>
+                        <a:rPr lang="en-US" sz="1600" dirty="0" smtClean="0">
+                          <a:latin typeface="Times New Roman" panose="02020603050405020304" pitchFamily="18" charset="0"/>
+                          <a:cs typeface="Times New Roman" panose="02020603050405020304" pitchFamily="18" charset="0"/>
+                        </a:rPr>
+                        <a:t>Peripherals: At discretion of user,</a:t>
+                      </a:r>
+                      <a:r>
+                        <a:rPr lang="en-US" sz="1600" baseline="0" dirty="0" smtClean="0">
+                          <a:latin typeface="Times New Roman" panose="02020603050405020304" pitchFamily="18" charset="0"/>
+                          <a:cs typeface="Times New Roman" panose="02020603050405020304" pitchFamily="18" charset="0"/>
+                        </a:rPr>
+                        <a:t> breakout pins</a:t>
+                      </a:r>
+                      <a:endParaRPr lang="en-US" sz="1600" dirty="0">
+                        <a:latin typeface="Times New Roman" panose="02020603050405020304" pitchFamily="18" charset="0"/>
+                        <a:cs typeface="Times New Roman" panose="02020603050405020304" pitchFamily="18" charset="0"/>
+                      </a:endParaRPr>
+                    </a:p>
+                  </a:txBody>
+                  <a:tcPr/>
+                </a:tc>
+              </a:tr>
+              <a:tr h="0">
+                <a:tc>
+                  <a:txBody>
+                    <a:bodyPr/>
+                    <a:lstStyle/>
+                    <a:p>
+                      <a:r>
+                        <a:rPr lang="en-US" sz="1600" dirty="0" smtClean="0">
+                          <a:latin typeface="Times New Roman" panose="02020603050405020304" pitchFamily="18" charset="0"/>
+                          <a:cs typeface="Times New Roman" panose="02020603050405020304" pitchFamily="18" charset="0"/>
+                        </a:rPr>
+                        <a:t>Functionality</a:t>
+                      </a:r>
+                      <a:endParaRPr lang="en-US" sz="1600" dirty="0">
+                        <a:latin typeface="Times New Roman" panose="02020603050405020304" pitchFamily="18" charset="0"/>
+                        <a:cs typeface="Times New Roman" panose="02020603050405020304" pitchFamily="18" charset="0"/>
+                      </a:endParaRPr>
+                    </a:p>
+                  </a:txBody>
+                  <a:tcPr/>
+                </a:tc>
+                <a:tc>
+                  <a:txBody>
+                    <a:bodyPr/>
+                    <a:lstStyle/>
+                    <a:p>
+                      <a:r>
+                        <a:rPr lang="en-US" sz="1600" dirty="0" smtClean="0">
+                          <a:latin typeface="Times New Roman" panose="02020603050405020304" pitchFamily="18" charset="0"/>
+                          <a:cs typeface="Times New Roman" panose="02020603050405020304" pitchFamily="18" charset="0"/>
+                        </a:rPr>
+                        <a:t>This</a:t>
+                      </a:r>
+                      <a:r>
+                        <a:rPr lang="en-US" sz="1600" baseline="0" dirty="0" smtClean="0">
+                          <a:latin typeface="Times New Roman" panose="02020603050405020304" pitchFamily="18" charset="0"/>
+                          <a:cs typeface="Times New Roman" panose="02020603050405020304" pitchFamily="18" charset="0"/>
+                        </a:rPr>
+                        <a:t> module is a subsystem of a larger satellite CubeSat system. The main function of this subsystem is to receive and transmit high frequency data signal using Wi-Fi protocol.  At the heart of this module is a microcontroller that takes commands via USB, GPIO, and JTAG configurations and uses radio frequency to communicate  messages from and to another similar module.</a:t>
+                      </a:r>
+                      <a:endParaRPr lang="en-US" sz="1600" dirty="0">
+                        <a:latin typeface="Times New Roman" panose="02020603050405020304" pitchFamily="18" charset="0"/>
+                        <a:cs typeface="Times New Roman" panose="02020603050405020304" pitchFamily="18" charset="0"/>
+                      </a:endParaRPr>
+                    </a:p>
+                  </a:txBody>
+                  <a:tcPr/>
+                </a:tc>
+              </a:tr>
+            </a:tbl>
+          </a:graphicData>
+        </a:graphic>
+      </p:graphicFrame>
     </p:spTree>
     <p:extLst>
       <p:ext uri="{BB962C8B-B14F-4D97-AF65-F5344CB8AC3E}">
@@ -4315,7 +4624,7 @@
                   <a:ea typeface="Calibri" pitchFamily="34" charset="0"/>
                   <a:cs typeface="Times New Roman" pitchFamily="18" charset="0"/>
                 </a:rPr>
-                <a:t>Debug Interface</a:t>
+                <a:t>Peripherals</a:t>
               </a:r>
               <a:endParaRPr kumimoji="0" lang="en-US" altLang="en-US" sz="3200" b="0" i="0" u="none" strike="noStrike" cap="none" normalizeH="0" baseline="0" dirty="0" smtClean="0">
                 <a:ln>
@@ -4420,7 +4729,7 @@
           </p:nvSpPr>
           <p:spPr bwMode="auto">
             <a:xfrm rot="10800000" flipV="1">
-              <a:off x="301503" y="2225956"/>
+              <a:off x="286302" y="2155221"/>
               <a:ext cx="1313421" cy="238916"/>
             </a:xfrm>
             <a:prstGeom prst="rect">
@@ -4544,14 +4853,7 @@
                   <a:latin typeface="Calibri" pitchFamily="34" charset="0"/>
                   <a:cs typeface="Times New Roman" pitchFamily="18" charset="0"/>
                 </a:rPr>
-                <a:t>Data </a:t>
-              </a:r>
-              <a:r>
-                <a:rPr lang="en-US" altLang="en-US" dirty="0" err="1" smtClean="0">
-                  <a:latin typeface="Calibri" pitchFamily="34" charset="0"/>
-                  <a:cs typeface="Times New Roman" pitchFamily="18" charset="0"/>
-                </a:rPr>
-                <a:t>inout</a:t>
+                <a:t>!Reset</a:t>
               </a:r>
               <a:endParaRPr kumimoji="0" lang="en-US" altLang="en-US" sz="2800" b="0" i="0" u="none" strike="noStrike" cap="none" normalizeH="0" baseline="0" dirty="0" smtClean="0">
                 <a:ln>
@@ -4620,7 +4922,7 @@
                 <a:tabLst/>
               </a:pPr>
               <a:r>
-                <a:rPr kumimoji="0" lang="en-US" altLang="en-US" sz="1600" b="0" i="0" u="none" strike="noStrike" cap="none" normalizeH="0" baseline="0" dirty="0" smtClean="0">
+                <a:rPr kumimoji="0" lang="en-US" altLang="en-US" sz="1400" b="0" i="0" u="none" strike="noStrike" cap="none" normalizeH="0" baseline="0" dirty="0" smtClean="0">
                   <a:ln>
                     <a:noFill/>
                   </a:ln>
@@ -4635,7 +4937,7 @@
                 <a:t>Power</a:t>
               </a:r>
               <a:r>
-                <a:rPr kumimoji="0" lang="en-US" altLang="en-US" sz="1600" b="0" i="0" u="none" strike="noStrike" cap="none" normalizeH="0" dirty="0" smtClean="0">
+                <a:rPr kumimoji="0" lang="en-US" altLang="en-US" sz="1400" b="0" i="0" u="none" strike="noStrike" cap="none" normalizeH="0" dirty="0" smtClean="0">
                   <a:ln>
                     <a:noFill/>
                   </a:ln>
@@ -4668,7 +4970,15 @@
                 <a:tabLst/>
               </a:pPr>
               <a:r>
-                <a:rPr kumimoji="0" lang="en-US" altLang="en-US" sz="1600" b="0" i="0" u="none" strike="noStrike" cap="none" normalizeH="0" dirty="0" err="1" smtClean="0">
+                <a:rPr lang="en-US" altLang="en-US" sz="1400" dirty="0" err="1">
+                  <a:latin typeface="Calibri" pitchFamily="34" charset="0"/>
+                  <a:ea typeface="Calibri" pitchFamily="34" charset="0"/>
+                  <a:cs typeface="Times New Roman" pitchFamily="18" charset="0"/>
+                </a:rPr>
+                <a:t>m</a:t>
+              </a:r>
+              <a:r>
+                <a:rPr kumimoji="0" lang="en-US" altLang="en-US" sz="1400" b="0" i="0" u="none" strike="noStrike" cap="none" normalizeH="0" dirty="0" err="1" smtClean="0">
                   <a:ln>
                     <a:noFill/>
                   </a:ln>
@@ -4680,9 +4990,24 @@
                   <a:ea typeface="Calibri" pitchFamily="34" charset="0"/>
                   <a:cs typeface="Times New Roman" pitchFamily="18" charset="0"/>
                 </a:rPr>
-                <a:t>ment</a:t>
+                <a:t>ent</a:t>
               </a:r>
-              <a:endParaRPr kumimoji="0" lang="en-US" altLang="en-US" sz="2800" b="0" i="0" u="none" strike="noStrike" cap="none" normalizeH="0" baseline="0" dirty="0" smtClean="0">
+              <a:r>
+                <a:rPr kumimoji="0" lang="en-US" altLang="en-US" sz="1400" b="0" i="0" u="none" strike="noStrike" cap="none" normalizeH="0" dirty="0" smtClean="0">
+                  <a:ln>
+                    <a:noFill/>
+                  </a:ln>
+                  <a:solidFill>
+                    <a:schemeClr val="tx1"/>
+                  </a:solidFill>
+                  <a:effectLst/>
+                  <a:latin typeface="Calibri" pitchFamily="34" charset="0"/>
+                  <a:ea typeface="Calibri" pitchFamily="34" charset="0"/>
+                  <a:cs typeface="Times New Roman" pitchFamily="18" charset="0"/>
+                </a:rPr>
+                <a:t> System</a:t>
+              </a:r>
+              <a:endParaRPr kumimoji="0" lang="en-US" altLang="en-US" sz="1400" b="0" i="0" u="none" strike="noStrike" cap="none" normalizeH="0" baseline="0" dirty="0" smtClean="0">
                 <a:ln>
                   <a:noFill/>
                 </a:ln>
@@ -4904,79 +5229,6 @@
         </p:sp>
         <p:sp>
           <p:nvSpPr>
-            <p:cNvPr id="34" name="Rectangle 1"/>
-            <p:cNvSpPr>
-              <a:spLocks noChangeArrowheads="1"/>
-            </p:cNvSpPr>
-            <p:nvPr/>
-          </p:nvSpPr>
-          <p:spPr bwMode="auto">
-            <a:xfrm>
-              <a:off x="6053374" y="1856009"/>
-              <a:ext cx="1163352" cy="893397"/>
-            </a:xfrm>
-            <a:prstGeom prst="rect">
-              <a:avLst/>
-            </a:prstGeom>
-            <a:solidFill>
-              <a:srgbClr val="FFFFFF"/>
-            </a:solidFill>
-            <a:ln w="19050">
-              <a:solidFill>
-                <a:srgbClr val="000000"/>
-              </a:solidFill>
-              <a:miter lim="800000"/>
-              <a:headEnd/>
-              <a:tailEnd/>
-            </a:ln>
-          </p:spPr>
-          <p:txBody>
-            <a:bodyPr vert="horz" wrap="square" lIns="91440" tIns="45720" rIns="91440" bIns="45720" numCol="1" anchor="ctr" anchorCtr="0" compatLnSpc="1">
-              <a:prstTxWarp prst="textNoShape">
-                <a:avLst/>
-              </a:prstTxWarp>
-            </a:bodyPr>
-            <a:lstStyle/>
-            <a:p>
-              <a:pPr marL="0" marR="0" lvl="0" indent="0" algn="ctr" defTabSz="914400" rtl="0" eaLnBrk="1" fontAlgn="base" latinLnBrk="0" hangingPunct="1">
-                <a:lnSpc>
-                  <a:spcPct val="100000"/>
-                </a:lnSpc>
-                <a:spcBef>
-                  <a:spcPct val="0"/>
-                </a:spcBef>
-                <a:spcAft>
-                  <a:spcPct val="0"/>
-                </a:spcAft>
-                <a:buClrTx/>
-                <a:buSzTx/>
-                <a:buFontTx/>
-                <a:buNone/>
-                <a:tabLst/>
-              </a:pPr>
-              <a:r>
-                <a:rPr lang="en-US" altLang="en-US" sz="1600" dirty="0" smtClean="0">
-                  <a:latin typeface="Calibri" pitchFamily="34" charset="0"/>
-                  <a:cs typeface="Times New Roman" pitchFamily="18" charset="0"/>
-                </a:rPr>
-                <a:t>LEDS</a:t>
-              </a:r>
-              <a:endParaRPr kumimoji="0" lang="en-US" altLang="en-US" sz="2800" b="0" i="0" u="none" strike="noStrike" cap="none" normalizeH="0" baseline="0" dirty="0" smtClean="0">
-                <a:ln>
-                  <a:noFill/>
-                </a:ln>
-                <a:solidFill>
-                  <a:schemeClr val="tx1"/>
-                </a:solidFill>
-                <a:effectLst/>
-                <a:latin typeface="Arial" pitchFamily="34" charset="0"/>
-                <a:cs typeface="Arial" pitchFamily="34" charset="0"/>
-              </a:endParaRPr>
-            </a:p>
-          </p:txBody>
-        </p:sp>
-        <p:sp>
-          <p:nvSpPr>
             <p:cNvPr id="35" name="Rectangle 1"/>
             <p:cNvSpPr>
               <a:spLocks noChangeArrowheads="1"/>
@@ -5032,158 +5284,14 @@
                   <a:latin typeface="Calibri" pitchFamily="34" charset="0"/>
                   <a:cs typeface="Times New Roman" pitchFamily="18" charset="0"/>
                 </a:rPr>
-                <a:t>RF Front End</a:t>
+                <a:t>RF </a:t>
               </a:r>
-              <a:endParaRPr kumimoji="0" lang="en-US" altLang="en-US" sz="2800" b="0" i="0" u="none" strike="noStrike" cap="none" normalizeH="0" baseline="0" dirty="0" smtClean="0">
-                <a:ln>
-                  <a:noFill/>
-                </a:ln>
-                <a:solidFill>
-                  <a:schemeClr val="tx1"/>
-                </a:solidFill>
-                <a:effectLst/>
-                <a:latin typeface="Arial" pitchFamily="34" charset="0"/>
-                <a:cs typeface="Arial" pitchFamily="34" charset="0"/>
-              </a:endParaRPr>
-            </a:p>
-          </p:txBody>
-        </p:sp>
-        <p:sp>
-          <p:nvSpPr>
-            <p:cNvPr id="37" name="Rectangle 1"/>
-            <p:cNvSpPr>
-              <a:spLocks noChangeArrowheads="1"/>
-            </p:cNvSpPr>
-            <p:nvPr/>
-          </p:nvSpPr>
-          <p:spPr bwMode="auto">
-            <a:xfrm>
-              <a:off x="2719624" y="3507382"/>
-              <a:ext cx="1163352" cy="893397"/>
-            </a:xfrm>
-            <a:prstGeom prst="rect">
-              <a:avLst/>
-            </a:prstGeom>
-            <a:solidFill>
-              <a:srgbClr val="FFFFFF"/>
-            </a:solidFill>
-            <a:ln w="19050">
-              <a:solidFill>
-                <a:srgbClr val="000000"/>
-              </a:solidFill>
-              <a:miter lim="800000"/>
-              <a:headEnd/>
-              <a:tailEnd/>
-            </a:ln>
-          </p:spPr>
-          <p:txBody>
-            <a:bodyPr vert="horz" wrap="square" lIns="91440" tIns="45720" rIns="91440" bIns="45720" numCol="1" anchor="ctr" anchorCtr="0" compatLnSpc="1">
-              <a:prstTxWarp prst="textNoShape">
-                <a:avLst/>
-              </a:prstTxWarp>
-            </a:bodyPr>
-            <a:lstStyle/>
-            <a:p>
-              <a:pPr marL="0" marR="0" lvl="0" indent="0" algn="ctr" defTabSz="914400" rtl="0" eaLnBrk="1" fontAlgn="base" latinLnBrk="0" hangingPunct="1">
-                <a:lnSpc>
-                  <a:spcPct val="100000"/>
-                </a:lnSpc>
-                <a:spcBef>
-                  <a:spcPct val="0"/>
-                </a:spcBef>
-                <a:spcAft>
-                  <a:spcPct val="0"/>
-                </a:spcAft>
-                <a:buClrTx/>
-                <a:buSzTx/>
-                <a:buFontTx/>
-                <a:buNone/>
-                <a:tabLst/>
-              </a:pPr>
               <a:r>
-                <a:rPr kumimoji="0" lang="en-US" altLang="en-US" sz="1600" b="0" i="0" u="none" strike="noStrike" cap="none" normalizeH="0" baseline="0" dirty="0" smtClean="0">
-                  <a:ln>
-                    <a:noFill/>
-                  </a:ln>
-                  <a:solidFill>
-                    <a:schemeClr val="tx1"/>
-                  </a:solidFill>
-                  <a:effectLst/>
+                <a:rPr lang="en-US" altLang="en-US" sz="1600" dirty="0" smtClean="0">
                   <a:latin typeface="Calibri" pitchFamily="34" charset="0"/>
-                  <a:ea typeface="Calibri" pitchFamily="34" charset="0"/>
                   <a:cs typeface="Times New Roman" pitchFamily="18" charset="0"/>
                 </a:rPr>
-                <a:t>GPIO</a:t>
-              </a:r>
-            </a:p>
-          </p:txBody>
-        </p:sp>
-        <p:sp>
-          <p:nvSpPr>
-            <p:cNvPr id="38" name="Rectangle 1"/>
-            <p:cNvSpPr>
-              <a:spLocks noChangeArrowheads="1"/>
-            </p:cNvSpPr>
-            <p:nvPr/>
-          </p:nvSpPr>
-          <p:spPr bwMode="auto">
-            <a:xfrm>
-              <a:off x="2748199" y="4654131"/>
-              <a:ext cx="1163352" cy="893397"/>
-            </a:xfrm>
-            <a:prstGeom prst="rect">
-              <a:avLst/>
-            </a:prstGeom>
-            <a:solidFill>
-              <a:srgbClr val="FFFFFF"/>
-            </a:solidFill>
-            <a:ln w="19050">
-              <a:solidFill>
-                <a:srgbClr val="000000"/>
-              </a:solidFill>
-              <a:miter lim="800000"/>
-              <a:headEnd/>
-              <a:tailEnd/>
-            </a:ln>
-          </p:spPr>
-          <p:txBody>
-            <a:bodyPr vert="horz" wrap="square" lIns="91440" tIns="45720" rIns="91440" bIns="45720" numCol="1" anchor="ctr" anchorCtr="0" compatLnSpc="1">
-              <a:prstTxWarp prst="textNoShape">
-                <a:avLst/>
-              </a:prstTxWarp>
-            </a:bodyPr>
-            <a:lstStyle/>
-            <a:p>
-              <a:pPr marL="0" marR="0" lvl="0" indent="0" algn="ctr" defTabSz="914400" rtl="0" eaLnBrk="1" fontAlgn="base" latinLnBrk="0" hangingPunct="1">
-                <a:lnSpc>
-                  <a:spcPct val="100000"/>
-                </a:lnSpc>
-                <a:spcBef>
-                  <a:spcPct val="0"/>
-                </a:spcBef>
-                <a:spcAft>
-                  <a:spcPct val="0"/>
-                </a:spcAft>
-                <a:buClrTx/>
-                <a:buSzTx/>
-                <a:buFontTx/>
-                <a:buNone/>
-                <a:tabLst/>
-              </a:pPr>
-              <a:r>
-                <a:rPr kumimoji="0" lang="en-US" altLang="en-US" sz="1600" b="0" i="0" u="none" strike="noStrike" cap="none" normalizeH="0" baseline="0" dirty="0" smtClean="0">
-                  <a:ln>
-                    <a:noFill/>
-                  </a:ln>
-                  <a:solidFill>
-                    <a:schemeClr val="tx1"/>
-                  </a:solidFill>
-                  <a:effectLst/>
-                  <a:latin typeface="Calibri" pitchFamily="34" charset="0"/>
-                  <a:ea typeface="Calibri" pitchFamily="34" charset="0"/>
-                  <a:cs typeface="Times New Roman" pitchFamily="18" charset="0"/>
-                </a:rPr>
-                <a:t>JTAG</a:t>
+                <a:t>Filter</a:t>
               </a:r>
               <a:endParaRPr kumimoji="0" lang="en-US" altLang="en-US" sz="2800" b="0" i="0" u="none" strike="noStrike" cap="none" normalizeH="0" baseline="0" dirty="0" smtClean="0">
                 <a:ln>
@@ -5275,55 +5383,20 @@
         </p:cxnSp>
         <p:cxnSp>
           <p:nvCxnSpPr>
-            <p:cNvPr id="49" name="Straight Arrow Connector 48"/>
-            <p:cNvCxnSpPr/>
-            <p:nvPr/>
-          </p:nvCxnSpPr>
-          <p:spPr>
-            <a:xfrm>
-              <a:off x="3872800" y="3954081"/>
-              <a:ext cx="713073" cy="0"/>
-            </a:xfrm>
-            <a:prstGeom prst="straightConnector1">
-              <a:avLst/>
-            </a:prstGeom>
-            <a:ln w="19050">
-              <a:solidFill>
-                <a:schemeClr val="tx1"/>
-              </a:solidFill>
-              <a:headEnd type="arrow"/>
-              <a:tailEnd type="arrow"/>
-            </a:ln>
-          </p:spPr>
-          <p:style>
-            <a:lnRef idx="1">
-              <a:schemeClr val="accent1"/>
-            </a:lnRef>
-            <a:fillRef idx="0">
-              <a:schemeClr val="accent1"/>
-            </a:fillRef>
-            <a:effectRef idx="0">
-              <a:schemeClr val="accent1"/>
-            </a:effectRef>
-            <a:fontRef idx="minor">
-              <a:schemeClr val="tx1"/>
-            </a:fontRef>
-          </p:style>
-        </p:cxnSp>
-        <p:cxnSp>
-          <p:nvCxnSpPr>
             <p:cNvPr id="53" name="Elbow Connector 52"/>
-            <p:cNvCxnSpPr/>
+            <p:cNvCxnSpPr>
+              <a:stCxn id="11" idx="1"/>
+            </p:cNvCxnSpPr>
             <p:nvPr/>
           </p:nvCxnSpPr>
           <p:spPr>
             <a:xfrm flipV="1">
-              <a:off x="3882976" y="4289744"/>
-              <a:ext cx="702897" cy="788196"/>
+              <a:off x="1566447" y="4508850"/>
+              <a:ext cx="3016238" cy="658935"/>
             </a:xfrm>
             <a:prstGeom prst="bentConnector3">
               <a:avLst>
-                <a:gd name="adj1" fmla="val 54066"/>
+                <a:gd name="adj1" fmla="val 50000"/>
               </a:avLst>
             </a:prstGeom>
             <a:ln w="19050">
@@ -5370,44 +5443,6 @@
                 <a:schemeClr val="tx1"/>
               </a:solidFill>
               <a:headEnd type="arrow"/>
-              <a:tailEnd type="arrow"/>
-            </a:ln>
-          </p:spPr>
-          <p:style>
-            <a:lnRef idx="1">
-              <a:schemeClr val="accent1"/>
-            </a:lnRef>
-            <a:fillRef idx="0">
-              <a:schemeClr val="accent1"/>
-            </a:fillRef>
-            <a:effectRef idx="0">
-              <a:schemeClr val="accent1"/>
-            </a:effectRef>
-            <a:fontRef idx="minor">
-              <a:schemeClr val="tx1"/>
-            </a:fontRef>
-          </p:style>
-        </p:cxnSp>
-        <p:cxnSp>
-          <p:nvCxnSpPr>
-            <p:cNvPr id="63" name="Elbow Connector 62"/>
-            <p:cNvCxnSpPr>
-              <a:endCxn id="34" idx="1"/>
-            </p:cNvCxnSpPr>
-            <p:nvPr/>
-          </p:nvCxnSpPr>
-          <p:spPr>
-            <a:xfrm rot="5400000" flipH="1" flipV="1">
-              <a:off x="5296848" y="2458508"/>
-              <a:ext cx="912326" cy="600727"/>
-            </a:xfrm>
-            <a:prstGeom prst="bentConnector2">
-              <a:avLst/>
-            </a:prstGeom>
-            <a:ln w="19050">
-              <a:solidFill>
-                <a:schemeClr val="tx1"/>
-              </a:solidFill>
               <a:tailEnd type="arrow"/>
             </a:ln>
           </p:spPr>
@@ -5917,77 +5952,260 @@
             </a:fontRef>
           </p:style>
         </p:cxnSp>
-        <p:cxnSp>
-          <p:nvCxnSpPr>
-            <p:cNvPr id="120" name="Straight Connector 119"/>
-            <p:cNvCxnSpPr/>
-            <p:nvPr/>
-          </p:nvCxnSpPr>
-          <p:spPr>
-            <a:xfrm>
-              <a:off x="1629483" y="3954081"/>
-              <a:ext cx="1118716" cy="0"/>
-            </a:xfrm>
-            <a:prstGeom prst="line">
+      </p:grpSp>
+      <p:sp>
+        <p:nvSpPr>
+          <p:cNvPr id="39" name="Text Box 2"/>
+          <p:cNvSpPr txBox="1">
+            <a:spLocks noChangeArrowheads="1"/>
+          </p:cNvSpPr>
+          <p:nvPr/>
+        </p:nvSpPr>
+        <p:spPr bwMode="auto">
+          <a:xfrm rot="10800000" flipV="1">
+            <a:off x="321934" y="1275447"/>
+            <a:ext cx="1313421" cy="238916"/>
+          </a:xfrm>
+          <a:prstGeom prst="rect">
+            <a:avLst/>
+          </a:prstGeom>
+          <a:solidFill>
+            <a:srgbClr val="FFFFFF"/>
+          </a:solidFill>
+          <a:ln w="9525">
+            <a:noFill/>
+            <a:miter lim="800000"/>
+            <a:headEnd/>
+            <a:tailEnd/>
+          </a:ln>
+        </p:spPr>
+        <p:txBody>
+          <a:bodyPr vert="horz" wrap="square" lIns="91440" tIns="45720" rIns="91440" bIns="45720" numCol="1" anchor="t" anchorCtr="0" compatLnSpc="1">
+            <a:prstTxWarp prst="textNoShape">
               <a:avLst/>
-            </a:prstGeom>
-            <a:ln w="19050">
+            </a:prstTxWarp>
+          </a:bodyPr>
+          <a:lstStyle/>
+          <a:p>
+            <a:pPr marL="0" marR="0" lvl="0" indent="0" algn="r" defTabSz="914400" rtl="0" eaLnBrk="1" fontAlgn="base" latinLnBrk="0" hangingPunct="1">
+              <a:lnSpc>
+                <a:spcPct val="100000"/>
+              </a:lnSpc>
+              <a:spcBef>
+                <a:spcPct val="0"/>
+              </a:spcBef>
+              <a:spcAft>
+                <a:spcPct val="0"/>
+              </a:spcAft>
+              <a:buClrTx/>
+              <a:buSzTx/>
+              <a:buFontTx/>
+              <a:buNone/>
+              <a:tabLst/>
+            </a:pPr>
+            <a:r>
+              <a:rPr kumimoji="0" lang="en-US" altLang="en-US" b="0" i="0" u="none" strike="noStrike" cap="none" normalizeH="0" baseline="0" dirty="0" smtClean="0">
+                <a:ln>
+                  <a:noFill/>
+                </a:ln>
+                <a:solidFill>
+                  <a:schemeClr val="tx1"/>
+                </a:solidFill>
+                <a:effectLst/>
+                <a:latin typeface="Calibri" pitchFamily="34" charset="0"/>
+                <a:ea typeface="Calibri" pitchFamily="34" charset="0"/>
+                <a:cs typeface="Times New Roman" pitchFamily="18" charset="0"/>
+              </a:rPr>
+              <a:t>Battery</a:t>
+            </a:r>
+            <a:endParaRPr kumimoji="0" lang="en-US" altLang="en-US" sz="3200" b="0" i="0" u="none" strike="noStrike" cap="none" normalizeH="0" baseline="0" dirty="0" smtClean="0">
+              <a:ln>
+                <a:noFill/>
+              </a:ln>
               <a:solidFill>
                 <a:schemeClr val="tx1"/>
               </a:solidFill>
-            </a:ln>
-          </p:spPr>
-          <p:style>
-            <a:lnRef idx="1">
-              <a:schemeClr val="accent1"/>
-            </a:lnRef>
-            <a:fillRef idx="0">
-              <a:schemeClr val="accent1"/>
-            </a:fillRef>
-            <a:effectRef idx="0">
-              <a:schemeClr val="accent1"/>
-            </a:effectRef>
-            <a:fontRef idx="minor">
-              <a:schemeClr val="tx1"/>
-            </a:fontRef>
-          </p:style>
-        </p:cxnSp>
-        <p:cxnSp>
-          <p:nvCxnSpPr>
-            <p:cNvPr id="121" name="Straight Connector 120"/>
-            <p:cNvCxnSpPr/>
-            <p:nvPr/>
-          </p:nvCxnSpPr>
-          <p:spPr>
-            <a:xfrm>
-              <a:off x="1566447" y="5167784"/>
-              <a:ext cx="1181752" cy="0"/>
-            </a:xfrm>
-            <a:prstGeom prst="line">
+              <a:effectLst/>
+              <a:latin typeface="Arial" pitchFamily="34" charset="0"/>
+              <a:cs typeface="Arial" pitchFamily="34" charset="0"/>
+            </a:endParaRPr>
+          </a:p>
+        </p:txBody>
+      </p:sp>
+      <p:cxnSp>
+        <p:nvCxnSpPr>
+          <p:cNvPr id="5" name="Straight Arrow Connector 4"/>
+          <p:cNvCxnSpPr/>
+          <p:nvPr/>
+        </p:nvCxnSpPr>
+        <p:spPr>
+          <a:xfrm>
+            <a:off x="1596603" y="1430910"/>
+            <a:ext cx="1130140" cy="0"/>
+          </a:xfrm>
+          <a:prstGeom prst="straightConnector1">
+            <a:avLst/>
+          </a:prstGeom>
+          <a:ln>
+            <a:tailEnd type="triangle"/>
+          </a:ln>
+        </p:spPr>
+        <p:style>
+          <a:lnRef idx="2">
+            <a:schemeClr val="dk1"/>
+          </a:lnRef>
+          <a:fillRef idx="0">
+            <a:schemeClr val="dk1"/>
+          </a:fillRef>
+          <a:effectRef idx="1">
+            <a:schemeClr val="dk1"/>
+          </a:effectRef>
+          <a:fontRef idx="minor">
+            <a:schemeClr val="tx1"/>
+          </a:fontRef>
+        </p:style>
+      </p:cxnSp>
+      <p:cxnSp>
+        <p:nvCxnSpPr>
+          <p:cNvPr id="50" name="Straight Arrow Connector 49"/>
+          <p:cNvCxnSpPr/>
+          <p:nvPr/>
+        </p:nvCxnSpPr>
+        <p:spPr>
+          <a:xfrm>
+            <a:off x="1617019" y="3817684"/>
+            <a:ext cx="2954114" cy="0"/>
+          </a:xfrm>
+          <a:prstGeom prst="straightConnector1">
+            <a:avLst/>
+          </a:prstGeom>
+          <a:ln>
+            <a:tailEnd type="triangle"/>
+          </a:ln>
+        </p:spPr>
+        <p:style>
+          <a:lnRef idx="2">
+            <a:schemeClr val="dk1"/>
+          </a:lnRef>
+          <a:fillRef idx="0">
+            <a:schemeClr val="dk1"/>
+          </a:fillRef>
+          <a:effectRef idx="1">
+            <a:schemeClr val="dk1"/>
+          </a:effectRef>
+          <a:fontRef idx="minor">
+            <a:schemeClr val="tx1"/>
+          </a:fontRef>
+        </p:style>
+      </p:cxnSp>
+      <p:sp>
+        <p:nvSpPr>
+          <p:cNvPr id="55" name="Text Box 1"/>
+          <p:cNvSpPr txBox="1">
+            <a:spLocks noChangeArrowheads="1"/>
+          </p:cNvSpPr>
+          <p:nvPr/>
+        </p:nvSpPr>
+        <p:spPr bwMode="auto">
+          <a:xfrm rot="10800000" flipV="1">
+            <a:off x="346124" y="3896131"/>
+            <a:ext cx="1289231" cy="203866"/>
+          </a:xfrm>
+          <a:prstGeom prst="rect">
+            <a:avLst/>
+          </a:prstGeom>
+          <a:solidFill>
+            <a:srgbClr val="FFFFFF"/>
+          </a:solidFill>
+          <a:ln w="9525">
+            <a:noFill/>
+            <a:miter lim="800000"/>
+            <a:headEnd/>
+            <a:tailEnd/>
+          </a:ln>
+        </p:spPr>
+        <p:txBody>
+          <a:bodyPr vert="horz" wrap="square" lIns="91440" tIns="45720" rIns="91440" bIns="45720" numCol="1" anchor="t" anchorCtr="0" compatLnSpc="1">
+            <a:prstTxWarp prst="textNoShape">
               <a:avLst/>
-            </a:prstGeom>
-            <a:ln w="19050">
+            </a:prstTxWarp>
+          </a:bodyPr>
+          <a:lstStyle/>
+          <a:p>
+            <a:pPr marL="0" marR="0" lvl="0" indent="0" algn="r" defTabSz="914400" rtl="0" eaLnBrk="1" fontAlgn="base" latinLnBrk="0" hangingPunct="1">
+              <a:lnSpc>
+                <a:spcPct val="100000"/>
+              </a:lnSpc>
+              <a:spcBef>
+                <a:spcPct val="0"/>
+              </a:spcBef>
+              <a:spcAft>
+                <a:spcPct val="0"/>
+              </a:spcAft>
+              <a:buClrTx/>
+              <a:buSzTx/>
+              <a:buFontTx/>
+              <a:buNone/>
+              <a:tabLst/>
+            </a:pPr>
+            <a:r>
+              <a:rPr lang="en-US" altLang="en-US" dirty="0" smtClean="0">
+                <a:latin typeface="Calibri" pitchFamily="34" charset="0"/>
+                <a:cs typeface="Times New Roman" pitchFamily="18" charset="0"/>
+              </a:rPr>
+              <a:t>Debug</a:t>
+            </a:r>
+            <a:endParaRPr kumimoji="0" lang="en-US" altLang="en-US" sz="2800" b="0" i="0" u="none" strike="noStrike" cap="none" normalizeH="0" baseline="0" dirty="0" smtClean="0">
+              <a:ln>
+                <a:noFill/>
+              </a:ln>
               <a:solidFill>
                 <a:schemeClr val="tx1"/>
               </a:solidFill>
-            </a:ln>
-          </p:spPr>
-          <p:style>
-            <a:lnRef idx="1">
-              <a:schemeClr val="accent1"/>
-            </a:lnRef>
-            <a:fillRef idx="0">
-              <a:schemeClr val="accent1"/>
-            </a:fillRef>
-            <a:effectRef idx="0">
-              <a:schemeClr val="accent1"/>
-            </a:effectRef>
-            <a:fontRef idx="minor">
+              <a:effectLst/>
+              <a:latin typeface="Arial" pitchFamily="34" charset="0"/>
+              <a:cs typeface="Arial" pitchFamily="34" charset="0"/>
+            </a:endParaRPr>
+          </a:p>
+        </p:txBody>
+      </p:sp>
+      <p:cxnSp>
+        <p:nvCxnSpPr>
+          <p:cNvPr id="58" name="Straight Arrow Connector 57"/>
+          <p:cNvCxnSpPr/>
+          <p:nvPr/>
+        </p:nvCxnSpPr>
+        <p:spPr>
+          <a:xfrm flipV="1">
+            <a:off x="1583743" y="4099397"/>
+            <a:ext cx="3016238" cy="0"/>
+          </a:xfrm>
+          <a:prstGeom prst="straightConnector1">
+            <a:avLst/>
+          </a:prstGeom>
+          <a:ln w="19050">
+            <a:solidFill>
               <a:schemeClr val="tx1"/>
-            </a:fontRef>
-          </p:style>
-        </p:cxnSp>
-      </p:grpSp>
+            </a:solidFill>
+            <a:headEnd type="arrow"/>
+            <a:tailEnd type="arrow"/>
+          </a:ln>
+        </p:spPr>
+        <p:style>
+          <a:lnRef idx="1">
+            <a:schemeClr val="accent1"/>
+          </a:lnRef>
+          <a:fillRef idx="0">
+            <a:schemeClr val="accent1"/>
+          </a:fillRef>
+          <a:effectRef idx="0">
+            <a:schemeClr val="accent1"/>
+          </a:effectRef>
+          <a:fontRef idx="minor">
+            <a:schemeClr val="tx1"/>
+          </a:fontRef>
+        </p:style>
+      </p:cxnSp>
     </p:spTree>
     <p:extLst>
       <p:ext uri="{BB962C8B-B14F-4D97-AF65-F5344CB8AC3E}">
@@ -6034,14 +6252,14 @@
           <p:nvPr>
             <p:extLst>
               <p:ext uri="{D42A27DB-BD31-4B8C-83A1-F6EECF244321}">
-                <p14:modId xmlns:p14="http://schemas.microsoft.com/office/powerpoint/2010/main" val="1925833242"/>
+                <p14:modId xmlns:p14="http://schemas.microsoft.com/office/powerpoint/2010/main" val="1633637150"/>
               </p:ext>
             </p:extLst>
           </p:nvPr>
         </p:nvGraphicFramePr>
         <p:xfrm>
-          <a:off x="516003" y="2276872"/>
-          <a:ext cx="8412480" cy="2316480"/>
+          <a:off x="516003" y="2000591"/>
+          <a:ext cx="8412480" cy="2407920"/>
         </p:xfrm>
         <a:graphic>
           <a:graphicData uri="http://schemas.openxmlformats.org/drawingml/2006/table">
@@ -6129,12 +6347,8 @@
                           <a:latin typeface="Times New Roman" panose="02020603050405020304" pitchFamily="18" charset="0"/>
                           <a:cs typeface="Times New Roman" panose="02020603050405020304" pitchFamily="18" charset="0"/>
                         </a:rPr>
-                        <a:t>USB Power :  supplies 4.5V-5.5V  DC through USB connection</a:t>
+                        <a:t>USB Power :  4.5~5.5V DC</a:t>
                       </a:r>
-                      <a:endParaRPr lang="en-US" sz="1600" dirty="0">
-                        <a:latin typeface="Times New Roman" panose="02020603050405020304" pitchFamily="18" charset="0"/>
-                        <a:cs typeface="Times New Roman" panose="02020603050405020304" pitchFamily="18" charset="0"/>
-                      </a:endParaRPr>
                     </a:p>
                   </a:txBody>
                   <a:tcPr marL="45720" marR="45720"/>
@@ -6205,6 +6419,89 @@
                     <a:bodyPr/>
                     <a:lstStyle/>
                     <a:p>
+                      <a:pPr marL="0" marR="0" indent="0" algn="l" defTabSz="914400" rtl="0" eaLnBrk="1" fontAlgn="auto" latinLnBrk="0" hangingPunct="1">
+                        <a:lnSpc>
+                          <a:spcPct val="100000"/>
+                        </a:lnSpc>
+                        <a:spcBef>
+                          <a:spcPts val="0"/>
+                        </a:spcBef>
+                        <a:spcAft>
+                          <a:spcPts val="0"/>
+                        </a:spcAft>
+                        <a:buClrTx/>
+                        <a:buSzTx/>
+                        <a:buFontTx/>
+                        <a:buNone/>
+                        <a:tabLst/>
+                        <a:defRPr/>
+                      </a:pPr>
+                      <a:r>
+                        <a:rPr lang="en-US" sz="1600" dirty="0" smtClean="0">
+                          <a:latin typeface="Times New Roman" panose="02020603050405020304" pitchFamily="18" charset="0"/>
+                          <a:cs typeface="Times New Roman" panose="02020603050405020304" pitchFamily="18" charset="0"/>
+                        </a:rPr>
+                        <a:t>Bidirectional</a:t>
+                      </a:r>
+                      <a:r>
+                        <a:rPr lang="en-US" sz="1600" baseline="0" dirty="0" smtClean="0">
+                          <a:latin typeface="Times New Roman" panose="02020603050405020304" pitchFamily="18" charset="0"/>
+                          <a:cs typeface="Times New Roman" panose="02020603050405020304" pitchFamily="18" charset="0"/>
+                        </a:rPr>
+                        <a:t> (Input –Output)</a:t>
+                      </a:r>
+                      <a:endParaRPr lang="en-US" sz="1600" dirty="0" smtClean="0">
+                        <a:latin typeface="Times New Roman" panose="02020603050405020304" pitchFamily="18" charset="0"/>
+                        <a:cs typeface="Times New Roman" panose="02020603050405020304" pitchFamily="18" charset="0"/>
+                      </a:endParaRPr>
+                    </a:p>
+                  </a:txBody>
+                  <a:tcPr/>
+                </a:tc>
+                <a:tc>
+                  <a:txBody>
+                    <a:bodyPr/>
+                    <a:lstStyle/>
+                    <a:p>
+                      <a:pPr marL="0" marR="0" indent="0" algn="l" defTabSz="914400" rtl="0" eaLnBrk="1" fontAlgn="auto" latinLnBrk="0" hangingPunct="1">
+                        <a:lnSpc>
+                          <a:spcPct val="100000"/>
+                        </a:lnSpc>
+                        <a:spcBef>
+                          <a:spcPts val="0"/>
+                        </a:spcBef>
+                        <a:spcAft>
+                          <a:spcPts val="0"/>
+                        </a:spcAft>
+                        <a:buClrTx/>
+                        <a:buSzTx/>
+                        <a:buFontTx/>
+                        <a:buNone/>
+                        <a:tabLst/>
+                        <a:defRPr/>
+                      </a:pPr>
+                      <a:r>
+                        <a:rPr lang="en-US" sz="1600" baseline="0" dirty="0" smtClean="0">
+                          <a:latin typeface="Times New Roman" panose="02020603050405020304" pitchFamily="18" charset="0"/>
+                          <a:cs typeface="Times New Roman" panose="02020603050405020304" pitchFamily="18" charset="0"/>
+                        </a:rPr>
+                        <a:t>Battery: 3.9V 1000mAH</a:t>
+                      </a:r>
+                      <a:endParaRPr lang="en-US" sz="1600" dirty="0" smtClean="0">
+                        <a:latin typeface="Times New Roman" panose="02020603050405020304" pitchFamily="18" charset="0"/>
+                        <a:cs typeface="Times New Roman" panose="02020603050405020304" pitchFamily="18" charset="0"/>
+                      </a:endParaRPr>
+                    </a:p>
+                  </a:txBody>
+                  <a:tcPr/>
+                </a:tc>
+              </a:tr>
+              <a:tr h="0">
+                <a:tc>
+                  <a:txBody>
+                    <a:bodyPr/>
+                    <a:lstStyle/>
+                    <a:p>
                       <a:r>
                         <a:rPr lang="en-US" sz="1600" dirty="0" smtClean="0">
                           <a:latin typeface="Times New Roman" panose="02020603050405020304" pitchFamily="18" charset="0"/>
@@ -6261,7 +6558,7 @@
           <p:nvPr>
             <p:extLst>
               <p:ext uri="{D42A27DB-BD31-4B8C-83A1-F6EECF244321}">
-                <p14:modId xmlns:p14="http://schemas.microsoft.com/office/powerpoint/2010/main" val="269022508"/>
+                <p14:modId xmlns:p14="http://schemas.microsoft.com/office/powerpoint/2010/main" val="20247840"/>
               </p:ext>
             </p:extLst>
           </p:nvPr>
@@ -6340,20 +6637,14 @@
                           <a:latin typeface="Times New Roman" panose="02020603050405020304" pitchFamily="18" charset="0"/>
                           <a:cs typeface="Times New Roman" panose="02020603050405020304" pitchFamily="18" charset="0"/>
                         </a:rPr>
-                        <a:t> (Input –Output)</a:t>
+                        <a:t> (Input –Output</a:t>
                       </a:r>
-                      <a:endParaRPr lang="en-US" sz="1600" dirty="0">
-                        <a:latin typeface="Times New Roman" panose="02020603050405020304" pitchFamily="18" charset="0"/>
-                        <a:cs typeface="Times New Roman" panose="02020603050405020304" pitchFamily="18" charset="0"/>
-                      </a:endParaRPr>
-                    </a:p>
-                    <a:p>
                       <a:r>
-                        <a:rPr lang="en-US" sz="1600" dirty="0" smtClean="0">
+                        <a:rPr lang="en-US" sz="1600" baseline="0" dirty="0" smtClean="0">
                           <a:latin typeface="Times New Roman" panose="02020603050405020304" pitchFamily="18" charset="0"/>
                           <a:cs typeface="Times New Roman" panose="02020603050405020304" pitchFamily="18" charset="0"/>
                         </a:rPr>
-                        <a:t>Output</a:t>
+                        <a:t>)</a:t>
                       </a:r>
                       <a:endParaRPr lang="en-US" sz="1600" dirty="0">
                         <a:latin typeface="Times New Roman" panose="02020603050405020304" pitchFamily="18" charset="0"/>
@@ -6376,7 +6667,28 @@
                           <a:latin typeface="Times New Roman" panose="02020603050405020304" pitchFamily="18" charset="0"/>
                           <a:cs typeface="Times New Roman" panose="02020603050405020304" pitchFamily="18" charset="0"/>
                         </a:rPr>
-                        <a:t>USB : Data  via USB connection (D+ and D-)</a:t>
+                        <a:t>USB : </a:t>
+                      </a:r>
+                      <a:r>
+                        <a:rPr lang="en-US" sz="1600" baseline="0" dirty="0" smtClean="0">
+                          <a:latin typeface="Times New Roman" panose="02020603050405020304" pitchFamily="18" charset="0"/>
+                          <a:cs typeface="Times New Roman" panose="02020603050405020304" pitchFamily="18" charset="0"/>
+                        </a:rPr>
+                        <a:t>  USB </a:t>
+                      </a:r>
+                      <a:r>
+                        <a:rPr lang="en-US" sz="1600" baseline="0" dirty="0" smtClean="0">
+                          <a:latin typeface="Times New Roman" panose="02020603050405020304" pitchFamily="18" charset="0"/>
+                          <a:cs typeface="Times New Roman" panose="02020603050405020304" pitchFamily="18" charset="0"/>
+                        </a:rPr>
+                        <a:t>connection (D+ and </a:t>
+                      </a:r>
+                      <a:r>
+                        <a:rPr lang="en-US" sz="1600" baseline="0" dirty="0" smtClean="0">
+                          <a:latin typeface="Times New Roman" panose="02020603050405020304" pitchFamily="18" charset="0"/>
+                          <a:cs typeface="Times New Roman" panose="02020603050405020304" pitchFamily="18" charset="0"/>
+                        </a:rPr>
+                        <a:t>D- lines)</a:t>
                       </a:r>
                       <a:endParaRPr lang="en-US" sz="1600" dirty="0">
                         <a:latin typeface="Times New Roman" panose="02020603050405020304" pitchFamily="18" charset="0"/>
@@ -6392,14 +6704,28 @@
                           <a:latin typeface="Times New Roman" panose="02020603050405020304" pitchFamily="18" charset="0"/>
                           <a:cs typeface="Times New Roman" panose="02020603050405020304" pitchFamily="18" charset="0"/>
                         </a:rPr>
-                        <a:t>UART:</a:t>
+                        <a:t>UART0:</a:t>
                       </a:r>
                       <a:r>
                         <a:rPr lang="en-US" sz="1600" baseline="0" dirty="0" smtClean="0">
                           <a:latin typeface="Times New Roman" panose="02020603050405020304" pitchFamily="18" charset="0"/>
                           <a:cs typeface="Times New Roman" panose="02020603050405020304" pitchFamily="18" charset="0"/>
                         </a:rPr>
-                        <a:t> Data  via UART (RX and TX)</a:t>
+                        <a:t>  RX </a:t>
+                      </a:r>
+                      <a:r>
+                        <a:rPr lang="en-US" sz="1600" baseline="0" dirty="0" smtClean="0">
+                          <a:latin typeface="Times New Roman" panose="02020603050405020304" pitchFamily="18" charset="0"/>
+                          <a:cs typeface="Times New Roman" panose="02020603050405020304" pitchFamily="18" charset="0"/>
+                        </a:rPr>
+                        <a:t>and </a:t>
+                      </a:r>
+                      <a:r>
+                        <a:rPr lang="en-US" sz="1600" baseline="0" dirty="0" smtClean="0">
+                          <a:latin typeface="Times New Roman" panose="02020603050405020304" pitchFamily="18" charset="0"/>
+                          <a:cs typeface="Times New Roman" panose="02020603050405020304" pitchFamily="18" charset="0"/>
+                        </a:rPr>
+                        <a:t>TX lines to MCU UART0 pin</a:t>
                       </a:r>
                       <a:endParaRPr lang="en-US" sz="1600" dirty="0">
                         <a:latin typeface="Times New Roman" panose="02020603050405020304" pitchFamily="18" charset="0"/>
@@ -6471,10 +6797,10 @@
         </p:nvGrpSpPr>
         <p:grpSpPr>
           <a:xfrm>
-            <a:off x="389244" y="588788"/>
-            <a:ext cx="8503235" cy="1355957"/>
-            <a:chOff x="389244" y="588788"/>
-            <a:chExt cx="8503235" cy="1355957"/>
+            <a:off x="413330" y="588788"/>
+            <a:ext cx="8479149" cy="1355957"/>
+            <a:chOff x="413330" y="588788"/>
+            <a:chExt cx="8479149" cy="1355957"/>
           </a:xfrm>
         </p:grpSpPr>
         <p:grpSp>
@@ -6485,10 +6811,10 @@
           </p:nvGrpSpPr>
           <p:grpSpPr>
             <a:xfrm>
-              <a:off x="389244" y="646347"/>
-              <a:ext cx="4225275" cy="1298398"/>
-              <a:chOff x="-170765" y="656692"/>
-              <a:chExt cx="4225275" cy="794008"/>
+              <a:off x="413330" y="646347"/>
+              <a:ext cx="4201189" cy="1298398"/>
+              <a:chOff x="-146679" y="656692"/>
+              <a:chExt cx="4201189" cy="794008"/>
             </a:xfrm>
           </p:grpSpPr>
           <p:sp>
@@ -6605,7 +6931,7 @@
             </p:nvCxnSpPr>
             <p:spPr>
               <a:xfrm>
-                <a:off x="721502" y="1050047"/>
+                <a:off x="721502" y="861176"/>
                 <a:ext cx="670012" cy="0"/>
               </a:xfrm>
               <a:prstGeom prst="straightConnector1">
@@ -6791,7 +7117,7 @@
             </p:nvSpPr>
             <p:spPr bwMode="auto">
               <a:xfrm rot="10800000" flipV="1">
-                <a:off x="-170765" y="951302"/>
+                <a:off x="-146679" y="710426"/>
                 <a:ext cx="892267" cy="214180"/>
               </a:xfrm>
               <a:prstGeom prst="rect">
@@ -6847,7 +7173,7 @@
                   </a:rPr>
                   <a:t>USB Power</a:t>
                 </a:r>
-                <a:endParaRPr kumimoji="0" lang="en-US" altLang="en-US" sz="2800" b="0" i="0" u="none" strike="noStrike" cap="none" normalizeH="0" baseline="0" dirty="0" smtClean="0">
+                <a:endParaRPr kumimoji="0" lang="en-US" altLang="en-US" sz="2800" i="0" u="none" strike="noStrike" cap="none" normalizeH="0" baseline="0" dirty="0" smtClean="0">
                   <a:ln>
                     <a:noFill/>
                   </a:ln>
@@ -7035,7 +7361,14 @@
                       <a:latin typeface="Times New Roman" panose="02020603050405020304" pitchFamily="18" charset="0"/>
                       <a:cs typeface="Times New Roman" panose="02020603050405020304" pitchFamily="18" charset="0"/>
                     </a:rPr>
-                    <a:t>  UART</a:t>
+                    <a:t>  </a:t>
+                  </a:r>
+                  <a:r>
+                    <a:rPr lang="en-US" altLang="en-US" sz="1600" dirty="0" smtClean="0">
+                      <a:latin typeface="Times New Roman" panose="02020603050405020304" pitchFamily="18" charset="0"/>
+                      <a:cs typeface="Times New Roman" panose="02020603050405020304" pitchFamily="18" charset="0"/>
+                    </a:rPr>
+                    <a:t>UART0</a:t>
                   </a:r>
                   <a:endParaRPr kumimoji="0" lang="en-US" altLang="en-US" sz="2800" b="0" i="0" u="none" strike="noStrike" cap="none" normalizeH="0" baseline="0" dirty="0" smtClean="0">
                     <a:ln>
@@ -7226,6 +7559,123 @@
           </a:p>
         </p:txBody>
       </p:sp>
+      <p:cxnSp>
+        <p:nvCxnSpPr>
+          <p:cNvPr id="19" name="Straight Arrow Connector 18"/>
+          <p:cNvCxnSpPr/>
+          <p:nvPr/>
+        </p:nvCxnSpPr>
+        <p:spPr>
+          <a:xfrm>
+            <a:off x="1294408" y="1628800"/>
+            <a:ext cx="662017" cy="0"/>
+          </a:xfrm>
+          <a:prstGeom prst="straightConnector1">
+            <a:avLst/>
+          </a:prstGeom>
+          <a:ln>
+            <a:solidFill>
+              <a:schemeClr val="tx1"/>
+            </a:solidFill>
+            <a:headEnd type="arrow"/>
+            <a:tailEnd type="arrow"/>
+          </a:ln>
+        </p:spPr>
+        <p:style>
+          <a:lnRef idx="1">
+            <a:schemeClr val="accent1"/>
+          </a:lnRef>
+          <a:fillRef idx="0">
+            <a:schemeClr val="accent1"/>
+          </a:fillRef>
+          <a:effectRef idx="0">
+            <a:schemeClr val="accent1"/>
+          </a:effectRef>
+          <a:fontRef idx="minor">
+            <a:schemeClr val="tx1"/>
+          </a:fontRef>
+        </p:style>
+      </p:cxnSp>
+      <p:sp>
+        <p:nvSpPr>
+          <p:cNvPr id="20" name="Text Box 2"/>
+          <p:cNvSpPr txBox="1">
+            <a:spLocks noChangeArrowheads="1"/>
+          </p:cNvSpPr>
+          <p:nvPr/>
+        </p:nvSpPr>
+        <p:spPr bwMode="auto">
+          <a:xfrm rot="10800000" flipV="1">
+            <a:off x="408500" y="1435854"/>
+            <a:ext cx="892267" cy="350237"/>
+          </a:xfrm>
+          <a:prstGeom prst="rect">
+            <a:avLst/>
+          </a:prstGeom>
+          <a:solidFill>
+            <a:srgbClr val="FFFFFF"/>
+          </a:solidFill>
+          <a:ln>
+            <a:noFill/>
+          </a:ln>
+          <a:extLst>
+            <a:ext uri="{91240B29-F687-4F45-9708-019B960494DF}">
+              <a14:hiddenLine xmlns:a14="http://schemas.microsoft.com/office/drawing/2010/main" w="9525">
+                <a:solidFill>
+                  <a:srgbClr val="000000"/>
+                </a:solidFill>
+                <a:miter lim="800000"/>
+                <a:headEnd/>
+                <a:tailEnd/>
+              </a14:hiddenLine>
+            </a:ext>
+          </a:extLst>
+        </p:spPr>
+        <p:txBody>
+          <a:bodyPr vert="horz" wrap="square" lIns="91440" tIns="45720" rIns="91440" bIns="45720" numCol="1" anchor="t" anchorCtr="0" compatLnSpc="1">
+            <a:prstTxWarp prst="textNoShape">
+              <a:avLst/>
+            </a:prstTxWarp>
+          </a:bodyPr>
+          <a:lstStyle/>
+          <a:p>
+            <a:pPr marL="0" marR="0" lvl="0" indent="0" algn="r" defTabSz="914400" rtl="0" eaLnBrk="1" fontAlgn="base" latinLnBrk="0" hangingPunct="1">
+              <a:lnSpc>
+                <a:spcPct val="100000"/>
+              </a:lnSpc>
+              <a:spcBef>
+                <a:spcPct val="0"/>
+              </a:spcBef>
+              <a:spcAft>
+                <a:spcPct val="0"/>
+              </a:spcAft>
+              <a:buClrTx/>
+              <a:buSzTx/>
+              <a:buFontTx/>
+              <a:buNone/>
+              <a:tabLst/>
+            </a:pPr>
+            <a:r>
+              <a:rPr lang="en-US" altLang="en-US" sz="1600" dirty="0" smtClean="0">
+                <a:latin typeface="Times New Roman" panose="02020603050405020304" pitchFamily="18" charset="0"/>
+                <a:cs typeface="Times New Roman" panose="02020603050405020304" pitchFamily="18" charset="0"/>
+              </a:rPr>
+              <a:t>Battery</a:t>
+            </a:r>
+            <a:endParaRPr kumimoji="0" lang="en-US" altLang="en-US" sz="2800" b="0" i="0" u="none" strike="noStrike" cap="none" normalizeH="0" baseline="0" dirty="0" smtClean="0">
+              <a:ln>
+                <a:noFill/>
+              </a:ln>
+              <a:solidFill>
+                <a:schemeClr val="tx1"/>
+              </a:solidFill>
+              <a:effectLst/>
+              <a:latin typeface="Times New Roman" panose="02020603050405020304" pitchFamily="18" charset="0"/>
+              <a:cs typeface="Times New Roman" panose="02020603050405020304" pitchFamily="18" charset="0"/>
+            </a:endParaRPr>
+          </a:p>
+        </p:txBody>
+      </p:sp>
     </p:spTree>
     <p:extLst>
       <p:ext uri="{BB962C8B-B14F-4D97-AF65-F5344CB8AC3E}">
@@ -7263,472 +7713,37 @@
           <a:chExt cx="0" cy="0"/>
         </a:xfrm>
       </p:grpSpPr>
-      <p:graphicFrame>
-        <p:nvGraphicFramePr>
-          <p:cNvPr id="6" name="Table 5"/>
-          <p:cNvGraphicFramePr>
-            <a:graphicFrameLocks noGrp="1"/>
-          </p:cNvGraphicFramePr>
-          <p:nvPr>
-            <p:extLst>
-              <p:ext uri="{D42A27DB-BD31-4B8C-83A1-F6EECF244321}">
-                <p14:modId xmlns:p14="http://schemas.microsoft.com/office/powerpoint/2010/main" val="3675290796"/>
-              </p:ext>
-            </p:extLst>
-          </p:nvPr>
-        </p:nvGraphicFramePr>
-        <p:xfrm>
-          <a:off x="516003" y="2276872"/>
-          <a:ext cx="8412480" cy="2072640"/>
-        </p:xfrm>
-        <a:graphic>
-          <a:graphicData uri="http://schemas.openxmlformats.org/drawingml/2006/table">
-            <a:tbl>
-              <a:tblPr firstRow="1" bandRow="1">
-                <a:tableStyleId>{5940675A-B579-460E-94D1-54222C63F5DA}</a:tableStyleId>
-              </a:tblPr>
-              <a:tblGrid>
-                <a:gridCol w="4206240"/>
-                <a:gridCol w="4206240"/>
-              </a:tblGrid>
-              <a:tr h="0">
-                <a:tc>
-                  <a:txBody>
-                    <a:bodyPr/>
-                    <a:lstStyle/>
-                    <a:p>
-                      <a:r>
-                        <a:rPr lang="en-US" sz="1600" b="1" dirty="0" smtClean="0">
-                          <a:latin typeface="Times New Roman" panose="02020603050405020304" pitchFamily="18" charset="0"/>
-                          <a:cs typeface="Times New Roman" panose="02020603050405020304" pitchFamily="18" charset="0"/>
-                        </a:rPr>
-                        <a:t>Module</a:t>
-                      </a:r>
-                      <a:endParaRPr lang="en-US" sz="1600" b="1" dirty="0">
-                        <a:latin typeface="Times New Roman" panose="02020603050405020304" pitchFamily="18" charset="0"/>
-                        <a:cs typeface="Times New Roman" panose="02020603050405020304" pitchFamily="18" charset="0"/>
-                      </a:endParaRPr>
-                    </a:p>
-                  </a:txBody>
-                  <a:tcPr/>
-                </a:tc>
-                <a:tc>
-                  <a:txBody>
-                    <a:bodyPr/>
-                    <a:lstStyle/>
-                    <a:p>
-                      <a:r>
-                        <a:rPr lang="en-US" sz="1600" b="1" dirty="0" smtClean="0">
-                          <a:latin typeface="Times New Roman" panose="02020603050405020304" pitchFamily="18" charset="0"/>
-                          <a:cs typeface="Times New Roman" panose="02020603050405020304" pitchFamily="18" charset="0"/>
-                        </a:rPr>
-                        <a:t>GPIO</a:t>
-                      </a:r>
-                      <a:endParaRPr lang="en-US" sz="1600" b="1" dirty="0">
-                        <a:latin typeface="Times New Roman" panose="02020603050405020304" pitchFamily="18" charset="0"/>
-                        <a:cs typeface="Times New Roman" panose="02020603050405020304" pitchFamily="18" charset="0"/>
-                      </a:endParaRPr>
-                    </a:p>
-                  </a:txBody>
-                  <a:tcPr/>
-                </a:tc>
-              </a:tr>
-              <a:tr h="0">
-                <a:tc>
-                  <a:txBody>
-                    <a:bodyPr/>
-                    <a:lstStyle/>
-                    <a:p>
-                      <a:r>
-                        <a:rPr lang="en-US" sz="1600" dirty="0" smtClean="0">
-                          <a:latin typeface="Times New Roman" panose="02020603050405020304" pitchFamily="18" charset="0"/>
-                          <a:cs typeface="Times New Roman" panose="02020603050405020304" pitchFamily="18" charset="0"/>
-                        </a:rPr>
-                        <a:t>Input</a:t>
-                      </a:r>
-                      <a:endParaRPr lang="en-US" sz="1600" dirty="0">
-                        <a:latin typeface="Times New Roman" panose="02020603050405020304" pitchFamily="18" charset="0"/>
-                        <a:cs typeface="Times New Roman" panose="02020603050405020304" pitchFamily="18" charset="0"/>
-                      </a:endParaRPr>
-                    </a:p>
-                  </a:txBody>
-                  <a:tcPr marL="45720" marR="45720"/>
-                </a:tc>
-                <a:tc>
-                  <a:txBody>
-                    <a:bodyPr/>
-                    <a:lstStyle/>
-                    <a:p>
-                      <a:pPr marL="0" indent="0">
-                        <a:buNone/>
-                      </a:pPr>
-                      <a:r>
-                        <a:rPr lang="en-US" sz="1600" baseline="0" dirty="0" smtClean="0">
-                          <a:latin typeface="Times New Roman" panose="02020603050405020304" pitchFamily="18" charset="0"/>
-                          <a:cs typeface="Times New Roman" panose="02020603050405020304" pitchFamily="18" charset="0"/>
-                        </a:rPr>
-                        <a:t>Vin: 3.3 V DC</a:t>
-                      </a:r>
-                      <a:endParaRPr lang="en-US" sz="1600" dirty="0">
-                        <a:latin typeface="Times New Roman" panose="02020603050405020304" pitchFamily="18" charset="0"/>
-                        <a:cs typeface="Times New Roman" panose="02020603050405020304" pitchFamily="18" charset="0"/>
-                      </a:endParaRPr>
-                    </a:p>
-                  </a:txBody>
-                  <a:tcPr marL="45720" marR="45720"/>
-                </a:tc>
-              </a:tr>
-              <a:tr h="0">
-                <a:tc>
-                  <a:txBody>
-                    <a:bodyPr/>
-                    <a:lstStyle/>
-                    <a:p>
-                      <a:r>
-                        <a:rPr lang="en-US" sz="1600" dirty="0" smtClean="0">
-                          <a:latin typeface="Times New Roman" panose="02020603050405020304" pitchFamily="18" charset="0"/>
-                          <a:cs typeface="Times New Roman" panose="02020603050405020304" pitchFamily="18" charset="0"/>
-                        </a:rPr>
-                        <a:t>Bi-directional (input-output)</a:t>
-                      </a:r>
-                      <a:endParaRPr lang="en-US" sz="1600" dirty="0">
-                        <a:latin typeface="Times New Roman" panose="02020603050405020304" pitchFamily="18" charset="0"/>
-                        <a:cs typeface="Times New Roman" panose="02020603050405020304" pitchFamily="18" charset="0"/>
-                      </a:endParaRPr>
-                    </a:p>
-                  </a:txBody>
-                  <a:tcPr/>
-                </a:tc>
-                <a:tc>
-                  <a:txBody>
-                    <a:bodyPr/>
-                    <a:lstStyle/>
-                    <a:p>
-                      <a:pPr marL="0" indent="0">
-                        <a:buNone/>
-                      </a:pPr>
-                      <a:r>
-                        <a:rPr lang="en-US" sz="1600" dirty="0" smtClean="0">
-                          <a:latin typeface="Times New Roman" panose="02020603050405020304" pitchFamily="18" charset="0"/>
-                          <a:cs typeface="Times New Roman" panose="02020603050405020304" pitchFamily="18" charset="0"/>
-                        </a:rPr>
-                        <a:t>Data:</a:t>
-                      </a:r>
-                      <a:r>
-                        <a:rPr lang="en-US" sz="1600" baseline="0" dirty="0" smtClean="0">
-                          <a:latin typeface="Times New Roman" panose="02020603050405020304" pitchFamily="18" charset="0"/>
-                          <a:cs typeface="Times New Roman" panose="02020603050405020304" pitchFamily="18" charset="0"/>
-                        </a:rPr>
-                        <a:t> common channel for data in and out using GPIO connection</a:t>
-                      </a:r>
-                      <a:endParaRPr lang="en-US" sz="1600" dirty="0">
-                        <a:latin typeface="Times New Roman" panose="02020603050405020304" pitchFamily="18" charset="0"/>
-                        <a:cs typeface="Times New Roman" panose="02020603050405020304" pitchFamily="18" charset="0"/>
-                      </a:endParaRPr>
-                    </a:p>
-                  </a:txBody>
-                  <a:tcPr/>
-                </a:tc>
-              </a:tr>
-              <a:tr h="0">
-                <a:tc>
-                  <a:txBody>
-                    <a:bodyPr/>
-                    <a:lstStyle/>
-                    <a:p>
-                      <a:r>
-                        <a:rPr lang="en-US" sz="1600" dirty="0" smtClean="0">
-                          <a:latin typeface="Times New Roman" panose="02020603050405020304" pitchFamily="18" charset="0"/>
-                          <a:cs typeface="Times New Roman" panose="02020603050405020304" pitchFamily="18" charset="0"/>
-                        </a:rPr>
-                        <a:t>Functionality</a:t>
-                      </a:r>
-                      <a:endParaRPr lang="en-US" sz="1600" dirty="0">
-                        <a:latin typeface="Times New Roman" panose="02020603050405020304" pitchFamily="18" charset="0"/>
-                        <a:cs typeface="Times New Roman" panose="02020603050405020304" pitchFamily="18" charset="0"/>
-                      </a:endParaRPr>
-                    </a:p>
-                  </a:txBody>
-                  <a:tcPr/>
-                </a:tc>
-                <a:tc>
-                  <a:txBody>
-                    <a:bodyPr/>
-                    <a:lstStyle/>
-                    <a:p>
-                      <a:r>
-                        <a:rPr lang="en-US" sz="1600" dirty="0" smtClean="0">
-                          <a:latin typeface="Times New Roman" panose="02020603050405020304" pitchFamily="18" charset="0"/>
-                          <a:cs typeface="Times New Roman" panose="02020603050405020304" pitchFamily="18" charset="0"/>
-                        </a:rPr>
-                        <a:t>This modules provides an interface between microcontroller units other peripherals.</a:t>
-                      </a:r>
-                    </a:p>
-                    <a:p>
-                      <a:endParaRPr lang="en-US" sz="1600" dirty="0">
-                        <a:latin typeface="Times New Roman" panose="02020603050405020304" pitchFamily="18" charset="0"/>
-                        <a:cs typeface="Times New Roman" panose="02020603050405020304" pitchFamily="18" charset="0"/>
-                      </a:endParaRPr>
-                    </a:p>
-                  </a:txBody>
-                  <a:tcPr/>
-                </a:tc>
-              </a:tr>
-            </a:tbl>
-          </a:graphicData>
-        </a:graphic>
-      </p:graphicFrame>
-      <p:graphicFrame>
-        <p:nvGraphicFramePr>
-          <p:cNvPr id="23" name="Table 22"/>
-          <p:cNvGraphicFramePr>
-            <a:graphicFrameLocks noGrp="1"/>
-          </p:cNvGraphicFramePr>
-          <p:nvPr>
-            <p:extLst>
-              <p:ext uri="{D42A27DB-BD31-4B8C-83A1-F6EECF244321}">
-                <p14:modId xmlns:p14="http://schemas.microsoft.com/office/powerpoint/2010/main" val="2174198527"/>
-              </p:ext>
-            </p:extLst>
-          </p:nvPr>
-        </p:nvGraphicFramePr>
-        <p:xfrm>
-          <a:off x="526167" y="4545124"/>
-          <a:ext cx="8412480" cy="1828800"/>
-        </p:xfrm>
-        <a:graphic>
-          <a:graphicData uri="http://schemas.openxmlformats.org/drawingml/2006/table">
-            <a:tbl>
-              <a:tblPr firstRow="1" bandRow="1">
-                <a:tableStyleId>{5940675A-B579-460E-94D1-54222C63F5DA}</a:tableStyleId>
-              </a:tblPr>
-              <a:tblGrid>
-                <a:gridCol w="4206240"/>
-                <a:gridCol w="4206240"/>
-              </a:tblGrid>
-              <a:tr h="0">
-                <a:tc>
-                  <a:txBody>
-                    <a:bodyPr/>
-                    <a:lstStyle/>
-                    <a:p>
-                      <a:r>
-                        <a:rPr lang="en-US" sz="1600" b="1" dirty="0" smtClean="0">
-                          <a:latin typeface="Times New Roman" panose="02020603050405020304" pitchFamily="18" charset="0"/>
-                          <a:cs typeface="Times New Roman" panose="02020603050405020304" pitchFamily="18" charset="0"/>
-                        </a:rPr>
-                        <a:t>Module</a:t>
-                      </a:r>
-                      <a:endParaRPr lang="en-US" sz="1600" b="1" dirty="0">
-                        <a:latin typeface="Times New Roman" panose="02020603050405020304" pitchFamily="18" charset="0"/>
-                        <a:cs typeface="Times New Roman" panose="02020603050405020304" pitchFamily="18" charset="0"/>
-                      </a:endParaRPr>
-                    </a:p>
-                  </a:txBody>
-                  <a:tcPr/>
-                </a:tc>
-                <a:tc>
-                  <a:txBody>
-                    <a:bodyPr/>
-                    <a:lstStyle/>
-                    <a:p>
-                      <a:r>
-                        <a:rPr lang="en-US" sz="1600" b="1" dirty="0" smtClean="0">
-                          <a:latin typeface="Times New Roman" panose="02020603050405020304" pitchFamily="18" charset="0"/>
-                          <a:cs typeface="Times New Roman" panose="02020603050405020304" pitchFamily="18" charset="0"/>
-                        </a:rPr>
-                        <a:t>JTAG</a:t>
-                      </a:r>
-                      <a:endParaRPr lang="en-US" sz="1600" b="1" dirty="0">
-                        <a:latin typeface="Times New Roman" panose="02020603050405020304" pitchFamily="18" charset="0"/>
-                        <a:cs typeface="Times New Roman" panose="02020603050405020304" pitchFamily="18" charset="0"/>
-                      </a:endParaRPr>
-                    </a:p>
-                  </a:txBody>
-                  <a:tcPr/>
-                </a:tc>
-              </a:tr>
-              <a:tr h="0">
-                <a:tc>
-                  <a:txBody>
-                    <a:bodyPr/>
-                    <a:lstStyle/>
-                    <a:p>
-                      <a:r>
-                        <a:rPr lang="en-US" sz="1600" dirty="0" smtClean="0">
-                          <a:latin typeface="Times New Roman" panose="02020603050405020304" pitchFamily="18" charset="0"/>
-                          <a:cs typeface="Times New Roman" panose="02020603050405020304" pitchFamily="18" charset="0"/>
-                        </a:rPr>
-                        <a:t>Input</a:t>
-                      </a:r>
-                      <a:endParaRPr lang="en-US" sz="1600" dirty="0">
-                        <a:latin typeface="Times New Roman" panose="02020603050405020304" pitchFamily="18" charset="0"/>
-                        <a:cs typeface="Times New Roman" panose="02020603050405020304" pitchFamily="18" charset="0"/>
-                      </a:endParaRPr>
-                    </a:p>
-                  </a:txBody>
-                  <a:tcPr marL="45720" marR="45720"/>
-                </a:tc>
-                <a:tc>
-                  <a:txBody>
-                    <a:bodyPr/>
-                    <a:lstStyle/>
-                    <a:p>
-                      <a:pPr marL="0" indent="0">
-                        <a:buNone/>
-                      </a:pPr>
-                      <a:r>
-                        <a:rPr lang="en-US" sz="1600" baseline="0" dirty="0" smtClean="0">
-                          <a:latin typeface="Times New Roman" panose="02020603050405020304" pitchFamily="18" charset="0"/>
-                          <a:cs typeface="Times New Roman" panose="02020603050405020304" pitchFamily="18" charset="0"/>
-                        </a:rPr>
-                        <a:t>Vin: 3.3 V DC</a:t>
-                      </a:r>
-                      <a:endParaRPr lang="en-US" sz="1600" dirty="0">
-                        <a:latin typeface="Times New Roman" panose="02020603050405020304" pitchFamily="18" charset="0"/>
-                        <a:cs typeface="Times New Roman" panose="02020603050405020304" pitchFamily="18" charset="0"/>
-                      </a:endParaRPr>
-                    </a:p>
-                  </a:txBody>
-                  <a:tcPr marL="45720" marR="45720"/>
-                </a:tc>
-              </a:tr>
-              <a:tr h="0">
-                <a:tc>
-                  <a:txBody>
-                    <a:bodyPr/>
-                    <a:lstStyle/>
-                    <a:p>
-                      <a:r>
-                        <a:rPr lang="en-US" sz="1600" dirty="0" smtClean="0">
-                          <a:latin typeface="Times New Roman" panose="02020603050405020304" pitchFamily="18" charset="0"/>
-                          <a:cs typeface="Times New Roman" panose="02020603050405020304" pitchFamily="18" charset="0"/>
-                        </a:rPr>
-                        <a:t>Bi-directional (input-output)</a:t>
-                      </a:r>
-                      <a:endParaRPr lang="en-US" sz="1600" dirty="0">
-                        <a:latin typeface="Times New Roman" panose="02020603050405020304" pitchFamily="18" charset="0"/>
-                        <a:cs typeface="Times New Roman" panose="02020603050405020304" pitchFamily="18" charset="0"/>
-                      </a:endParaRPr>
-                    </a:p>
-                  </a:txBody>
-                  <a:tcPr/>
-                </a:tc>
-                <a:tc>
-                  <a:txBody>
-                    <a:bodyPr/>
-                    <a:lstStyle/>
-                    <a:p>
-                      <a:pPr marL="0" indent="0">
-                        <a:buNone/>
-                      </a:pPr>
-                      <a:r>
-                        <a:rPr lang="en-US" sz="1600" dirty="0" smtClean="0">
-                          <a:latin typeface="Times New Roman" panose="02020603050405020304" pitchFamily="18" charset="0"/>
-                          <a:cs typeface="Times New Roman" panose="02020603050405020304" pitchFamily="18" charset="0"/>
-                        </a:rPr>
-                        <a:t>Debug</a:t>
-                      </a:r>
-                      <a:r>
-                        <a:rPr lang="en-US" sz="1600" baseline="0" dirty="0" smtClean="0">
-                          <a:latin typeface="Times New Roman" panose="02020603050405020304" pitchFamily="18" charset="0"/>
-                          <a:cs typeface="Times New Roman" panose="02020603050405020304" pitchFamily="18" charset="0"/>
-                        </a:rPr>
-                        <a:t> signals: Common channel to transfer data between microcontroller and environment.</a:t>
-                      </a:r>
-                      <a:endParaRPr lang="en-US" sz="1600" dirty="0">
-                        <a:latin typeface="Times New Roman" panose="02020603050405020304" pitchFamily="18" charset="0"/>
-                        <a:cs typeface="Times New Roman" panose="02020603050405020304" pitchFamily="18" charset="0"/>
-                      </a:endParaRPr>
-                    </a:p>
-                  </a:txBody>
-                  <a:tcPr/>
-                </a:tc>
-              </a:tr>
-              <a:tr h="0">
-                <a:tc>
-                  <a:txBody>
-                    <a:bodyPr/>
-                    <a:lstStyle/>
-                    <a:p>
-                      <a:r>
-                        <a:rPr lang="en-US" sz="1600" dirty="0" smtClean="0">
-                          <a:latin typeface="Times New Roman" panose="02020603050405020304" pitchFamily="18" charset="0"/>
-                          <a:cs typeface="Times New Roman" panose="02020603050405020304" pitchFamily="18" charset="0"/>
-                        </a:rPr>
-                        <a:t>Functionality</a:t>
-                      </a:r>
-                      <a:endParaRPr lang="en-US" sz="1600" dirty="0">
-                        <a:latin typeface="Times New Roman" panose="02020603050405020304" pitchFamily="18" charset="0"/>
-                        <a:cs typeface="Times New Roman" panose="02020603050405020304" pitchFamily="18" charset="0"/>
-                      </a:endParaRPr>
-                    </a:p>
-                  </a:txBody>
-                  <a:tcPr/>
-                </a:tc>
-                <a:tc>
-                  <a:txBody>
-                    <a:bodyPr/>
-                    <a:lstStyle/>
-                    <a:p>
-                      <a:r>
-                        <a:rPr lang="en-US" sz="1600" dirty="0" smtClean="0">
-                          <a:latin typeface="Times New Roman" panose="02020603050405020304" pitchFamily="18" charset="0"/>
-                          <a:cs typeface="Times New Roman" panose="02020603050405020304" pitchFamily="18" charset="0"/>
-                        </a:rPr>
-                        <a:t>This consists</a:t>
-                      </a:r>
-                      <a:r>
-                        <a:rPr lang="en-US" sz="1600" baseline="0" dirty="0" smtClean="0">
-                          <a:latin typeface="Times New Roman" panose="02020603050405020304" pitchFamily="18" charset="0"/>
-                          <a:cs typeface="Times New Roman" panose="02020603050405020304" pitchFamily="18" charset="0"/>
-                        </a:rPr>
-                        <a:t> of a 10-pin JTAG connector system that allows to debug the chip. </a:t>
-                      </a:r>
-                      <a:endParaRPr lang="en-US" sz="1600" dirty="0">
-                        <a:latin typeface="Times New Roman" panose="02020603050405020304" pitchFamily="18" charset="0"/>
-                        <a:cs typeface="Times New Roman" panose="02020603050405020304" pitchFamily="18" charset="0"/>
-                      </a:endParaRPr>
-                    </a:p>
-                  </a:txBody>
-                  <a:tcPr/>
-                </a:tc>
-              </a:tr>
-            </a:tbl>
-          </a:graphicData>
-        </a:graphic>
-      </p:graphicFrame>
       <p:grpSp>
         <p:nvGrpSpPr>
-          <p:cNvPr id="2" name="Group 1"/>
+          <p:cNvPr id="33" name="Group 32"/>
           <p:cNvGrpSpPr/>
           <p:nvPr/>
         </p:nvGrpSpPr>
         <p:grpSpPr>
           <a:xfrm>
-            <a:off x="389244" y="588788"/>
-            <a:ext cx="8503236" cy="1355957"/>
-            <a:chOff x="389244" y="588788"/>
-            <a:chExt cx="8503236" cy="1355957"/>
+            <a:off x="287524" y="588788"/>
+            <a:ext cx="3244924" cy="1298398"/>
+            <a:chOff x="4297880" y="683944"/>
+            <a:chExt cx="3478476" cy="794008"/>
           </a:xfrm>
         </p:grpSpPr>
         <p:grpSp>
           <p:nvGrpSpPr>
-            <p:cNvPr id="16" name="Group 15"/>
+            <p:cNvPr id="17" name="Group 16"/>
             <p:cNvGrpSpPr/>
             <p:nvPr/>
           </p:nvGrpSpPr>
           <p:grpSpPr>
             <a:xfrm>
-              <a:off x="389244" y="646347"/>
-              <a:ext cx="4225275" cy="1298398"/>
-              <a:chOff x="-170765" y="656692"/>
-              <a:chExt cx="4225275" cy="794008"/>
+              <a:off x="4297880" y="683944"/>
+              <a:ext cx="3478476" cy="794008"/>
+              <a:chOff x="-702492" y="656692"/>
+              <a:chExt cx="3478476" cy="794008"/>
             </a:xfrm>
           </p:grpSpPr>
           <p:sp>
             <p:nvSpPr>
-              <p:cNvPr id="4" name="Rectangle 1"/>
+              <p:cNvPr id="18" name="Rectangle 1"/>
               <p:cNvSpPr>
                 <a:spLocks noChangeArrowheads="1"/>
               </p:cNvSpPr>
@@ -7736,8 +7751,8 @@
             </p:nvSpPr>
             <p:spPr bwMode="auto">
               <a:xfrm>
-                <a:off x="1425587" y="656692"/>
-                <a:ext cx="1290259" cy="794008"/>
+                <a:off x="1425588" y="656692"/>
+                <a:ext cx="1350396" cy="794008"/>
               </a:xfrm>
               <a:prstGeom prst="rect">
                 <a:avLst/>
@@ -7791,7 +7806,15 @@
                     <a:ea typeface="Calibri" pitchFamily="34" charset="0"/>
                     <a:cs typeface="Times New Roman" panose="02020603050405020304" pitchFamily="18" charset="0"/>
                   </a:rPr>
-                  <a:t>GPIO</a:t>
+                  <a:t>RF </a:t>
+                </a:r>
+                <a:r>
+                  <a:rPr lang="en-US" altLang="en-US" sz="1600" dirty="0" smtClean="0">
+                    <a:latin typeface="Times New Roman" panose="02020603050405020304" pitchFamily="18" charset="0"/>
+                    <a:ea typeface="Calibri" pitchFamily="34" charset="0"/>
+                    <a:cs typeface="Times New Roman" panose="02020603050405020304" pitchFamily="18" charset="0"/>
+                  </a:rPr>
+                  <a:t>Front End</a:t>
                 </a:r>
                 <a:endParaRPr kumimoji="0" lang="en-US" altLang="en-US" sz="2800" b="0" i="0" u="none" strike="noStrike" cap="none" normalizeH="0" baseline="0" dirty="0" smtClean="0">
                   <a:ln>
@@ -7807,45 +7830,9 @@
               </a:p>
             </p:txBody>
           </p:sp>
-          <p:cxnSp>
-            <p:nvCxnSpPr>
-              <p:cNvPr id="9" name="Straight Arrow Connector 8"/>
-              <p:cNvCxnSpPr/>
-              <p:nvPr/>
-            </p:nvCxnSpPr>
-            <p:spPr>
-              <a:xfrm>
-                <a:off x="721502" y="1050047"/>
-                <a:ext cx="670012" cy="0"/>
-              </a:xfrm>
-              <a:prstGeom prst="straightConnector1">
-                <a:avLst/>
-              </a:prstGeom>
-              <a:ln>
-                <a:solidFill>
-                  <a:schemeClr val="tx1"/>
-                </a:solidFill>
-                <a:tailEnd type="arrow"/>
-              </a:ln>
-            </p:spPr>
-            <p:style>
-              <a:lnRef idx="1">
-                <a:schemeClr val="accent1"/>
-              </a:lnRef>
-              <a:fillRef idx="0">
-                <a:schemeClr val="accent1"/>
-              </a:fillRef>
-              <a:effectRef idx="0">
-                <a:schemeClr val="accent1"/>
-              </a:effectRef>
-              <a:fontRef idx="minor">
-                <a:schemeClr val="tx1"/>
-              </a:fontRef>
-            </p:style>
-          </p:cxnSp>
           <p:sp>
             <p:nvSpPr>
-              <p:cNvPr id="14" name="Text Box 2"/>
+              <p:cNvPr id="21" name="Text Box 2"/>
               <p:cNvSpPr txBox="1">
                 <a:spLocks noChangeArrowheads="1"/>
               </p:cNvSpPr>
@@ -7853,8 +7840,8 @@
             </p:nvSpPr>
             <p:spPr bwMode="auto">
               <a:xfrm rot="10800000" flipV="1">
-                <a:off x="3385858" y="944523"/>
-                <a:ext cx="668652" cy="218346"/>
+                <a:off x="-702492" y="735365"/>
+                <a:ext cx="1273647" cy="353530"/>
               </a:xfrm>
               <a:prstGeom prst="rect">
                 <a:avLst/>
@@ -7886,7 +7873,7 @@
               </a:bodyPr>
               <a:lstStyle/>
               <a:p>
-                <a:pPr marL="0" marR="0" lvl="0" indent="0" algn="r" defTabSz="914400" rtl="0" eaLnBrk="1" fontAlgn="base" latinLnBrk="0" hangingPunct="1">
+                <a:pPr marL="0" marR="0" lvl="0" indent="0" defTabSz="914400" rtl="0" eaLnBrk="1" fontAlgn="base" latinLnBrk="0" hangingPunct="1">
                   <a:lnSpc>
                     <a:spcPct val="100000"/>
                   </a:lnSpc>
@@ -7907,7 +7894,53 @@
                     <a:latin typeface="Times New Roman" panose="02020603050405020304" pitchFamily="18" charset="0"/>
                     <a:cs typeface="Times New Roman" panose="02020603050405020304" pitchFamily="18" charset="0"/>
                   </a:rPr>
-                  <a:t>Data</a:t>
+                  <a:t>         RFIO</a:t>
+                </a:r>
+              </a:p>
+              <a:p>
+                <a:pPr marL="0" marR="0" lvl="0" indent="0" algn="r" defTabSz="914400" rtl="0" eaLnBrk="1" fontAlgn="base" latinLnBrk="0" hangingPunct="1">
+                  <a:lnSpc>
+                    <a:spcPct val="100000"/>
+                  </a:lnSpc>
+                  <a:spcBef>
+                    <a:spcPct val="0"/>
+                  </a:spcBef>
+                  <a:spcAft>
+                    <a:spcPct val="0"/>
+                  </a:spcAft>
+                  <a:buClrTx/>
+                  <a:buSzTx/>
+                  <a:buFontTx/>
+                  <a:buNone/>
+                  <a:tabLst/>
+                </a:pPr>
+                <a:r>
+                  <a:rPr kumimoji="0" lang="en-US" altLang="en-US" sz="1600" b="0" i="0" u="none" strike="noStrike" cap="none" normalizeH="0" baseline="0" dirty="0" smtClean="0">
+                    <a:ln>
+                      <a:noFill/>
+                    </a:ln>
+                    <a:solidFill>
+                      <a:schemeClr val="tx1"/>
+                    </a:solidFill>
+                    <a:effectLst/>
+                    <a:latin typeface="Times New Roman" panose="02020603050405020304" pitchFamily="18" charset="0"/>
+                    <a:cs typeface="Times New Roman" panose="02020603050405020304" pitchFamily="18" charset="0"/>
+                  </a:rPr>
+                  <a:t>436.5</a:t>
+                </a:r>
+                <a:r>
+                  <a:rPr kumimoji="0" lang="en-US" altLang="en-US" sz="1600" b="0" i="0" u="none" strike="noStrike" cap="none" normalizeH="0" dirty="0" smtClean="0">
+                    <a:ln>
+                      <a:noFill/>
+                    </a:ln>
+                    <a:solidFill>
+                      <a:schemeClr val="tx1"/>
+                    </a:solidFill>
+                    <a:effectLst/>
+                    <a:latin typeface="Times New Roman" panose="02020603050405020304" pitchFamily="18" charset="0"/>
+                    <a:cs typeface="Times New Roman" panose="02020603050405020304" pitchFamily="18" charset="0"/>
+                  </a:rPr>
+                  <a:t> MHz</a:t>
                 </a:r>
                 <a:endParaRPr kumimoji="0" lang="en-US" altLang="en-US" sz="2800" b="0" i="0" u="none" strike="noStrike" cap="none" normalizeH="0" baseline="0" dirty="0" smtClean="0">
                   <a:ln>
@@ -7923,515 +7956,54 @@
               </a:p>
             </p:txBody>
           </p:sp>
-          <p:sp>
-            <p:nvSpPr>
-              <p:cNvPr id="15" name="Text Box 2"/>
-              <p:cNvSpPr txBox="1">
-                <a:spLocks noChangeArrowheads="1"/>
-              </p:cNvSpPr>
-              <p:nvPr/>
-            </p:nvSpPr>
-            <p:spPr bwMode="auto">
-              <a:xfrm rot="10800000" flipV="1">
-                <a:off x="-170765" y="951302"/>
-                <a:ext cx="892267" cy="214180"/>
-              </a:xfrm>
-              <a:prstGeom prst="rect">
-                <a:avLst/>
-              </a:prstGeom>
+        </p:grpSp>
+        <p:cxnSp>
+          <p:nvCxnSpPr>
+            <p:cNvPr id="31" name="Straight Arrow Connector 30"/>
+            <p:cNvCxnSpPr/>
+            <p:nvPr/>
+          </p:nvCxnSpPr>
+          <p:spPr>
+            <a:xfrm>
+              <a:off x="5645131" y="873319"/>
+              <a:ext cx="793681" cy="0"/>
+            </a:xfrm>
+            <a:prstGeom prst="straightConnector1">
+              <a:avLst/>
+            </a:prstGeom>
+            <a:ln>
               <a:solidFill>
-                <a:srgbClr val="FFFFFF"/>
+                <a:schemeClr val="tx1"/>
               </a:solidFill>
-              <a:ln>
-                <a:noFill/>
-              </a:ln>
-              <a:extLst>
-                <a:ext uri="{91240B29-F687-4F45-9708-019B960494DF}">
-                  <a14:hiddenLine xmlns:a14="http://schemas.microsoft.com/office/drawing/2010/main" w="9525">
-                    <a:solidFill>
-                      <a:srgbClr val="000000"/>
-                    </a:solidFill>
-                    <a:miter lim="800000"/>
-                    <a:headEnd/>
-                    <a:tailEnd/>
-                  </a14:hiddenLine>
-                </a:ext>
-              </a:extLst>
-            </p:spPr>
-            <p:txBody>
-              <a:bodyPr vert="horz" wrap="square" lIns="91440" tIns="45720" rIns="91440" bIns="45720" numCol="1" anchor="t" anchorCtr="0" compatLnSpc="1">
-                <a:prstTxWarp prst="textNoShape">
-                  <a:avLst/>
-                </a:prstTxWarp>
-              </a:bodyPr>
-              <a:lstStyle/>
-              <a:p>
-                <a:pPr lvl="0" algn="r" fontAlgn="base">
-                  <a:spcBef>
-                    <a:spcPct val="0"/>
-                  </a:spcBef>
-                  <a:spcAft>
-                    <a:spcPct val="0"/>
-                  </a:spcAft>
-                </a:pPr>
-                <a:r>
-                  <a:rPr lang="en-US" altLang="en-US" sz="1600" dirty="0" smtClean="0">
-                    <a:latin typeface="Times New Roman" panose="02020603050405020304" pitchFamily="18" charset="0"/>
-                    <a:cs typeface="Times New Roman" panose="02020603050405020304" pitchFamily="18" charset="0"/>
-                  </a:rPr>
-                  <a:t>Vin</a:t>
-                </a:r>
-              </a:p>
-              <a:p>
-                <a:pPr lvl="0" algn="r" fontAlgn="base">
-                  <a:spcBef>
-                    <a:spcPct val="0"/>
-                  </a:spcBef>
-                  <a:spcAft>
-                    <a:spcPct val="0"/>
-                  </a:spcAft>
-                </a:pPr>
-                <a:r>
-                  <a:rPr lang="en-US" altLang="en-US" sz="1600" dirty="0" smtClean="0">
-                    <a:latin typeface="Times New Roman" panose="02020603050405020304" pitchFamily="18" charset="0"/>
-                    <a:cs typeface="Times New Roman" panose="02020603050405020304" pitchFamily="18" charset="0"/>
-                  </a:rPr>
-                  <a:t>3.3 V</a:t>
-                </a:r>
-              </a:p>
-            </p:txBody>
-          </p:sp>
-        </p:grpSp>
-        <p:grpSp>
-          <p:nvGrpSpPr>
-            <p:cNvPr id="33" name="Group 32"/>
-            <p:cNvGrpSpPr/>
-            <p:nvPr/>
-          </p:nvGrpSpPr>
-          <p:grpSpPr>
-            <a:xfrm>
-              <a:off x="4777223" y="588788"/>
-              <a:ext cx="4115257" cy="1298398"/>
-              <a:chOff x="4865232" y="683944"/>
-              <a:chExt cx="4411450" cy="794008"/>
-            </a:xfrm>
-          </p:grpSpPr>
-          <p:grpSp>
-            <p:nvGrpSpPr>
-              <p:cNvPr id="17" name="Group 16"/>
-              <p:cNvGrpSpPr/>
-              <p:nvPr/>
-            </p:nvGrpSpPr>
-            <p:grpSpPr>
-              <a:xfrm>
-                <a:off x="4865232" y="683944"/>
-                <a:ext cx="4411450" cy="794008"/>
-                <a:chOff x="-135140" y="656692"/>
-                <a:chExt cx="4411450" cy="794008"/>
-              </a:xfrm>
-            </p:grpSpPr>
-            <p:sp>
-              <p:nvSpPr>
-                <p:cNvPr id="18" name="Rectangle 1"/>
-                <p:cNvSpPr>
-                  <a:spLocks noChangeArrowheads="1"/>
-                </p:cNvSpPr>
-                <p:nvPr/>
-              </p:nvSpPr>
-              <p:spPr bwMode="auto">
-                <a:xfrm>
-                  <a:off x="1425588" y="656692"/>
-                  <a:ext cx="1350396" cy="794008"/>
-                </a:xfrm>
-                <a:prstGeom prst="rect">
-                  <a:avLst/>
-                </a:prstGeom>
-                <a:solidFill>
-                  <a:srgbClr val="FFFFFF"/>
-                </a:solidFill>
-                <a:ln w="28575">
-                  <a:solidFill>
-                    <a:srgbClr val="000000"/>
-                  </a:solidFill>
-                  <a:miter lim="800000"/>
-                  <a:headEnd/>
-                  <a:tailEnd/>
-                </a:ln>
-              </p:spPr>
-              <p:txBody>
-                <a:bodyPr vert="horz" wrap="square" lIns="91440" tIns="45720" rIns="91440" bIns="45720" numCol="1" anchor="ctr" anchorCtr="0" compatLnSpc="1">
-                  <a:prstTxWarp prst="textNoShape">
-                    <a:avLst/>
-                  </a:prstTxWarp>
-                </a:bodyPr>
-                <a:lstStyle/>
-                <a:p>
-                  <a:pPr marL="0" marR="0" lvl="0" indent="0" algn="ctr" defTabSz="914400" rtl="0" eaLnBrk="1" fontAlgn="base" latinLnBrk="0" hangingPunct="1">
-                    <a:lnSpc>
-                      <a:spcPct val="100000"/>
-                    </a:lnSpc>
-                    <a:spcBef>
-                      <a:spcPct val="0"/>
-                    </a:spcBef>
-                    <a:spcAft>
-                      <a:spcPct val="0"/>
-                    </a:spcAft>
-                    <a:buClrTx/>
-                    <a:buSzTx/>
-                    <a:buFontTx/>
-                    <a:buNone/>
-                    <a:tabLst/>
-                  </a:pPr>
-                  <a:r>
-                    <a:rPr kumimoji="0" lang="en-US" altLang="en-US" sz="1600" b="0" i="0" u="none" strike="noStrike" cap="none" normalizeH="0" baseline="0" dirty="0" smtClean="0">
-                      <a:ln>
-                        <a:noFill/>
-                      </a:ln>
-                      <a:solidFill>
-                        <a:schemeClr val="tx1"/>
-                      </a:solidFill>
-                      <a:effectLst/>
-                      <a:latin typeface="Times New Roman" panose="02020603050405020304" pitchFamily="18" charset="0"/>
-                      <a:ea typeface="Calibri" pitchFamily="34" charset="0"/>
-                      <a:cs typeface="Times New Roman" panose="02020603050405020304" pitchFamily="18" charset="0"/>
-                    </a:rPr>
-                    <a:t>JTAG</a:t>
-                  </a:r>
-                  <a:endParaRPr kumimoji="0" lang="en-US" altLang="en-US" sz="2800" b="0" i="0" u="none" strike="noStrike" cap="none" normalizeH="0" baseline="0" dirty="0" smtClean="0">
-                    <a:ln>
-                      <a:noFill/>
-                    </a:ln>
-                    <a:solidFill>
-                      <a:schemeClr val="tx1"/>
-                    </a:solidFill>
-                    <a:effectLst/>
-                    <a:latin typeface="Times New Roman" panose="02020603050405020304" pitchFamily="18" charset="0"/>
-                    <a:cs typeface="Times New Roman" panose="02020603050405020304" pitchFamily="18" charset="0"/>
-                  </a:endParaRPr>
-                </a:p>
-              </p:txBody>
-            </p:sp>
-            <p:sp>
-              <p:nvSpPr>
-                <p:cNvPr id="21" name="Text Box 2"/>
-                <p:cNvSpPr txBox="1">
-                  <a:spLocks noChangeArrowheads="1"/>
-                </p:cNvSpPr>
-                <p:nvPr/>
-              </p:nvSpPr>
-              <p:spPr bwMode="auto">
-                <a:xfrm rot="10800000" flipV="1">
-                  <a:off x="3277382" y="961177"/>
-                  <a:ext cx="998928" cy="239505"/>
-                </a:xfrm>
-                <a:prstGeom prst="rect">
-                  <a:avLst/>
-                </a:prstGeom>
-                <a:solidFill>
-                  <a:srgbClr val="FFFFFF"/>
-                </a:solidFill>
-                <a:ln>
-                  <a:noFill/>
-                </a:ln>
-                <a:extLst>
-                  <a:ext uri="{91240B29-F687-4F45-9708-019B960494DF}">
-                    <a14:hiddenLine xmlns:a14="http://schemas.microsoft.com/office/drawing/2010/main" w="9525">
-                      <a:solidFill>
-                        <a:srgbClr val="000000"/>
-                      </a:solidFill>
-                      <a:miter lim="800000"/>
-                      <a:headEnd/>
-                      <a:tailEnd/>
-                    </a14:hiddenLine>
-                  </a:ext>
-                </a:extLst>
-              </p:spPr>
-              <p:txBody>
-                <a:bodyPr vert="horz" wrap="square" lIns="91440" tIns="45720" rIns="91440" bIns="45720" numCol="1" anchor="t" anchorCtr="0" compatLnSpc="1">
-                  <a:prstTxWarp prst="textNoShape">
-                    <a:avLst/>
-                  </a:prstTxWarp>
-                </a:bodyPr>
-                <a:lstStyle/>
-                <a:p>
-                  <a:pPr marL="0" marR="0" lvl="0" indent="0" algn="r" defTabSz="914400" rtl="0" eaLnBrk="1" fontAlgn="base" latinLnBrk="0" hangingPunct="1">
-                    <a:lnSpc>
-                      <a:spcPct val="100000"/>
-                    </a:lnSpc>
-                    <a:spcBef>
-                      <a:spcPct val="0"/>
-                    </a:spcBef>
-                    <a:spcAft>
-                      <a:spcPct val="0"/>
-                    </a:spcAft>
-                    <a:buClrTx/>
-                    <a:buSzTx/>
-                    <a:buFontTx/>
-                    <a:buNone/>
-                    <a:tabLst/>
-                  </a:pPr>
-                  <a:r>
-                    <a:rPr lang="en-US" altLang="en-US" sz="1600" dirty="0" smtClean="0">
-                      <a:latin typeface="Times New Roman" panose="02020603050405020304" pitchFamily="18" charset="0"/>
-                      <a:cs typeface="Times New Roman" panose="02020603050405020304" pitchFamily="18" charset="0"/>
-                    </a:rPr>
-                    <a:t> Debug</a:t>
-                  </a:r>
-                </a:p>
-                <a:p>
-                  <a:pPr marL="0" marR="0" lvl="0" indent="0" algn="r" defTabSz="914400" rtl="0" eaLnBrk="1" fontAlgn="base" latinLnBrk="0" hangingPunct="1">
-                    <a:lnSpc>
-                      <a:spcPct val="100000"/>
-                    </a:lnSpc>
-                    <a:spcBef>
-                      <a:spcPct val="0"/>
-                    </a:spcBef>
-                    <a:spcAft>
-                      <a:spcPct val="0"/>
-                    </a:spcAft>
-                    <a:buClrTx/>
-                    <a:buSzTx/>
-                    <a:buFontTx/>
-                    <a:buNone/>
-                    <a:tabLst/>
-                  </a:pPr>
-                  <a:r>
-                    <a:rPr lang="en-US" altLang="en-US" sz="1600" dirty="0" smtClean="0">
-                      <a:latin typeface="Times New Roman" panose="02020603050405020304" pitchFamily="18" charset="0"/>
-                      <a:cs typeface="Times New Roman" panose="02020603050405020304" pitchFamily="18" charset="0"/>
-                    </a:rPr>
-                    <a:t>signals </a:t>
-                  </a:r>
-                  <a:endParaRPr kumimoji="0" lang="en-US" altLang="en-US" sz="2800" b="0" i="0" u="none" strike="noStrike" cap="none" normalizeH="0" baseline="0" dirty="0" smtClean="0">
-                    <a:ln>
-                      <a:noFill/>
-                    </a:ln>
-                    <a:solidFill>
-                      <a:schemeClr val="tx1"/>
-                    </a:solidFill>
-                    <a:effectLst/>
-                    <a:latin typeface="Times New Roman" panose="02020603050405020304" pitchFamily="18" charset="0"/>
-                    <a:cs typeface="Times New Roman" panose="02020603050405020304" pitchFamily="18" charset="0"/>
-                  </a:endParaRPr>
-                </a:p>
-              </p:txBody>
-            </p:sp>
-            <p:sp>
-              <p:nvSpPr>
-                <p:cNvPr id="22" name="Text Box 2"/>
-                <p:cNvSpPr txBox="1">
-                  <a:spLocks noChangeArrowheads="1"/>
-                </p:cNvSpPr>
-                <p:nvPr/>
-              </p:nvSpPr>
-              <p:spPr bwMode="auto">
-                <a:xfrm rot="10800000" flipV="1">
-                  <a:off x="-135140" y="962711"/>
-                  <a:ext cx="892268" cy="214180"/>
-                </a:xfrm>
-                <a:prstGeom prst="rect">
-                  <a:avLst/>
-                </a:prstGeom>
-                <a:solidFill>
-                  <a:srgbClr val="FFFFFF"/>
-                </a:solidFill>
-                <a:ln>
-                  <a:noFill/>
-                </a:ln>
-                <a:extLst>
-                  <a:ext uri="{91240B29-F687-4F45-9708-019B960494DF}">
-                    <a14:hiddenLine xmlns:a14="http://schemas.microsoft.com/office/drawing/2010/main" w="9525">
-                      <a:solidFill>
-                        <a:srgbClr val="000000"/>
-                      </a:solidFill>
-                      <a:miter lim="800000"/>
-                      <a:headEnd/>
-                      <a:tailEnd/>
-                    </a14:hiddenLine>
-                  </a:ext>
-                </a:extLst>
-              </p:spPr>
-              <p:txBody>
-                <a:bodyPr vert="horz" wrap="square" lIns="91440" tIns="45720" rIns="91440" bIns="45720" numCol="1" anchor="t" anchorCtr="0" compatLnSpc="1">
-                  <a:prstTxWarp prst="textNoShape">
-                    <a:avLst/>
-                  </a:prstTxWarp>
-                </a:bodyPr>
-                <a:lstStyle/>
-                <a:p>
-                  <a:pPr marL="0" marR="0" lvl="0" indent="0" algn="r" defTabSz="914400" rtl="0" eaLnBrk="1" fontAlgn="base" latinLnBrk="0" hangingPunct="1">
-                    <a:lnSpc>
-                      <a:spcPct val="100000"/>
-                    </a:lnSpc>
-                    <a:spcBef>
-                      <a:spcPct val="0"/>
-                    </a:spcBef>
-                    <a:spcAft>
-                      <a:spcPct val="0"/>
-                    </a:spcAft>
-                    <a:buClrTx/>
-                    <a:buSzTx/>
-                    <a:buFontTx/>
-                    <a:buNone/>
-                    <a:tabLst/>
-                  </a:pPr>
-                  <a:r>
-                    <a:rPr lang="en-US" altLang="en-US" sz="1600" dirty="0" smtClean="0">
-                      <a:latin typeface="Times New Roman" panose="02020603050405020304" pitchFamily="18" charset="0"/>
-                      <a:cs typeface="Times New Roman" panose="02020603050405020304" pitchFamily="18" charset="0"/>
-                    </a:rPr>
-                    <a:t>Vin</a:t>
-                  </a:r>
-                </a:p>
-                <a:p>
-                  <a:pPr marL="0" marR="0" lvl="0" indent="0" algn="r" defTabSz="914400" rtl="0" eaLnBrk="1" fontAlgn="base" latinLnBrk="0" hangingPunct="1">
-                    <a:lnSpc>
-                      <a:spcPct val="100000"/>
-                    </a:lnSpc>
-                    <a:spcBef>
-                      <a:spcPct val="0"/>
-                    </a:spcBef>
-                    <a:spcAft>
-                      <a:spcPct val="0"/>
-                    </a:spcAft>
-                    <a:buClrTx/>
-                    <a:buSzTx/>
-                    <a:buFontTx/>
-                    <a:buNone/>
-                    <a:tabLst/>
-                  </a:pPr>
-                  <a:r>
-                    <a:rPr lang="en-US" altLang="en-US" sz="1600" dirty="0" smtClean="0">
-                      <a:latin typeface="Times New Roman" panose="02020603050405020304" pitchFamily="18" charset="0"/>
-                      <a:cs typeface="Times New Roman" panose="02020603050405020304" pitchFamily="18" charset="0"/>
-                    </a:rPr>
-                    <a:t>3.3 V</a:t>
-                  </a:r>
-                </a:p>
-              </p:txBody>
-            </p:sp>
-          </p:grpSp>
-          <p:cxnSp>
-            <p:nvCxnSpPr>
-              <p:cNvPr id="31" name="Straight Arrow Connector 30"/>
-              <p:cNvCxnSpPr/>
-              <p:nvPr/>
-            </p:nvCxnSpPr>
-            <p:spPr>
-              <a:xfrm>
-                <a:off x="7776356" y="1090791"/>
-                <a:ext cx="720080" cy="0"/>
-              </a:xfrm>
-              <a:prstGeom prst="straightConnector1">
-                <a:avLst/>
-              </a:prstGeom>
-              <a:ln>
-                <a:solidFill>
-                  <a:schemeClr val="tx1"/>
-                </a:solidFill>
-                <a:headEnd type="arrow"/>
-                <a:tailEnd type="arrow"/>
-              </a:ln>
-            </p:spPr>
-            <p:style>
-              <a:lnRef idx="1">
-                <a:schemeClr val="accent1"/>
-              </a:lnRef>
-              <a:fillRef idx="0">
-                <a:schemeClr val="accent1"/>
-              </a:fillRef>
-              <a:effectRef idx="0">
-                <a:schemeClr val="accent1"/>
-              </a:effectRef>
-              <a:fontRef idx="minor">
-                <a:schemeClr val="tx1"/>
-              </a:fontRef>
-            </p:style>
-          </p:cxnSp>
-        </p:grpSp>
+              <a:headEnd type="arrow"/>
+              <a:tailEnd type="arrow"/>
+            </a:ln>
+          </p:spPr>
+          <p:style>
+            <a:lnRef idx="1">
+              <a:schemeClr val="accent1"/>
+            </a:lnRef>
+            <a:fillRef idx="0">
+              <a:schemeClr val="accent1"/>
+            </a:fillRef>
+            <a:effectRef idx="0">
+              <a:schemeClr val="accent1"/>
+            </a:effectRef>
+            <a:fontRef idx="minor">
+              <a:schemeClr val="tx1"/>
+            </a:fontRef>
+          </p:style>
+        </p:cxnSp>
       </p:grpSp>
-      <p:cxnSp>
-        <p:nvCxnSpPr>
-          <p:cNvPr id="5" name="Straight Arrow Connector 4"/>
-          <p:cNvCxnSpPr/>
-          <p:nvPr/>
-        </p:nvCxnSpPr>
-        <p:spPr>
-          <a:xfrm>
-            <a:off x="5580023" y="1231288"/>
-            <a:ext cx="653138" cy="6566"/>
-          </a:xfrm>
-          <a:prstGeom prst="straightConnector1">
-            <a:avLst/>
-          </a:prstGeom>
-          <a:ln>
-            <a:solidFill>
-              <a:schemeClr val="tx1"/>
-            </a:solidFill>
-            <a:tailEnd type="arrow"/>
-          </a:ln>
-        </p:spPr>
-        <p:style>
-          <a:lnRef idx="1">
-            <a:schemeClr val="accent1"/>
-          </a:lnRef>
-          <a:fillRef idx="0">
-            <a:schemeClr val="accent1"/>
-          </a:fillRef>
-          <a:effectRef idx="0">
-            <a:schemeClr val="accent1"/>
-          </a:effectRef>
-          <a:fontRef idx="minor">
-            <a:schemeClr val="tx1"/>
-          </a:fontRef>
-        </p:style>
-      </p:cxnSp>
-      <p:cxnSp>
-        <p:nvCxnSpPr>
-          <p:cNvPr id="24" name="Straight Arrow Connector 23"/>
-          <p:cNvCxnSpPr/>
-          <p:nvPr/>
-        </p:nvCxnSpPr>
-        <p:spPr>
-          <a:xfrm>
-            <a:off x="3274135" y="1316338"/>
-            <a:ext cx="671732" cy="0"/>
-          </a:xfrm>
-          <a:prstGeom prst="straightConnector1">
-            <a:avLst/>
-          </a:prstGeom>
-          <a:ln>
-            <a:solidFill>
-              <a:schemeClr val="tx1"/>
-            </a:solidFill>
-            <a:headEnd type="arrow"/>
-            <a:tailEnd type="arrow"/>
-          </a:ln>
-        </p:spPr>
-        <p:style>
-          <a:lnRef idx="1">
-            <a:schemeClr val="accent1"/>
-          </a:lnRef>
-          <a:fillRef idx="0">
-            <a:schemeClr val="accent1"/>
-          </a:fillRef>
-          <a:effectRef idx="0">
-            <a:schemeClr val="accent1"/>
-          </a:effectRef>
-          <a:fontRef idx="minor">
-            <a:schemeClr val="tx1"/>
-          </a:fontRef>
-        </p:style>
-      </p:cxnSp>
       <p:sp>
         <p:nvSpPr>
-          <p:cNvPr id="25" name="Rectangle 24"/>
+          <p:cNvPr id="24" name="Rectangle 23"/>
           <p:cNvSpPr/>
           <p:nvPr/>
         </p:nvSpPr>
         <p:spPr>
           <a:xfrm>
-            <a:off x="526167" y="192169"/>
+            <a:off x="430627" y="188678"/>
             <a:ext cx="2248885" cy="400110"/>
           </a:xfrm>
           <a:prstGeom prst="rect">
@@ -8451,60 +8023,175 @@
           </a:p>
         </p:txBody>
       </p:sp>
-    </p:spTree>
-    <p:extLst>
-      <p:ext uri="{BB962C8B-B14F-4D97-AF65-F5344CB8AC3E}">
-        <p14:creationId xmlns:p14="http://schemas.microsoft.com/office/powerpoint/2010/main" val="328167296"/>
-      </p:ext>
-    </p:extLst>
-  </p:cSld>
-  <p:clrMapOvr>
-    <a:masterClrMapping/>
-  </p:clrMapOvr>
-  <p:timing>
-    <p:tnLst>
-      <p:par>
-        <p:cTn id="1" dur="indefinite" restart="never" nodeType="tmRoot"/>
-      </p:par>
-    </p:tnLst>
-  </p:timing>
-</p:sld>
-</file>
-
-<file path=ppt/slides/slide5.xml><?xml version="1.0" encoding="utf-8"?>
-<p:sld xmlns:a="http://schemas.openxmlformats.org/drawingml/2006/main" xmlns:r="http://schemas.openxmlformats.org/officeDocument/2006/relationships" xmlns:p="http://schemas.openxmlformats.org/presentationml/2006/main">
-  <p:cSld>
-    <p:spTree>
-      <p:nvGrpSpPr>
-        <p:cNvPr id="1" name=""/>
-        <p:cNvGrpSpPr/>
-        <p:nvPr/>
-      </p:nvGrpSpPr>
-      <p:grpSpPr>
-        <a:xfrm>
-          <a:off x="0" y="0"/>
-          <a:ext cx="0" cy="0"/>
-          <a:chOff x="0" y="0"/>
-          <a:chExt cx="0" cy="0"/>
-        </a:xfrm>
-      </p:grpSpPr>
+      <p:cxnSp>
+        <p:nvCxnSpPr>
+          <p:cNvPr id="10" name="Straight Connector 9"/>
+          <p:cNvCxnSpPr>
+            <a:stCxn id="18" idx="3"/>
+          </p:cNvCxnSpPr>
+          <p:nvPr/>
+        </p:nvCxnSpPr>
+        <p:spPr>
+          <a:xfrm>
+            <a:off x="3532448" y="1237987"/>
+            <a:ext cx="607505" cy="0"/>
+          </a:xfrm>
+          <a:prstGeom prst="line">
+            <a:avLst/>
+          </a:prstGeom>
+        </p:spPr>
+        <p:style>
+          <a:lnRef idx="1">
+            <a:schemeClr val="accent1"/>
+          </a:lnRef>
+          <a:fillRef idx="0">
+            <a:schemeClr val="accent1"/>
+          </a:fillRef>
+          <a:effectRef idx="0">
+            <a:schemeClr val="accent1"/>
+          </a:effectRef>
+          <a:fontRef idx="minor">
+            <a:schemeClr val="tx1"/>
+          </a:fontRef>
+        </p:style>
+      </p:cxnSp>
+      <p:cxnSp>
+        <p:nvCxnSpPr>
+          <p:cNvPr id="12" name="Straight Connector 11"/>
+          <p:cNvCxnSpPr/>
+          <p:nvPr/>
+        </p:nvCxnSpPr>
+        <p:spPr>
+          <a:xfrm flipV="1">
+            <a:off x="4139953" y="1006492"/>
+            <a:ext cx="0" cy="231495"/>
+          </a:xfrm>
+          <a:prstGeom prst="line">
+            <a:avLst/>
+          </a:prstGeom>
+        </p:spPr>
+        <p:style>
+          <a:lnRef idx="1">
+            <a:schemeClr val="accent1"/>
+          </a:lnRef>
+          <a:fillRef idx="0">
+            <a:schemeClr val="accent1"/>
+          </a:fillRef>
+          <a:effectRef idx="0">
+            <a:schemeClr val="accent1"/>
+          </a:effectRef>
+          <a:fontRef idx="minor">
+            <a:schemeClr val="tx1"/>
+          </a:fontRef>
+        </p:style>
+      </p:cxnSp>
+      <p:cxnSp>
+        <p:nvCxnSpPr>
+          <p:cNvPr id="20" name="Straight Connector 19"/>
+          <p:cNvCxnSpPr/>
+          <p:nvPr/>
+        </p:nvCxnSpPr>
+        <p:spPr>
+          <a:xfrm>
+            <a:off x="4049943" y="1006492"/>
+            <a:ext cx="90010" cy="80204"/>
+          </a:xfrm>
+          <a:prstGeom prst="line">
+            <a:avLst/>
+          </a:prstGeom>
+        </p:spPr>
+        <p:style>
+          <a:lnRef idx="1">
+            <a:schemeClr val="accent1"/>
+          </a:lnRef>
+          <a:fillRef idx="0">
+            <a:schemeClr val="accent1"/>
+          </a:fillRef>
+          <a:effectRef idx="0">
+            <a:schemeClr val="accent1"/>
+          </a:effectRef>
+          <a:fontRef idx="minor">
+            <a:schemeClr val="tx1"/>
+          </a:fontRef>
+        </p:style>
+      </p:cxnSp>
+      <p:cxnSp>
+        <p:nvCxnSpPr>
+          <p:cNvPr id="26" name="Straight Connector 25"/>
+          <p:cNvCxnSpPr/>
+          <p:nvPr/>
+        </p:nvCxnSpPr>
+        <p:spPr>
+          <a:xfrm flipV="1">
+            <a:off x="4139953" y="1006492"/>
+            <a:ext cx="72008" cy="80204"/>
+          </a:xfrm>
+          <a:prstGeom prst="line">
+            <a:avLst/>
+          </a:prstGeom>
+        </p:spPr>
+        <p:style>
+          <a:lnRef idx="1">
+            <a:schemeClr val="accent1"/>
+          </a:lnRef>
+          <a:fillRef idx="0">
+            <a:schemeClr val="accent1"/>
+          </a:fillRef>
+          <a:effectRef idx="0">
+            <a:schemeClr val="accent1"/>
+          </a:effectRef>
+          <a:fontRef idx="minor">
+            <a:schemeClr val="tx1"/>
+          </a:fontRef>
+        </p:style>
+      </p:cxnSp>
+      <p:sp>
+        <p:nvSpPr>
+          <p:cNvPr id="2" name="TextBox 1"/>
+          <p:cNvSpPr txBox="1"/>
+          <p:nvPr/>
+        </p:nvSpPr>
+        <p:spPr>
+          <a:xfrm>
+            <a:off x="4049943" y="612311"/>
+            <a:ext cx="981551" cy="369332"/>
+          </a:xfrm>
+          <a:prstGeom prst="rect">
+            <a:avLst/>
+          </a:prstGeom>
+          <a:noFill/>
+        </p:spPr>
+        <p:txBody>
+          <a:bodyPr wrap="none" rtlCol="0">
+            <a:spAutoFit/>
+          </a:bodyPr>
+          <a:lstStyle/>
+          <a:p>
+            <a:r>
+              <a:rPr lang="en-US" dirty="0" smtClean="0"/>
+              <a:t>Antenna</a:t>
+            </a:r>
+            <a:endParaRPr lang="en-US" dirty="0"/>
+          </a:p>
+        </p:txBody>
+      </p:sp>
       <p:graphicFrame>
         <p:nvGraphicFramePr>
-          <p:cNvPr id="6" name="Table 5"/>
+          <p:cNvPr id="25" name="Table 24"/>
           <p:cNvGraphicFramePr>
             <a:graphicFrameLocks noGrp="1"/>
           </p:cNvGraphicFramePr>
           <p:nvPr>
             <p:extLst>
               <p:ext uri="{D42A27DB-BD31-4B8C-83A1-F6EECF244321}">
-                <p14:modId xmlns:p14="http://schemas.microsoft.com/office/powerpoint/2010/main" val="4191255395"/>
+                <p14:modId xmlns:p14="http://schemas.microsoft.com/office/powerpoint/2010/main" val="2275396256"/>
               </p:ext>
             </p:extLst>
           </p:nvPr>
         </p:nvGraphicFramePr>
         <p:xfrm>
-          <a:off x="469222" y="1944745"/>
-          <a:ext cx="8412480" cy="2225040"/>
+          <a:off x="430627" y="2196861"/>
+          <a:ext cx="8412480" cy="1737360"/>
         </p:xfrm>
         <a:graphic>
           <a:graphicData uri="http://schemas.openxmlformats.org/drawingml/2006/table">
@@ -8547,7 +8234,7 @@
                           <a:latin typeface="Times New Roman" panose="02020603050405020304" pitchFamily="18" charset="0"/>
                           <a:cs typeface="Times New Roman" panose="02020603050405020304" pitchFamily="18" charset="0"/>
                         </a:rPr>
-                        <a:t>LEDs</a:t>
+                        <a:t>RF Filter</a:t>
                       </a:r>
                       <a:endParaRPr lang="en-US" sz="1600" b="1" dirty="0">
                         <a:latin typeface="Times New Roman" panose="02020603050405020304" pitchFamily="18" charset="0"/>
@@ -8556,231 +8243,6 @@
                     </a:p>
                   </a:txBody>
                   <a:tcPr/>
-                </a:tc>
-              </a:tr>
-              <a:tr h="0">
-                <a:tc>
-                  <a:txBody>
-                    <a:bodyPr/>
-                    <a:lstStyle/>
-                    <a:p>
-                      <a:r>
-                        <a:rPr lang="en-US" sz="1600" dirty="0" smtClean="0">
-                          <a:latin typeface="Times New Roman" panose="02020603050405020304" pitchFamily="18" charset="0"/>
-                          <a:cs typeface="Times New Roman" panose="02020603050405020304" pitchFamily="18" charset="0"/>
-                        </a:rPr>
-                        <a:t>Input</a:t>
-                      </a:r>
-                      <a:endParaRPr lang="en-US" sz="1600" dirty="0">
-                        <a:latin typeface="Times New Roman" panose="02020603050405020304" pitchFamily="18" charset="0"/>
-                        <a:cs typeface="Times New Roman" panose="02020603050405020304" pitchFamily="18" charset="0"/>
-                      </a:endParaRPr>
-                    </a:p>
-                  </a:txBody>
-                  <a:tcPr marL="45720" marR="45720"/>
-                </a:tc>
-                <a:tc>
-                  <a:txBody>
-                    <a:bodyPr/>
-                    <a:lstStyle/>
-                    <a:p>
-                      <a:pPr marL="0" indent="0">
-                        <a:buNone/>
-                      </a:pPr>
-                      <a:r>
-                        <a:rPr lang="en-US" sz="1600" baseline="0" dirty="0" smtClean="0">
-                          <a:latin typeface="Times New Roman" panose="02020603050405020304" pitchFamily="18" charset="0"/>
-                          <a:cs typeface="Times New Roman" panose="02020603050405020304" pitchFamily="18" charset="0"/>
-                        </a:rPr>
-                        <a:t>Vin: 3.3 V voltage supply</a:t>
-                      </a:r>
-                    </a:p>
-                    <a:p>
-                      <a:pPr marL="0" indent="0">
-                        <a:buNone/>
-                      </a:pPr>
-                      <a:r>
-                        <a:rPr lang="en-US" sz="1600" baseline="0" dirty="0" smtClean="0">
-                          <a:latin typeface="Times New Roman" panose="02020603050405020304" pitchFamily="18" charset="0"/>
-                          <a:cs typeface="Times New Roman" panose="02020603050405020304" pitchFamily="18" charset="0"/>
-                        </a:rPr>
-                        <a:t>GPIO: GPIO pins connection</a:t>
-                      </a:r>
-                      <a:endParaRPr lang="en-US" sz="1600" dirty="0">
-                        <a:latin typeface="Times New Roman" panose="02020603050405020304" pitchFamily="18" charset="0"/>
-                        <a:cs typeface="Times New Roman" panose="02020603050405020304" pitchFamily="18" charset="0"/>
-                      </a:endParaRPr>
-                    </a:p>
-                  </a:txBody>
-                  <a:tcPr marL="45720" marR="45720"/>
-                </a:tc>
-              </a:tr>
-              <a:tr h="0">
-                <a:tc>
-                  <a:txBody>
-                    <a:bodyPr/>
-                    <a:lstStyle/>
-                    <a:p>
-                      <a:r>
-                        <a:rPr lang="en-US" sz="1600" dirty="0" smtClean="0">
-                          <a:latin typeface="Times New Roman" panose="02020603050405020304" pitchFamily="18" charset="0"/>
-                          <a:cs typeface="Times New Roman" panose="02020603050405020304" pitchFamily="18" charset="0"/>
-                        </a:rPr>
-                        <a:t>Functionality</a:t>
-                      </a:r>
-                      <a:endParaRPr lang="en-US" sz="1600" dirty="0">
-                        <a:latin typeface="Times New Roman" panose="02020603050405020304" pitchFamily="18" charset="0"/>
-                        <a:cs typeface="Times New Roman" panose="02020603050405020304" pitchFamily="18" charset="0"/>
-                      </a:endParaRPr>
-                    </a:p>
-                  </a:txBody>
-                  <a:tcPr/>
-                </a:tc>
-                <a:tc>
-                  <a:txBody>
-                    <a:bodyPr/>
-                    <a:lstStyle/>
-                    <a:p>
-                      <a:r>
-                        <a:rPr lang="en-US" sz="1600" dirty="0" smtClean="0">
-                          <a:latin typeface="Times New Roman" panose="02020603050405020304" pitchFamily="18" charset="0"/>
-                          <a:cs typeface="Times New Roman" panose="02020603050405020304" pitchFamily="18" charset="0"/>
-                        </a:rPr>
-                        <a:t>There are total 7 LEDs:</a:t>
-                      </a:r>
-                      <a:r>
-                        <a:rPr lang="en-US" sz="1600" baseline="0" dirty="0" smtClean="0">
-                          <a:latin typeface="Times New Roman" panose="02020603050405020304" pitchFamily="18" charset="0"/>
-                          <a:cs typeface="Times New Roman" panose="02020603050405020304" pitchFamily="18" charset="0"/>
-                        </a:rPr>
-                        <a:t> 1 single and 3 tri-colored LEDs indicate battery connection; 3 other tri-colored LEDs are used as Status indicator of connection of JTAG, and receive and transmit of RF signals.</a:t>
-                      </a:r>
-                      <a:endParaRPr lang="en-US" sz="1600" dirty="0">
-                        <a:latin typeface="Times New Roman" panose="02020603050405020304" pitchFamily="18" charset="0"/>
-                        <a:cs typeface="Times New Roman" panose="02020603050405020304" pitchFamily="18" charset="0"/>
-                      </a:endParaRPr>
-                    </a:p>
-                  </a:txBody>
-                  <a:tcPr/>
-                </a:tc>
-              </a:tr>
-            </a:tbl>
-          </a:graphicData>
-        </a:graphic>
-      </p:graphicFrame>
-      <p:graphicFrame>
-        <p:nvGraphicFramePr>
-          <p:cNvPr id="23" name="Table 22"/>
-          <p:cNvGraphicFramePr>
-            <a:graphicFrameLocks noGrp="1"/>
-          </p:cNvGraphicFramePr>
-          <p:nvPr>
-            <p:extLst>
-              <p:ext uri="{D42A27DB-BD31-4B8C-83A1-F6EECF244321}">
-                <p14:modId xmlns:p14="http://schemas.microsoft.com/office/powerpoint/2010/main" val="3673096884"/>
-              </p:ext>
-            </p:extLst>
-          </p:nvPr>
-        </p:nvGraphicFramePr>
-        <p:xfrm>
-          <a:off x="430627" y="4185084"/>
-          <a:ext cx="8412480" cy="2164080"/>
-        </p:xfrm>
-        <a:graphic>
-          <a:graphicData uri="http://schemas.openxmlformats.org/drawingml/2006/table">
-            <a:tbl>
-              <a:tblPr firstRow="1" bandRow="1">
-                <a:tableStyleId>{5940675A-B579-460E-94D1-54222C63F5DA}</a:tableStyleId>
-              </a:tblPr>
-              <a:tblGrid>
-                <a:gridCol w="4206240"/>
-                <a:gridCol w="4206240"/>
-              </a:tblGrid>
-              <a:tr h="0">
-                <a:tc>
-                  <a:txBody>
-                    <a:bodyPr/>
-                    <a:lstStyle/>
-                    <a:p>
-                      <a:r>
-                        <a:rPr lang="en-US" sz="1600" b="1" dirty="0" smtClean="0">
-                          <a:latin typeface="Times New Roman" panose="02020603050405020304" pitchFamily="18" charset="0"/>
-                          <a:cs typeface="Times New Roman" panose="02020603050405020304" pitchFamily="18" charset="0"/>
-                        </a:rPr>
-                        <a:t>Module</a:t>
-                      </a:r>
-                      <a:endParaRPr lang="en-US" sz="1600" b="1" dirty="0">
-                        <a:latin typeface="Times New Roman" panose="02020603050405020304" pitchFamily="18" charset="0"/>
-                        <a:cs typeface="Times New Roman" panose="02020603050405020304" pitchFamily="18" charset="0"/>
-                      </a:endParaRPr>
-                    </a:p>
-                  </a:txBody>
-                  <a:tcPr/>
-                </a:tc>
-                <a:tc>
-                  <a:txBody>
-                    <a:bodyPr/>
-                    <a:lstStyle/>
-                    <a:p>
-                      <a:r>
-                        <a:rPr lang="en-US" sz="1600" b="1" dirty="0" smtClean="0">
-                          <a:latin typeface="Times New Roman" panose="02020603050405020304" pitchFamily="18" charset="0"/>
-                          <a:cs typeface="Times New Roman" panose="02020603050405020304" pitchFamily="18" charset="0"/>
-                        </a:rPr>
-                        <a:t>RF Front End</a:t>
-                      </a:r>
-                      <a:endParaRPr lang="en-US" sz="1600" b="1" dirty="0">
-                        <a:latin typeface="Times New Roman" panose="02020603050405020304" pitchFamily="18" charset="0"/>
-                        <a:cs typeface="Times New Roman" panose="02020603050405020304" pitchFamily="18" charset="0"/>
-                      </a:endParaRPr>
-                    </a:p>
-                  </a:txBody>
-                  <a:tcPr/>
-                </a:tc>
-              </a:tr>
-              <a:tr h="0">
-                <a:tc>
-                  <a:txBody>
-                    <a:bodyPr/>
-                    <a:lstStyle/>
-                    <a:p>
-                      <a:r>
-                        <a:rPr lang="en-US" sz="1600" dirty="0" smtClean="0">
-                          <a:latin typeface="Times New Roman" panose="02020603050405020304" pitchFamily="18" charset="0"/>
-                          <a:cs typeface="Times New Roman" panose="02020603050405020304" pitchFamily="18" charset="0"/>
-                        </a:rPr>
-                        <a:t>Input</a:t>
-                      </a:r>
-                      <a:endParaRPr lang="en-US" sz="1600" dirty="0">
-                        <a:latin typeface="Times New Roman" panose="02020603050405020304" pitchFamily="18" charset="0"/>
-                        <a:cs typeface="Times New Roman" panose="02020603050405020304" pitchFamily="18" charset="0"/>
-                      </a:endParaRPr>
-                    </a:p>
-                  </a:txBody>
-                  <a:tcPr marL="45720" marR="45720"/>
-                </a:tc>
-                <a:tc>
-                  <a:txBody>
-                    <a:bodyPr/>
-                    <a:lstStyle/>
-                    <a:p>
-                      <a:pPr marL="0" indent="0">
-                        <a:buNone/>
-                      </a:pPr>
-                      <a:r>
-                        <a:rPr lang="en-US" sz="1600" dirty="0" smtClean="0">
-                          <a:latin typeface="Times New Roman" panose="02020603050405020304" pitchFamily="18" charset="0"/>
-                          <a:cs typeface="Times New Roman" panose="02020603050405020304" pitchFamily="18" charset="0"/>
-                        </a:rPr>
-                        <a:t>Vin: 3.3 V supply</a:t>
-                      </a:r>
-                      <a:endParaRPr lang="en-US" sz="1600" dirty="0">
-                        <a:latin typeface="Times New Roman" panose="02020603050405020304" pitchFamily="18" charset="0"/>
-                        <a:cs typeface="Times New Roman" panose="02020603050405020304" pitchFamily="18" charset="0"/>
-                      </a:endParaRPr>
-                    </a:p>
-                  </a:txBody>
-                  <a:tcPr marL="45720" marR="45720"/>
                 </a:tc>
               </a:tr>
               <a:tr h="0">
@@ -8808,6 +8270,19 @@
                         <a:cs typeface="Times New Roman" panose="02020603050405020304" pitchFamily="18" charset="0"/>
                       </a:endParaRPr>
                     </a:p>
+                    <a:p>
+                      <a:r>
+                        <a:rPr lang="en-US" sz="1600" dirty="0" smtClean="0">
+                          <a:latin typeface="Times New Roman" panose="02020603050405020304" pitchFamily="18" charset="0"/>
+                          <a:cs typeface="Times New Roman" panose="02020603050405020304" pitchFamily="18" charset="0"/>
+                        </a:rPr>
+                        <a:t>Output</a:t>
+                      </a:r>
+                      <a:endParaRPr lang="en-US" sz="1600" dirty="0">
+                        <a:latin typeface="Times New Roman" panose="02020603050405020304" pitchFamily="18" charset="0"/>
+                        <a:cs typeface="Times New Roman" panose="02020603050405020304" pitchFamily="18" charset="0"/>
+                      </a:endParaRPr>
+                    </a:p>
                   </a:txBody>
                   <a:tcPr marL="45720" marR="45720"/>
                 </a:tc>
@@ -8826,21 +8301,25 @@
                         </a:rPr>
                         <a:t>RFIO: 0-13dB power signals at 436.5 MHz</a:t>
                       </a:r>
-                      <a:endParaRPr lang="en-US" sz="1600" dirty="0">
-                        <a:latin typeface="Times New Roman" panose="02020603050405020304" pitchFamily="18" charset="0"/>
-                        <a:cs typeface="Times New Roman" panose="02020603050405020304" pitchFamily="18" charset="0"/>
-                      </a:endParaRPr>
                     </a:p>
-                  </a:txBody>
-                  <a:tcPr marL="45720" marR="45720"/>
-                </a:tc>
-              </a:tr>
-              <a:tr h="0">
-                <a:tc>
-                  <a:txBody>
-                    <a:bodyPr/>
-                    <a:lstStyle/>
                     <a:p>
+                      <a:pPr marL="0" marR="0" indent="0" algn="l" defTabSz="914400" rtl="0" eaLnBrk="1" fontAlgn="auto" latinLnBrk="0" hangingPunct="1">
+                        <a:lnSpc>
+                          <a:spcPct val="100000"/>
+                        </a:lnSpc>
+                        <a:spcBef>
+                          <a:spcPts val="0"/>
+                        </a:spcBef>
+                        <a:spcAft>
+                          <a:spcPts val="0"/>
+                        </a:spcAft>
+                        <a:buClrTx/>
+                        <a:buSzTx/>
+                        <a:buFontTx/>
+                        <a:buNone/>
+                        <a:tabLst/>
+                        <a:defRPr/>
+                      </a:pPr>
                       <a:r>
                         <a:rPr lang="en-US" sz="1600" dirty="0" smtClean="0">
                           <a:latin typeface="Times New Roman" panose="02020603050405020304" pitchFamily="18" charset="0"/>
@@ -8848,37 +8327,14 @@
                         </a:rPr>
                         <a:t>Antenna</a:t>
                       </a:r>
-                      <a:endParaRPr lang="en-US" sz="1600" dirty="0">
-                        <a:latin typeface="Times New Roman" panose="02020603050405020304" pitchFamily="18" charset="0"/>
-                        <a:cs typeface="Times New Roman" panose="02020603050405020304" pitchFamily="18" charset="0"/>
-                      </a:endParaRPr>
-                    </a:p>
-                  </a:txBody>
-                  <a:tcPr marL="45720" marR="45720"/>
-                </a:tc>
-                <a:tc>
-                  <a:txBody>
-                    <a:bodyPr/>
-                    <a:lstStyle/>
-                    <a:p>
-                      <a:pPr marL="0" indent="0">
-                        <a:buNone/>
-                      </a:pPr>
-                      <a:r>
-                        <a:rPr lang="en-US" sz="1600" dirty="0" smtClean="0">
-                          <a:latin typeface="Times New Roman" panose="02020603050405020304" pitchFamily="18" charset="0"/>
-                          <a:cs typeface="Times New Roman" panose="02020603050405020304" pitchFamily="18" charset="0"/>
-                        </a:rPr>
-                        <a:t>It is used</a:t>
-                      </a:r>
                       <a:r>
                         <a:rPr lang="en-US" sz="1600" baseline="0" dirty="0" smtClean="0">
                           <a:latin typeface="Times New Roman" panose="02020603050405020304" pitchFamily="18" charset="0"/>
                           <a:cs typeface="Times New Roman" panose="02020603050405020304" pitchFamily="18" charset="0"/>
                         </a:rPr>
-                        <a:t> for both to transmit and receive signals</a:t>
+                        <a:t>: Signal goes through antenna</a:t>
                       </a:r>
-                      <a:endParaRPr lang="en-US" sz="1600" dirty="0">
+                      <a:endParaRPr lang="en-US" sz="1600" dirty="0" smtClean="0">
                         <a:latin typeface="Times New Roman" panose="02020603050405020304" pitchFamily="18" charset="0"/>
                         <a:cs typeface="Times New Roman" panose="02020603050405020304" pitchFamily="18" charset="0"/>
                       </a:endParaRPr>
@@ -8940,941 +8396,6 @@
           </a:graphicData>
         </a:graphic>
       </p:graphicFrame>
-      <p:grpSp>
-        <p:nvGrpSpPr>
-          <p:cNvPr id="35" name="Group 34"/>
-          <p:cNvGrpSpPr/>
-          <p:nvPr/>
-        </p:nvGrpSpPr>
-        <p:grpSpPr>
-          <a:xfrm>
-            <a:off x="397346" y="588788"/>
-            <a:ext cx="7095541" cy="1355957"/>
-            <a:chOff x="397346" y="588788"/>
-            <a:chExt cx="7095541" cy="1355957"/>
-          </a:xfrm>
-        </p:grpSpPr>
-        <p:grpSp>
-          <p:nvGrpSpPr>
-            <p:cNvPr id="16" name="Group 15"/>
-            <p:cNvGrpSpPr/>
-            <p:nvPr/>
-          </p:nvGrpSpPr>
-          <p:grpSpPr>
-            <a:xfrm>
-              <a:off x="397346" y="646347"/>
-              <a:ext cx="2878509" cy="1298398"/>
-              <a:chOff x="-162663" y="656692"/>
-              <a:chExt cx="2878509" cy="794008"/>
-            </a:xfrm>
-          </p:grpSpPr>
-          <p:sp>
-            <p:nvSpPr>
-              <p:cNvPr id="4" name="Rectangle 1"/>
-              <p:cNvSpPr>
-                <a:spLocks noChangeArrowheads="1"/>
-              </p:cNvSpPr>
-              <p:nvPr/>
-            </p:nvSpPr>
-            <p:spPr bwMode="auto">
-              <a:xfrm>
-                <a:off x="1425587" y="656692"/>
-                <a:ext cx="1290259" cy="794008"/>
-              </a:xfrm>
-              <a:prstGeom prst="rect">
-                <a:avLst/>
-              </a:prstGeom>
-              <a:solidFill>
-                <a:srgbClr val="FFFFFF"/>
-              </a:solidFill>
-              <a:ln w="28575">
-                <a:solidFill>
-                  <a:srgbClr val="000000"/>
-                </a:solidFill>
-                <a:miter lim="800000"/>
-                <a:headEnd/>
-                <a:tailEnd/>
-              </a:ln>
-            </p:spPr>
-            <p:txBody>
-              <a:bodyPr vert="horz" wrap="square" lIns="91440" tIns="45720" rIns="91440" bIns="45720" numCol="1" anchor="ctr" anchorCtr="0" compatLnSpc="1">
-                <a:prstTxWarp prst="textNoShape">
-                  <a:avLst/>
-                </a:prstTxWarp>
-              </a:bodyPr>
-              <a:lstStyle/>
-              <a:p>
-                <a:pPr marL="0" marR="0" lvl="0" indent="0" algn="ctr" defTabSz="914400" rtl="0" eaLnBrk="1" fontAlgn="base" latinLnBrk="0" hangingPunct="1">
-                  <a:lnSpc>
-                    <a:spcPct val="100000"/>
-                  </a:lnSpc>
-                  <a:spcBef>
-                    <a:spcPct val="0"/>
-                  </a:spcBef>
-                  <a:spcAft>
-                    <a:spcPct val="0"/>
-                  </a:spcAft>
-                  <a:buClrTx/>
-                  <a:buSzTx/>
-                  <a:buFontTx/>
-                  <a:buNone/>
-                  <a:tabLst/>
-                </a:pPr>
-                <a:r>
-                  <a:rPr kumimoji="0" lang="en-US" altLang="en-US" sz="1600" b="0" i="0" u="none" strike="noStrike" cap="none" normalizeH="0" baseline="0" dirty="0" smtClean="0">
-                    <a:ln>
-                      <a:noFill/>
-                    </a:ln>
-                    <a:solidFill>
-                      <a:schemeClr val="tx1"/>
-                    </a:solidFill>
-                    <a:effectLst/>
-                    <a:latin typeface="Times New Roman" panose="02020603050405020304" pitchFamily="18" charset="0"/>
-                    <a:ea typeface="Calibri" pitchFamily="34" charset="0"/>
-                    <a:cs typeface="Times New Roman" panose="02020603050405020304" pitchFamily="18" charset="0"/>
-                  </a:rPr>
-                  <a:t>LEDs</a:t>
-                </a:r>
-                <a:endParaRPr kumimoji="0" lang="en-US" altLang="en-US" sz="2800" b="0" i="0" u="none" strike="noStrike" cap="none" normalizeH="0" baseline="0" dirty="0" smtClean="0">
-                  <a:ln>
-                    <a:noFill/>
-                  </a:ln>
-                  <a:solidFill>
-                    <a:schemeClr val="tx1"/>
-                  </a:solidFill>
-                  <a:effectLst/>
-                  <a:latin typeface="Times New Roman" panose="02020603050405020304" pitchFamily="18" charset="0"/>
-                  <a:cs typeface="Times New Roman" panose="02020603050405020304" pitchFamily="18" charset="0"/>
-                </a:endParaRPr>
-              </a:p>
-            </p:txBody>
-          </p:sp>
-          <p:cxnSp>
-            <p:nvCxnSpPr>
-              <p:cNvPr id="9" name="Straight Arrow Connector 8"/>
-              <p:cNvCxnSpPr/>
-              <p:nvPr/>
-            </p:nvCxnSpPr>
-            <p:spPr>
-              <a:xfrm>
-                <a:off x="729604" y="925978"/>
-                <a:ext cx="670012" cy="0"/>
-              </a:xfrm>
-              <a:prstGeom prst="straightConnector1">
-                <a:avLst/>
-              </a:prstGeom>
-              <a:ln>
-                <a:solidFill>
-                  <a:schemeClr val="tx1"/>
-                </a:solidFill>
-                <a:tailEnd type="arrow"/>
-              </a:ln>
-            </p:spPr>
-            <p:style>
-              <a:lnRef idx="1">
-                <a:schemeClr val="accent1"/>
-              </a:lnRef>
-              <a:fillRef idx="0">
-                <a:schemeClr val="accent1"/>
-              </a:fillRef>
-              <a:effectRef idx="0">
-                <a:schemeClr val="accent1"/>
-              </a:effectRef>
-              <a:fontRef idx="minor">
-                <a:schemeClr val="tx1"/>
-              </a:fontRef>
-            </p:style>
-          </p:cxnSp>
-          <p:cxnSp>
-            <p:nvCxnSpPr>
-              <p:cNvPr id="13" name="Straight Arrow Connector 12"/>
-              <p:cNvCxnSpPr/>
-              <p:nvPr/>
-            </p:nvCxnSpPr>
-            <p:spPr>
-              <a:xfrm>
-                <a:off x="721502" y="1206184"/>
-                <a:ext cx="670012" cy="0"/>
-              </a:xfrm>
-              <a:prstGeom prst="straightConnector1">
-                <a:avLst/>
-              </a:prstGeom>
-              <a:ln>
-                <a:solidFill>
-                  <a:schemeClr val="tx1"/>
-                </a:solidFill>
-                <a:tailEnd type="arrow"/>
-              </a:ln>
-            </p:spPr>
-            <p:style>
-              <a:lnRef idx="1">
-                <a:schemeClr val="accent1"/>
-              </a:lnRef>
-              <a:fillRef idx="0">
-                <a:schemeClr val="accent1"/>
-              </a:fillRef>
-              <a:effectRef idx="0">
-                <a:schemeClr val="accent1"/>
-              </a:effectRef>
-              <a:fontRef idx="minor">
-                <a:schemeClr val="tx1"/>
-              </a:fontRef>
-            </p:style>
-          </p:cxnSp>
-          <p:sp>
-            <p:nvSpPr>
-              <p:cNvPr id="14" name="Text Box 2"/>
-              <p:cNvSpPr txBox="1">
-                <a:spLocks noChangeArrowheads="1"/>
-              </p:cNvSpPr>
-              <p:nvPr/>
-            </p:nvSpPr>
-            <p:spPr bwMode="auto">
-              <a:xfrm rot="10800000" flipV="1">
-                <a:off x="60952" y="1082339"/>
-                <a:ext cx="668652" cy="218346"/>
-              </a:xfrm>
-              <a:prstGeom prst="rect">
-                <a:avLst/>
-              </a:prstGeom>
-              <a:solidFill>
-                <a:srgbClr val="FFFFFF"/>
-              </a:solidFill>
-              <a:ln>
-                <a:noFill/>
-              </a:ln>
-              <a:extLst>
-                <a:ext uri="{91240B29-F687-4F45-9708-019B960494DF}">
-                  <a14:hiddenLine xmlns:a14="http://schemas.microsoft.com/office/drawing/2010/main" w="9525">
-                    <a:solidFill>
-                      <a:srgbClr val="000000"/>
-                    </a:solidFill>
-                    <a:miter lim="800000"/>
-                    <a:headEnd/>
-                    <a:tailEnd/>
-                  </a14:hiddenLine>
-                </a:ext>
-              </a:extLst>
-            </p:spPr>
-            <p:txBody>
-              <a:bodyPr vert="horz" wrap="square" lIns="91440" tIns="45720" rIns="91440" bIns="45720" numCol="1" anchor="t" anchorCtr="0" compatLnSpc="1">
-                <a:prstTxWarp prst="textNoShape">
-                  <a:avLst/>
-                </a:prstTxWarp>
-              </a:bodyPr>
-              <a:lstStyle/>
-              <a:p>
-                <a:pPr marL="0" marR="0" lvl="0" indent="0" algn="r" defTabSz="914400" rtl="0" eaLnBrk="1" fontAlgn="base" latinLnBrk="0" hangingPunct="1">
-                  <a:lnSpc>
-                    <a:spcPct val="100000"/>
-                  </a:lnSpc>
-                  <a:spcBef>
-                    <a:spcPct val="0"/>
-                  </a:spcBef>
-                  <a:spcAft>
-                    <a:spcPct val="0"/>
-                  </a:spcAft>
-                  <a:buClrTx/>
-                  <a:buSzTx/>
-                  <a:buFontTx/>
-                  <a:buNone/>
-                  <a:tabLst/>
-                </a:pPr>
-                <a:r>
-                  <a:rPr lang="en-US" altLang="en-US" sz="1600" dirty="0" smtClean="0">
-                    <a:latin typeface="Times New Roman" panose="02020603050405020304" pitchFamily="18" charset="0"/>
-                    <a:cs typeface="Times New Roman" panose="02020603050405020304" pitchFamily="18" charset="0"/>
-                  </a:rPr>
-                  <a:t>GPIO</a:t>
-                </a:r>
-                <a:endParaRPr kumimoji="0" lang="en-US" altLang="en-US" sz="2800" b="0" i="0" u="none" strike="noStrike" cap="none" normalizeH="0" baseline="0" dirty="0" smtClean="0">
-                  <a:ln>
-                    <a:noFill/>
-                  </a:ln>
-                  <a:solidFill>
-                    <a:schemeClr val="tx1"/>
-                  </a:solidFill>
-                  <a:effectLst/>
-                  <a:latin typeface="Times New Roman" panose="02020603050405020304" pitchFamily="18" charset="0"/>
-                  <a:cs typeface="Times New Roman" panose="02020603050405020304" pitchFamily="18" charset="0"/>
-                </a:endParaRPr>
-              </a:p>
-            </p:txBody>
-          </p:sp>
-          <p:sp>
-            <p:nvSpPr>
-              <p:cNvPr id="15" name="Text Box 2"/>
-              <p:cNvSpPr txBox="1">
-                <a:spLocks noChangeArrowheads="1"/>
-              </p:cNvSpPr>
-              <p:nvPr/>
-            </p:nvSpPr>
-            <p:spPr bwMode="auto">
-              <a:xfrm rot="10800000" flipV="1">
-                <a:off x="-162663" y="827233"/>
-                <a:ext cx="892267" cy="214180"/>
-              </a:xfrm>
-              <a:prstGeom prst="rect">
-                <a:avLst/>
-              </a:prstGeom>
-              <a:solidFill>
-                <a:srgbClr val="FFFFFF"/>
-              </a:solidFill>
-              <a:ln>
-                <a:noFill/>
-              </a:ln>
-              <a:extLst>
-                <a:ext uri="{91240B29-F687-4F45-9708-019B960494DF}">
-                  <a14:hiddenLine xmlns:a14="http://schemas.microsoft.com/office/drawing/2010/main" w="9525">
-                    <a:solidFill>
-                      <a:srgbClr val="000000"/>
-                    </a:solidFill>
-                    <a:miter lim="800000"/>
-                    <a:headEnd/>
-                    <a:tailEnd/>
-                  </a14:hiddenLine>
-                </a:ext>
-              </a:extLst>
-            </p:spPr>
-            <p:txBody>
-              <a:bodyPr vert="horz" wrap="square" lIns="91440" tIns="45720" rIns="91440" bIns="45720" numCol="1" anchor="t" anchorCtr="0" compatLnSpc="1">
-                <a:prstTxWarp prst="textNoShape">
-                  <a:avLst/>
-                </a:prstTxWarp>
-              </a:bodyPr>
-              <a:lstStyle/>
-              <a:p>
-                <a:pPr marL="0" marR="0" lvl="0" indent="0" algn="r" defTabSz="914400" rtl="0" eaLnBrk="1" fontAlgn="base" latinLnBrk="0" hangingPunct="1">
-                  <a:lnSpc>
-                    <a:spcPct val="100000"/>
-                  </a:lnSpc>
-                  <a:spcBef>
-                    <a:spcPct val="0"/>
-                  </a:spcBef>
-                  <a:spcAft>
-                    <a:spcPct val="0"/>
-                  </a:spcAft>
-                  <a:buClrTx/>
-                  <a:buSzTx/>
-                  <a:buFontTx/>
-                  <a:buNone/>
-                  <a:tabLst/>
-                </a:pPr>
-                <a:r>
-                  <a:rPr lang="en-US" altLang="en-US" sz="1600" dirty="0" smtClean="0">
-                    <a:latin typeface="Times New Roman" panose="02020603050405020304" pitchFamily="18" charset="0"/>
-                    <a:cs typeface="Times New Roman" panose="02020603050405020304" pitchFamily="18" charset="0"/>
-                  </a:rPr>
-                  <a:t>Vin</a:t>
-                </a:r>
-                <a:endParaRPr kumimoji="0" lang="en-US" altLang="en-US" sz="2800" b="0" i="0" u="none" strike="noStrike" cap="none" normalizeH="0" baseline="0" dirty="0" smtClean="0">
-                  <a:ln>
-                    <a:noFill/>
-                  </a:ln>
-                  <a:solidFill>
-                    <a:schemeClr val="tx1"/>
-                  </a:solidFill>
-                  <a:effectLst/>
-                  <a:latin typeface="Times New Roman" panose="02020603050405020304" pitchFamily="18" charset="0"/>
-                  <a:cs typeface="Times New Roman" panose="02020603050405020304" pitchFamily="18" charset="0"/>
-                </a:endParaRPr>
-              </a:p>
-            </p:txBody>
-          </p:sp>
-        </p:grpSp>
-        <p:grpSp>
-          <p:nvGrpSpPr>
-            <p:cNvPr id="33" name="Group 32"/>
-            <p:cNvGrpSpPr/>
-            <p:nvPr/>
-          </p:nvGrpSpPr>
-          <p:grpSpPr>
-            <a:xfrm>
-              <a:off x="4247963" y="588788"/>
-              <a:ext cx="3244924" cy="1298398"/>
-              <a:chOff x="4297880" y="683944"/>
-              <a:chExt cx="3478476" cy="794008"/>
-            </a:xfrm>
-          </p:grpSpPr>
-          <p:grpSp>
-            <p:nvGrpSpPr>
-              <p:cNvPr id="17" name="Group 16"/>
-              <p:cNvGrpSpPr/>
-              <p:nvPr/>
-            </p:nvGrpSpPr>
-            <p:grpSpPr>
-              <a:xfrm>
-                <a:off x="4297880" y="683944"/>
-                <a:ext cx="3478476" cy="794008"/>
-                <a:chOff x="-702492" y="656692"/>
-                <a:chExt cx="3478476" cy="794008"/>
-              </a:xfrm>
-            </p:grpSpPr>
-            <p:sp>
-              <p:nvSpPr>
-                <p:cNvPr id="18" name="Rectangle 1"/>
-                <p:cNvSpPr>
-                  <a:spLocks noChangeArrowheads="1"/>
-                </p:cNvSpPr>
-                <p:nvPr/>
-              </p:nvSpPr>
-              <p:spPr bwMode="auto">
-                <a:xfrm>
-                  <a:off x="1425588" y="656692"/>
-                  <a:ext cx="1350396" cy="794008"/>
-                </a:xfrm>
-                <a:prstGeom prst="rect">
-                  <a:avLst/>
-                </a:prstGeom>
-                <a:solidFill>
-                  <a:srgbClr val="FFFFFF"/>
-                </a:solidFill>
-                <a:ln w="28575">
-                  <a:solidFill>
-                    <a:srgbClr val="000000"/>
-                  </a:solidFill>
-                  <a:miter lim="800000"/>
-                  <a:headEnd/>
-                  <a:tailEnd/>
-                </a:ln>
-              </p:spPr>
-              <p:txBody>
-                <a:bodyPr vert="horz" wrap="square" lIns="91440" tIns="45720" rIns="91440" bIns="45720" numCol="1" anchor="ctr" anchorCtr="0" compatLnSpc="1">
-                  <a:prstTxWarp prst="textNoShape">
-                    <a:avLst/>
-                  </a:prstTxWarp>
-                </a:bodyPr>
-                <a:lstStyle/>
-                <a:p>
-                  <a:pPr marL="0" marR="0" lvl="0" indent="0" algn="ctr" defTabSz="914400" rtl="0" eaLnBrk="1" fontAlgn="base" latinLnBrk="0" hangingPunct="1">
-                    <a:lnSpc>
-                      <a:spcPct val="100000"/>
-                    </a:lnSpc>
-                    <a:spcBef>
-                      <a:spcPct val="0"/>
-                    </a:spcBef>
-                    <a:spcAft>
-                      <a:spcPct val="0"/>
-                    </a:spcAft>
-                    <a:buClrTx/>
-                    <a:buSzTx/>
-                    <a:buFontTx/>
-                    <a:buNone/>
-                    <a:tabLst/>
-                  </a:pPr>
-                  <a:r>
-                    <a:rPr kumimoji="0" lang="en-US" altLang="en-US" sz="1600" b="0" i="0" u="none" strike="noStrike" cap="none" normalizeH="0" baseline="0" dirty="0" smtClean="0">
-                      <a:ln>
-                        <a:noFill/>
-                      </a:ln>
-                      <a:solidFill>
-                        <a:schemeClr val="tx1"/>
-                      </a:solidFill>
-                      <a:effectLst/>
-                      <a:latin typeface="Times New Roman" panose="02020603050405020304" pitchFamily="18" charset="0"/>
-                      <a:ea typeface="Calibri" pitchFamily="34" charset="0"/>
-                      <a:cs typeface="Times New Roman" panose="02020603050405020304" pitchFamily="18" charset="0"/>
-                    </a:rPr>
-                    <a:t>RF </a:t>
-                  </a:r>
-                  <a:r>
-                    <a:rPr lang="en-US" altLang="en-US" sz="1600" dirty="0" smtClean="0">
-                      <a:latin typeface="Times New Roman" panose="02020603050405020304" pitchFamily="18" charset="0"/>
-                      <a:ea typeface="Calibri" pitchFamily="34" charset="0"/>
-                      <a:cs typeface="Times New Roman" panose="02020603050405020304" pitchFamily="18" charset="0"/>
-                    </a:rPr>
-                    <a:t>Front End</a:t>
-                  </a:r>
-                  <a:endParaRPr kumimoji="0" lang="en-US" altLang="en-US" sz="2800" b="0" i="0" u="none" strike="noStrike" cap="none" normalizeH="0" baseline="0" dirty="0" smtClean="0">
-                    <a:ln>
-                      <a:noFill/>
-                    </a:ln>
-                    <a:solidFill>
-                      <a:schemeClr val="tx1"/>
-                    </a:solidFill>
-                    <a:effectLst/>
-                    <a:latin typeface="Times New Roman" panose="02020603050405020304" pitchFamily="18" charset="0"/>
-                    <a:cs typeface="Times New Roman" panose="02020603050405020304" pitchFamily="18" charset="0"/>
-                  </a:endParaRPr>
-                </a:p>
-              </p:txBody>
-            </p:sp>
-            <p:sp>
-              <p:nvSpPr>
-                <p:cNvPr id="21" name="Text Box 2"/>
-                <p:cNvSpPr txBox="1">
-                  <a:spLocks noChangeArrowheads="1"/>
-                </p:cNvSpPr>
-                <p:nvPr/>
-              </p:nvSpPr>
-              <p:spPr bwMode="auto">
-                <a:xfrm rot="10800000" flipV="1">
-                  <a:off x="-702492" y="735365"/>
-                  <a:ext cx="1273647" cy="353530"/>
-                </a:xfrm>
-                <a:prstGeom prst="rect">
-                  <a:avLst/>
-                </a:prstGeom>
-                <a:solidFill>
-                  <a:srgbClr val="FFFFFF"/>
-                </a:solidFill>
-                <a:ln>
-                  <a:noFill/>
-                </a:ln>
-                <a:extLst>
-                  <a:ext uri="{91240B29-F687-4F45-9708-019B960494DF}">
-                    <a14:hiddenLine xmlns:a14="http://schemas.microsoft.com/office/drawing/2010/main" w="9525">
-                      <a:solidFill>
-                        <a:srgbClr val="000000"/>
-                      </a:solidFill>
-                      <a:miter lim="800000"/>
-                      <a:headEnd/>
-                      <a:tailEnd/>
-                    </a14:hiddenLine>
-                  </a:ext>
-                </a:extLst>
-              </p:spPr>
-              <p:txBody>
-                <a:bodyPr vert="horz" wrap="square" lIns="91440" tIns="45720" rIns="91440" bIns="45720" numCol="1" anchor="t" anchorCtr="0" compatLnSpc="1">
-                  <a:prstTxWarp prst="textNoShape">
-                    <a:avLst/>
-                  </a:prstTxWarp>
-                </a:bodyPr>
-                <a:lstStyle/>
-                <a:p>
-                  <a:pPr marL="0" marR="0" lvl="0" indent="0" defTabSz="914400" rtl="0" eaLnBrk="1" fontAlgn="base" latinLnBrk="0" hangingPunct="1">
-                    <a:lnSpc>
-                      <a:spcPct val="100000"/>
-                    </a:lnSpc>
-                    <a:spcBef>
-                      <a:spcPct val="0"/>
-                    </a:spcBef>
-                    <a:spcAft>
-                      <a:spcPct val="0"/>
-                    </a:spcAft>
-                    <a:buClrTx/>
-                    <a:buSzTx/>
-                    <a:buFontTx/>
-                    <a:buNone/>
-                    <a:tabLst/>
-                  </a:pPr>
-                  <a:r>
-                    <a:rPr lang="en-US" altLang="en-US" sz="1600" dirty="0" smtClean="0">
-                      <a:latin typeface="Times New Roman" panose="02020603050405020304" pitchFamily="18" charset="0"/>
-                      <a:cs typeface="Times New Roman" panose="02020603050405020304" pitchFamily="18" charset="0"/>
-                    </a:rPr>
-                    <a:t>         RFIO</a:t>
-                  </a:r>
-                </a:p>
-                <a:p>
-                  <a:pPr marL="0" marR="0" lvl="0" indent="0" algn="r" defTabSz="914400" rtl="0" eaLnBrk="1" fontAlgn="base" latinLnBrk="0" hangingPunct="1">
-                    <a:lnSpc>
-                      <a:spcPct val="100000"/>
-                    </a:lnSpc>
-                    <a:spcBef>
-                      <a:spcPct val="0"/>
-                    </a:spcBef>
-                    <a:spcAft>
-                      <a:spcPct val="0"/>
-                    </a:spcAft>
-                    <a:buClrTx/>
-                    <a:buSzTx/>
-                    <a:buFontTx/>
-                    <a:buNone/>
-                    <a:tabLst/>
-                  </a:pPr>
-                  <a:r>
-                    <a:rPr kumimoji="0" lang="en-US" altLang="en-US" sz="1600" b="0" i="0" u="none" strike="noStrike" cap="none" normalizeH="0" baseline="0" dirty="0" smtClean="0">
-                      <a:ln>
-                        <a:noFill/>
-                      </a:ln>
-                      <a:solidFill>
-                        <a:schemeClr val="tx1"/>
-                      </a:solidFill>
-                      <a:effectLst/>
-                      <a:latin typeface="Times New Roman" panose="02020603050405020304" pitchFamily="18" charset="0"/>
-                      <a:cs typeface="Times New Roman" panose="02020603050405020304" pitchFamily="18" charset="0"/>
-                    </a:rPr>
-                    <a:t>436.5</a:t>
-                  </a:r>
-                  <a:r>
-                    <a:rPr kumimoji="0" lang="en-US" altLang="en-US" sz="1600" b="0" i="0" u="none" strike="noStrike" cap="none" normalizeH="0" dirty="0" smtClean="0">
-                      <a:ln>
-                        <a:noFill/>
-                      </a:ln>
-                      <a:solidFill>
-                        <a:schemeClr val="tx1"/>
-                      </a:solidFill>
-                      <a:effectLst/>
-                      <a:latin typeface="Times New Roman" panose="02020603050405020304" pitchFamily="18" charset="0"/>
-                      <a:cs typeface="Times New Roman" panose="02020603050405020304" pitchFamily="18" charset="0"/>
-                    </a:rPr>
-                    <a:t> MHz</a:t>
-                  </a:r>
-                  <a:endParaRPr kumimoji="0" lang="en-US" altLang="en-US" sz="2800" b="0" i="0" u="none" strike="noStrike" cap="none" normalizeH="0" baseline="0" dirty="0" smtClean="0">
-                    <a:ln>
-                      <a:noFill/>
-                    </a:ln>
-                    <a:solidFill>
-                      <a:schemeClr val="tx1"/>
-                    </a:solidFill>
-                    <a:effectLst/>
-                    <a:latin typeface="Times New Roman" panose="02020603050405020304" pitchFamily="18" charset="0"/>
-                    <a:cs typeface="Times New Roman" panose="02020603050405020304" pitchFamily="18" charset="0"/>
-                  </a:endParaRPr>
-                </a:p>
-              </p:txBody>
-            </p:sp>
-            <p:sp>
-              <p:nvSpPr>
-                <p:cNvPr id="22" name="Text Box 2"/>
-                <p:cNvSpPr txBox="1">
-                  <a:spLocks noChangeArrowheads="1"/>
-                </p:cNvSpPr>
-                <p:nvPr/>
-              </p:nvSpPr>
-              <p:spPr bwMode="auto">
-                <a:xfrm rot="10800000" flipV="1">
-                  <a:off x="-161052" y="1114172"/>
-                  <a:ext cx="892267" cy="214180"/>
-                </a:xfrm>
-                <a:prstGeom prst="rect">
-                  <a:avLst/>
-                </a:prstGeom>
-                <a:solidFill>
-                  <a:srgbClr val="FFFFFF"/>
-                </a:solidFill>
-                <a:ln>
-                  <a:noFill/>
-                </a:ln>
-                <a:extLst>
-                  <a:ext uri="{91240B29-F687-4F45-9708-019B960494DF}">
-                    <a14:hiddenLine xmlns:a14="http://schemas.microsoft.com/office/drawing/2010/main" w="9525">
-                      <a:solidFill>
-                        <a:srgbClr val="000000"/>
-                      </a:solidFill>
-                      <a:miter lim="800000"/>
-                      <a:headEnd/>
-                      <a:tailEnd/>
-                    </a14:hiddenLine>
-                  </a:ext>
-                </a:extLst>
-              </p:spPr>
-              <p:txBody>
-                <a:bodyPr vert="horz" wrap="square" lIns="91440" tIns="45720" rIns="91440" bIns="45720" numCol="1" anchor="t" anchorCtr="0" compatLnSpc="1">
-                  <a:prstTxWarp prst="textNoShape">
-                    <a:avLst/>
-                  </a:prstTxWarp>
-                </a:bodyPr>
-                <a:lstStyle/>
-                <a:p>
-                  <a:pPr marL="0" marR="0" lvl="0" indent="0" algn="r" defTabSz="914400" rtl="0" eaLnBrk="1" fontAlgn="base" latinLnBrk="0" hangingPunct="1">
-                    <a:lnSpc>
-                      <a:spcPct val="100000"/>
-                    </a:lnSpc>
-                    <a:spcBef>
-                      <a:spcPct val="0"/>
-                    </a:spcBef>
-                    <a:spcAft>
-                      <a:spcPct val="0"/>
-                    </a:spcAft>
-                    <a:buClrTx/>
-                    <a:buSzTx/>
-                    <a:buFontTx/>
-                    <a:buNone/>
-                    <a:tabLst/>
-                  </a:pPr>
-                  <a:r>
-                    <a:rPr lang="en-US" altLang="en-US" sz="1600" dirty="0" smtClean="0">
-                      <a:latin typeface="Times New Roman" panose="02020603050405020304" pitchFamily="18" charset="0"/>
-                      <a:cs typeface="Times New Roman" panose="02020603050405020304" pitchFamily="18" charset="0"/>
-                    </a:rPr>
-                    <a:t>Vin</a:t>
-                  </a:r>
-                </a:p>
-                <a:p>
-                  <a:pPr marL="0" marR="0" lvl="0" indent="0" algn="r" defTabSz="914400" rtl="0" eaLnBrk="1" fontAlgn="base" latinLnBrk="0" hangingPunct="1">
-                    <a:lnSpc>
-                      <a:spcPct val="100000"/>
-                    </a:lnSpc>
-                    <a:spcBef>
-                      <a:spcPct val="0"/>
-                    </a:spcBef>
-                    <a:spcAft>
-                      <a:spcPct val="0"/>
-                    </a:spcAft>
-                    <a:buClrTx/>
-                    <a:buSzTx/>
-                    <a:buFontTx/>
-                    <a:buNone/>
-                    <a:tabLst/>
-                  </a:pPr>
-                  <a:r>
-                    <a:rPr lang="en-US" altLang="en-US" sz="1600" dirty="0" smtClean="0">
-                      <a:latin typeface="Times New Roman" panose="02020603050405020304" pitchFamily="18" charset="0"/>
-                      <a:cs typeface="Times New Roman" panose="02020603050405020304" pitchFamily="18" charset="0"/>
-                    </a:rPr>
-                    <a:t>3.3 V</a:t>
-                  </a:r>
-                </a:p>
-              </p:txBody>
-            </p:sp>
-          </p:grpSp>
-          <p:cxnSp>
-            <p:nvCxnSpPr>
-              <p:cNvPr id="31" name="Straight Arrow Connector 30"/>
-              <p:cNvCxnSpPr/>
-              <p:nvPr/>
-            </p:nvCxnSpPr>
-            <p:spPr>
-              <a:xfrm>
-                <a:off x="5571527" y="889684"/>
-                <a:ext cx="867285" cy="11489"/>
-              </a:xfrm>
-              <a:prstGeom prst="straightConnector1">
-                <a:avLst/>
-              </a:prstGeom>
-              <a:ln>
-                <a:solidFill>
-                  <a:schemeClr val="tx1"/>
-                </a:solidFill>
-                <a:headEnd type="arrow"/>
-                <a:tailEnd type="arrow"/>
-              </a:ln>
-            </p:spPr>
-            <p:style>
-              <a:lnRef idx="1">
-                <a:schemeClr val="accent1"/>
-              </a:lnRef>
-              <a:fillRef idx="0">
-                <a:schemeClr val="accent1"/>
-              </a:fillRef>
-              <a:effectRef idx="0">
-                <a:schemeClr val="accent1"/>
-              </a:effectRef>
-              <a:fontRef idx="minor">
-                <a:schemeClr val="tx1"/>
-              </a:fontRef>
-            </p:style>
-          </p:cxnSp>
-        </p:grpSp>
-      </p:grpSp>
-      <p:cxnSp>
-        <p:nvCxnSpPr>
-          <p:cNvPr id="3" name="Straight Arrow Connector 2"/>
-          <p:cNvCxnSpPr/>
-          <p:nvPr/>
-        </p:nvCxnSpPr>
-        <p:spPr>
-          <a:xfrm>
-            <a:off x="5585407" y="1550362"/>
-            <a:ext cx="647752" cy="0"/>
-          </a:xfrm>
-          <a:prstGeom prst="straightConnector1">
-            <a:avLst/>
-          </a:prstGeom>
-          <a:ln>
-            <a:solidFill>
-              <a:schemeClr val="tx1"/>
-            </a:solidFill>
-            <a:tailEnd type="arrow"/>
-          </a:ln>
-        </p:spPr>
-        <p:style>
-          <a:lnRef idx="1">
-            <a:schemeClr val="accent1"/>
-          </a:lnRef>
-          <a:fillRef idx="0">
-            <a:schemeClr val="accent1"/>
-          </a:fillRef>
-          <a:effectRef idx="0">
-            <a:schemeClr val="accent1"/>
-          </a:effectRef>
-          <a:fontRef idx="minor">
-            <a:schemeClr val="tx1"/>
-          </a:fontRef>
-        </p:style>
-      </p:cxnSp>
-      <p:sp>
-        <p:nvSpPr>
-          <p:cNvPr id="24" name="Rectangle 23"/>
-          <p:cNvSpPr/>
-          <p:nvPr/>
-        </p:nvSpPr>
-        <p:spPr>
-          <a:xfrm>
-            <a:off x="430627" y="188678"/>
-            <a:ext cx="2248885" cy="400110"/>
-          </a:xfrm>
-          <a:prstGeom prst="rect">
-            <a:avLst/>
-          </a:prstGeom>
-        </p:spPr>
-        <p:txBody>
-          <a:bodyPr wrap="none">
-            <a:spAutoFit/>
-          </a:bodyPr>
-          <a:lstStyle/>
-          <a:p>
-            <a:r>
-              <a:rPr lang="en-US" sz="2000" b="1" dirty="0"/>
-              <a:t>Level 1 Breakdown</a:t>
-            </a:r>
-          </a:p>
-        </p:txBody>
-      </p:sp>
-      <p:cxnSp>
-        <p:nvCxnSpPr>
-          <p:cNvPr id="10" name="Straight Connector 9"/>
-          <p:cNvCxnSpPr>
-            <a:stCxn id="18" idx="3"/>
-          </p:cNvCxnSpPr>
-          <p:nvPr/>
-        </p:nvCxnSpPr>
-        <p:spPr>
-          <a:xfrm>
-            <a:off x="7492887" y="1237987"/>
-            <a:ext cx="607505" cy="0"/>
-          </a:xfrm>
-          <a:prstGeom prst="line">
-            <a:avLst/>
-          </a:prstGeom>
-        </p:spPr>
-        <p:style>
-          <a:lnRef idx="1">
-            <a:schemeClr val="accent1"/>
-          </a:lnRef>
-          <a:fillRef idx="0">
-            <a:schemeClr val="accent1"/>
-          </a:fillRef>
-          <a:effectRef idx="0">
-            <a:schemeClr val="accent1"/>
-          </a:effectRef>
-          <a:fontRef idx="minor">
-            <a:schemeClr val="tx1"/>
-          </a:fontRef>
-        </p:style>
-      </p:cxnSp>
-      <p:cxnSp>
-        <p:nvCxnSpPr>
-          <p:cNvPr id="12" name="Straight Connector 11"/>
-          <p:cNvCxnSpPr/>
-          <p:nvPr/>
-        </p:nvCxnSpPr>
-        <p:spPr>
-          <a:xfrm flipV="1">
-            <a:off x="8100392" y="1006492"/>
-            <a:ext cx="0" cy="231495"/>
-          </a:xfrm>
-          <a:prstGeom prst="line">
-            <a:avLst/>
-          </a:prstGeom>
-        </p:spPr>
-        <p:style>
-          <a:lnRef idx="1">
-            <a:schemeClr val="accent1"/>
-          </a:lnRef>
-          <a:fillRef idx="0">
-            <a:schemeClr val="accent1"/>
-          </a:fillRef>
-          <a:effectRef idx="0">
-            <a:schemeClr val="accent1"/>
-          </a:effectRef>
-          <a:fontRef idx="minor">
-            <a:schemeClr val="tx1"/>
-          </a:fontRef>
-        </p:style>
-      </p:cxnSp>
-      <p:cxnSp>
-        <p:nvCxnSpPr>
-          <p:cNvPr id="20" name="Straight Connector 19"/>
-          <p:cNvCxnSpPr/>
-          <p:nvPr/>
-        </p:nvCxnSpPr>
-        <p:spPr>
-          <a:xfrm>
-            <a:off x="8010382" y="1006492"/>
-            <a:ext cx="90010" cy="80204"/>
-          </a:xfrm>
-          <a:prstGeom prst="line">
-            <a:avLst/>
-          </a:prstGeom>
-        </p:spPr>
-        <p:style>
-          <a:lnRef idx="1">
-            <a:schemeClr val="accent1"/>
-          </a:lnRef>
-          <a:fillRef idx="0">
-            <a:schemeClr val="accent1"/>
-          </a:fillRef>
-          <a:effectRef idx="0">
-            <a:schemeClr val="accent1"/>
-          </a:effectRef>
-          <a:fontRef idx="minor">
-            <a:schemeClr val="tx1"/>
-          </a:fontRef>
-        </p:style>
-      </p:cxnSp>
-      <p:cxnSp>
-        <p:nvCxnSpPr>
-          <p:cNvPr id="26" name="Straight Connector 25"/>
-          <p:cNvCxnSpPr/>
-          <p:nvPr/>
-        </p:nvCxnSpPr>
-        <p:spPr>
-          <a:xfrm flipV="1">
-            <a:off x="8100392" y="1006492"/>
-            <a:ext cx="72008" cy="80204"/>
-          </a:xfrm>
-          <a:prstGeom prst="line">
-            <a:avLst/>
-          </a:prstGeom>
-        </p:spPr>
-        <p:style>
-          <a:lnRef idx="1">
-            <a:schemeClr val="accent1"/>
-          </a:lnRef>
-          <a:fillRef idx="0">
-            <a:schemeClr val="accent1"/>
-          </a:fillRef>
-          <a:effectRef idx="0">
-            <a:schemeClr val="accent1"/>
-          </a:effectRef>
-          <a:fontRef idx="minor">
-            <a:schemeClr val="tx1"/>
-          </a:fontRef>
-        </p:style>
-      </p:cxnSp>
-      <p:sp>
-        <p:nvSpPr>
-          <p:cNvPr id="2" name="TextBox 1"/>
-          <p:cNvSpPr txBox="1"/>
-          <p:nvPr/>
-        </p:nvSpPr>
-        <p:spPr>
-          <a:xfrm>
-            <a:off x="8010382" y="612311"/>
-            <a:ext cx="981551" cy="369332"/>
-          </a:xfrm>
-          <a:prstGeom prst="rect">
-            <a:avLst/>
-          </a:prstGeom>
-          <a:noFill/>
-        </p:spPr>
-        <p:txBody>
-          <a:bodyPr wrap="none" rtlCol="0">
-            <a:spAutoFit/>
-          </a:bodyPr>
-          <a:lstStyle/>
-          <a:p>
-            <a:r>
-              <a:rPr lang="en-US" dirty="0" smtClean="0"/>
-              <a:t>Antenna</a:t>
-            </a:r>
-            <a:endParaRPr lang="en-US" dirty="0"/>
-          </a:p>
-        </p:txBody>
-      </p:sp>
     </p:spTree>
     <p:extLst>
       <p:ext uri="{BB962C8B-B14F-4D97-AF65-F5344CB8AC3E}">
@@ -9895,7 +8416,7 @@
 </p:sld>
 </file>
 
-<file path=ppt/slides/slide6.xml><?xml version="1.0" encoding="utf-8"?>
+<file path=ppt/slides/slide5.xml><?xml version="1.0" encoding="utf-8"?>
 <p:sld xmlns:a="http://schemas.openxmlformats.org/drawingml/2006/main" xmlns:r="http://schemas.openxmlformats.org/officeDocument/2006/relationships" xmlns:p="http://schemas.openxmlformats.org/presentationml/2006/main">
   <p:cSld>
     <p:spTree>
@@ -9950,14 +8471,14 @@
           <p:nvPr>
             <p:extLst>
               <p:ext uri="{D42A27DB-BD31-4B8C-83A1-F6EECF244321}">
-                <p14:modId xmlns:p14="http://schemas.microsoft.com/office/powerpoint/2010/main" val="325717380"/>
+                <p14:modId xmlns:p14="http://schemas.microsoft.com/office/powerpoint/2010/main" val="885892671"/>
               </p:ext>
             </p:extLst>
           </p:nvPr>
         </p:nvGraphicFramePr>
         <p:xfrm>
           <a:off x="457400" y="3609020"/>
-          <a:ext cx="8412480" cy="2619444"/>
+          <a:ext cx="8412480" cy="2789860"/>
         </p:xfrm>
         <a:graphic>
           <a:graphicData uri="http://schemas.openxmlformats.org/drawingml/2006/table">
@@ -10011,7 +8532,7 @@
                   <a:tcPr/>
                 </a:tc>
               </a:tr>
-              <a:tr h="299495">
+              <a:tr h="595300">
                 <a:tc>
                   <a:txBody>
                     <a:bodyPr/>
@@ -10037,7 +8558,7 @@
                     <a:bodyPr/>
                     <a:lstStyle/>
                     <a:p>
-                      <a:pPr marL="0" marR="0" indent="0" algn="l" defTabSz="914400" rtl="0" eaLnBrk="1" fontAlgn="auto" latinLnBrk="0" hangingPunct="1">
+                      <a:pPr marL="342900" marR="0" indent="-342900" algn="l" defTabSz="914400" rtl="0" eaLnBrk="1" fontAlgn="auto" latinLnBrk="0" hangingPunct="1">
                         <a:lnSpc>
                           <a:spcPct val="100000"/>
                         </a:lnSpc>
@@ -10050,73 +8571,43 @@
                         <a:buClrTx/>
                         <a:buSzTx/>
                         <a:buFontTx/>
-                        <a:buNone/>
+                        <a:buAutoNum type="arabicParenR"/>
                         <a:tabLst/>
                         <a:defRPr/>
                       </a:pPr>
                       <a:r>
-                        <a:rPr lang="en-US" sz="1400" baseline="0" dirty="0" smtClean="0">
+                        <a:rPr lang="en-US" sz="1400" baseline="0" smtClean="0">
                           <a:latin typeface="Times New Roman" panose="02020603050405020304" pitchFamily="18" charset="0"/>
                           <a:cs typeface="Times New Roman" panose="02020603050405020304" pitchFamily="18" charset="0"/>
                         </a:rPr>
-                        <a:t>Vin:  supplies 4.5V-5.5V</a:t>
+                        <a:t>Power Management System</a:t>
                       </a:r>
-                      <a:endParaRPr lang="en-US" sz="1400" dirty="0">
-                        <a:latin typeface="Times New Roman" panose="02020603050405020304" pitchFamily="18" charset="0"/>
-                        <a:cs typeface="Times New Roman" panose="02020603050405020304" pitchFamily="18" charset="0"/>
-                      </a:endParaRPr>
                     </a:p>
-                  </a:txBody>
-                  <a:tcPr/>
-                </a:tc>
-              </a:tr>
-              <a:tr h="299495">
-                <a:tc>
-                  <a:txBody>
-                    <a:bodyPr/>
-                    <a:lstStyle/>
                     <a:p>
+                      <a:pPr marL="342900" marR="0" indent="-342900" algn="l" defTabSz="914400" rtl="0" eaLnBrk="1" fontAlgn="auto" latinLnBrk="0" hangingPunct="1">
+                        <a:lnSpc>
+                          <a:spcPct val="100000"/>
+                        </a:lnSpc>
+                        <a:spcBef>
+                          <a:spcPts val="0"/>
+                        </a:spcBef>
+                        <a:spcAft>
+                          <a:spcPts val="0"/>
+                        </a:spcAft>
+                        <a:buClrTx/>
+                        <a:buSzTx/>
+                        <a:buFontTx/>
+                        <a:buAutoNum type="arabicParenR"/>
+                        <a:tabLst/>
+                        <a:defRPr/>
+                      </a:pPr>
                       <a:r>
-                        <a:rPr lang="en-US" sz="1400" dirty="0" smtClean="0">
+                        <a:rPr lang="en-US" sz="1400" baseline="0" smtClean="0">
                           <a:latin typeface="Times New Roman" panose="02020603050405020304" pitchFamily="18" charset="0"/>
                           <a:cs typeface="Times New Roman" panose="02020603050405020304" pitchFamily="18" charset="0"/>
                         </a:rPr>
-                        <a:t>Output</a:t>
+                        <a:t>!Reset: Reset button</a:t>
                       </a:r>
-                      <a:endParaRPr lang="en-US" sz="1400" dirty="0">
-                        <a:latin typeface="Times New Roman" panose="02020603050405020304" pitchFamily="18" charset="0"/>
-                        <a:cs typeface="Times New Roman" panose="02020603050405020304" pitchFamily="18" charset="0"/>
-                      </a:endParaRPr>
-                    </a:p>
-                  </a:txBody>
-                  <a:tcPr/>
-                </a:tc>
-                <a:tc>
-                  <a:txBody>
-                    <a:bodyPr/>
-                    <a:lstStyle/>
-                    <a:p>
-                      <a:pPr marL="0" indent="0">
-                        <a:buNone/>
-                      </a:pPr>
-                      <a:r>
-                        <a:rPr lang="en-US" sz="1400" dirty="0" smtClean="0">
-                          <a:latin typeface="Times New Roman" panose="02020603050405020304" pitchFamily="18" charset="0"/>
-                          <a:cs typeface="Times New Roman" panose="02020603050405020304" pitchFamily="18" charset="0"/>
-                        </a:rPr>
-                        <a:t>LEDs : Tri-colored LEDs</a:t>
-                      </a:r>
-                      <a:r>
-                        <a:rPr lang="en-US" sz="1400" baseline="0" dirty="0" smtClean="0">
-                          <a:latin typeface="Times New Roman" panose="02020603050405020304" pitchFamily="18" charset="0"/>
-                          <a:cs typeface="Times New Roman" panose="02020603050405020304" pitchFamily="18" charset="0"/>
-                        </a:rPr>
-                        <a:t> (RGB)</a:t>
-                      </a:r>
-                      <a:endParaRPr lang="en-US" sz="1400" dirty="0">
-                        <a:latin typeface="Times New Roman" panose="02020603050405020304" pitchFamily="18" charset="0"/>
-                        <a:cs typeface="Times New Roman" panose="02020603050405020304" pitchFamily="18" charset="0"/>
-                      </a:endParaRPr>
                     </a:p>
                   </a:txBody>
                   <a:tcPr/>
@@ -10156,7 +8647,44 @@
                           <a:latin typeface="Times New Roman" panose="02020603050405020304" pitchFamily="18" charset="0"/>
                           <a:cs typeface="Times New Roman" panose="02020603050405020304" pitchFamily="18" charset="0"/>
                         </a:rPr>
-                        <a:t>GPIO: Connection to peripherals via GPIO </a:t>
+                        <a:t>Peripherals: </a:t>
+                      </a:r>
+                      <a:r>
+                        <a:rPr lang="en-US" sz="1400" baseline="0" dirty="0" smtClean="0">
+                          <a:latin typeface="Times New Roman" panose="02020603050405020304" pitchFamily="18" charset="0"/>
+                          <a:cs typeface="Times New Roman" panose="02020603050405020304" pitchFamily="18" charset="0"/>
+                        </a:rPr>
+                        <a:t>Connection to peripherals </a:t>
+                      </a:r>
+                      <a:r>
+                        <a:rPr lang="en-US" sz="1400" baseline="0" dirty="0" smtClean="0">
+                          <a:latin typeface="Times New Roman" panose="02020603050405020304" pitchFamily="18" charset="0"/>
+                          <a:cs typeface="Times New Roman" panose="02020603050405020304" pitchFamily="18" charset="0"/>
+                        </a:rPr>
+                        <a:t>which are at users discretion</a:t>
+                      </a:r>
+                      <a:endParaRPr lang="en-US" sz="1400" baseline="0" dirty="0" smtClean="0">
+                        <a:latin typeface="Times New Roman" panose="02020603050405020304" pitchFamily="18" charset="0"/>
+                        <a:cs typeface="Times New Roman" panose="02020603050405020304" pitchFamily="18" charset="0"/>
+                      </a:endParaRPr>
+                    </a:p>
+                    <a:p>
+                      <a:pPr marL="342900" indent="-342900">
+                        <a:buAutoNum type="arabicParenR"/>
+                      </a:pPr>
+                      <a:r>
+                        <a:rPr lang="en-US" sz="1400" baseline="0" dirty="0" smtClean="0">
+                          <a:latin typeface="Times New Roman" panose="02020603050405020304" pitchFamily="18" charset="0"/>
+                          <a:cs typeface="Times New Roman" panose="02020603050405020304" pitchFamily="18" charset="0"/>
+                        </a:rPr>
+                        <a:t>Debug: Connection </a:t>
+                      </a:r>
+                      <a:r>
+                        <a:rPr lang="en-US" sz="1400" baseline="0" dirty="0" smtClean="0">
+                          <a:latin typeface="Times New Roman" panose="02020603050405020304" pitchFamily="18" charset="0"/>
+                          <a:cs typeface="Times New Roman" panose="02020603050405020304" pitchFamily="18" charset="0"/>
+                        </a:rPr>
+                        <a:t>to 10-pin JTAG interface</a:t>
                       </a:r>
                     </a:p>
                     <a:p>
@@ -10168,7 +8696,14 @@
                           <a:latin typeface="Times New Roman" panose="02020603050405020304" pitchFamily="18" charset="0"/>
                           <a:cs typeface="Times New Roman" panose="02020603050405020304" pitchFamily="18" charset="0"/>
                         </a:rPr>
-                        <a:t>JTAG: connection to 10-pin JTAG interface</a:t>
+                        <a:t>RFIO: Radio input-output channel at 436.5 MHz </a:t>
+                      </a:r>
+                      <a:r>
+                        <a:rPr lang="en-US" sz="1400" baseline="0" dirty="0" smtClean="0">
+                          <a:latin typeface="Times New Roman" panose="02020603050405020304" pitchFamily="18" charset="0"/>
+                          <a:cs typeface="Times New Roman" panose="02020603050405020304" pitchFamily="18" charset="0"/>
+                        </a:rPr>
+                        <a:t>passband</a:t>
                       </a:r>
                     </a:p>
                     <a:p>
@@ -10180,7 +8715,21 @@
                           <a:latin typeface="Times New Roman" panose="02020603050405020304" pitchFamily="18" charset="0"/>
                           <a:cs typeface="Times New Roman" panose="02020603050405020304" pitchFamily="18" charset="0"/>
                         </a:rPr>
-                        <a:t>RFIO: Radio input-output channel at 436.5 MHz passband</a:t>
+                        <a:t>UART0: Rx and </a:t>
+                      </a:r>
+                      <a:r>
+                        <a:rPr lang="en-US" sz="1400" baseline="0" dirty="0" err="1" smtClean="0">
+                          <a:latin typeface="Times New Roman" panose="02020603050405020304" pitchFamily="18" charset="0"/>
+                          <a:cs typeface="Times New Roman" panose="02020603050405020304" pitchFamily="18" charset="0"/>
+                        </a:rPr>
+                        <a:t>Tx</a:t>
+                      </a:r>
+                      <a:r>
+                        <a:rPr lang="en-US" sz="1400" baseline="0" dirty="0" smtClean="0">
+                          <a:latin typeface="Times New Roman" panose="02020603050405020304" pitchFamily="18" charset="0"/>
+                          <a:cs typeface="Times New Roman" panose="02020603050405020304" pitchFamily="18" charset="0"/>
+                        </a:rPr>
+                        <a:t> lines for UART0 port on MCU</a:t>
                       </a:r>
                       <a:endParaRPr lang="en-US" sz="1400" dirty="0">
                         <a:latin typeface="Times New Roman" panose="02020603050405020304" pitchFamily="18" charset="0"/>
@@ -10218,18 +8767,46 @@
                     <a:lstStyle/>
                     <a:p>
                       <a:r>
-                        <a:rPr lang="en-US" sz="1400" smtClean="0">
+                        <a:rPr lang="en-US" sz="1400" dirty="0" smtClean="0">
                           <a:latin typeface="Times New Roman" panose="02020603050405020304" pitchFamily="18" charset="0"/>
                           <a:cs typeface="Times New Roman" panose="02020603050405020304" pitchFamily="18" charset="0"/>
                         </a:rPr>
                         <a:t>This is</a:t>
                       </a:r>
                       <a:r>
-                        <a:rPr lang="en-US" sz="1400" baseline="0" smtClean="0">
+                        <a:rPr lang="en-US" sz="1400" baseline="0" dirty="0" smtClean="0">
                           <a:latin typeface="Times New Roman" panose="02020603050405020304" pitchFamily="18" charset="0"/>
                           <a:cs typeface="Times New Roman" panose="02020603050405020304" pitchFamily="18" charset="0"/>
                         </a:rPr>
-                        <a:t> the main microcontroller unit in the system.  It uses a real-time operating system.It has a resonator connected to it that clocks at 32MHz. This unit monitors radio signals, as well as provides multiple interfaces , for eg.GPIO, JTAG, SPI, I2C etc., to transmit and receive data. </a:t>
+                        <a:t> the main microcontroller unit in the system.  It uses a real-time operating </a:t>
+                      </a:r>
+                      <a:r>
+                        <a:rPr lang="en-US" sz="1400" baseline="0" dirty="0" err="1" smtClean="0">
+                          <a:latin typeface="Times New Roman" panose="02020603050405020304" pitchFamily="18" charset="0"/>
+                          <a:cs typeface="Times New Roman" panose="02020603050405020304" pitchFamily="18" charset="0"/>
+                        </a:rPr>
+                        <a:t>system.It</a:t>
+                      </a:r>
+                      <a:r>
+                        <a:rPr lang="en-US" sz="1400" baseline="0" dirty="0" smtClean="0">
+                          <a:latin typeface="Times New Roman" panose="02020603050405020304" pitchFamily="18" charset="0"/>
+                          <a:cs typeface="Times New Roman" panose="02020603050405020304" pitchFamily="18" charset="0"/>
+                        </a:rPr>
+                        <a:t> has a resonator connected to it that clocks at 32MHz. This unit monitors radio signals, as well as provides multiple interfaces , for </a:t>
+                      </a:r>
+                      <a:r>
+                        <a:rPr lang="en-US" sz="1400" baseline="0" dirty="0" err="1" smtClean="0">
+                          <a:latin typeface="Times New Roman" panose="02020603050405020304" pitchFamily="18" charset="0"/>
+                          <a:cs typeface="Times New Roman" panose="02020603050405020304" pitchFamily="18" charset="0"/>
+                        </a:rPr>
+                        <a:t>eg.GPIO</a:t>
+                      </a:r>
+                      <a:r>
+                        <a:rPr lang="en-US" sz="1400" baseline="0" dirty="0" smtClean="0">
+                          <a:latin typeface="Times New Roman" panose="02020603050405020304" pitchFamily="18" charset="0"/>
+                          <a:cs typeface="Times New Roman" panose="02020603050405020304" pitchFamily="18" charset="0"/>
+                        </a:rPr>
+                        <a:t>, JTAG, SPI, I2C etc., to transmit and receive data. </a:t>
                       </a:r>
                       <a:endParaRPr lang="en-US" sz="1400" dirty="0">
                         <a:latin typeface="Times New Roman" panose="02020603050405020304" pitchFamily="18" charset="0"/>
@@ -10370,10 +8947,10 @@
         </p:nvGrpSpPr>
         <p:grpSpPr>
           <a:xfrm>
-            <a:off x="474516" y="689867"/>
-            <a:ext cx="7544303" cy="2448199"/>
-            <a:chOff x="973705" y="1434941"/>
-            <a:chExt cx="5876315" cy="1074587"/>
+            <a:off x="582963" y="689867"/>
+            <a:ext cx="7670189" cy="2448199"/>
+            <a:chOff x="1058175" y="1434941"/>
+            <a:chExt cx="5974369" cy="1074587"/>
           </a:xfrm>
         </p:grpSpPr>
         <p:sp>
@@ -10386,7 +8963,7 @@
           </p:nvSpPr>
           <p:spPr bwMode="auto">
             <a:xfrm rot="10800000" flipV="1">
-              <a:off x="973705" y="2206885"/>
+              <a:off x="1058175" y="2194036"/>
               <a:ext cx="1469692" cy="269875"/>
             </a:xfrm>
             <a:prstGeom prst="rect">
@@ -10439,7 +9016,7 @@
                   <a:ea typeface="Calibri" pitchFamily="34" charset="0"/>
                   <a:cs typeface="Times New Roman" pitchFamily="18" charset="0"/>
                 </a:rPr>
-                <a:t>JTAG</a:t>
+                <a:t>Debug</a:t>
               </a:r>
               <a:endParaRPr kumimoji="0" lang="en-US" altLang="en-US" sz="2800" b="0" i="0" u="none" strike="noStrike" cap="none" normalizeH="0" baseline="0" dirty="0" smtClean="0">
                 <a:ln>
@@ -10543,9 +9120,9 @@
           <p:grpSpPr>
             <a:xfrm>
               <a:off x="1221580" y="1434941"/>
-              <a:ext cx="5409415" cy="1074587"/>
+              <a:ext cx="5810964" cy="1074587"/>
               <a:chOff x="1221580" y="1434941"/>
-              <a:chExt cx="5409415" cy="1074587"/>
+              <a:chExt cx="5810964" cy="1074587"/>
             </a:xfrm>
           </p:grpSpPr>
           <p:sp>
@@ -10717,19 +9294,11 @@
                   <a:tabLst/>
                 </a:pPr>
                 <a:r>
-                  <a:rPr kumimoji="0" lang="en-US" altLang="en-US" b="0" i="0" u="none" strike="noStrike" cap="none" normalizeH="0" baseline="0" dirty="0" smtClean="0">
-                    <a:ln>
-                      <a:noFill/>
-                    </a:ln>
-                    <a:solidFill>
-                      <a:schemeClr val="tx1"/>
-                    </a:solidFill>
-                    <a:effectLst/>
+                  <a:rPr lang="en-US" altLang="en-US" dirty="0" smtClean="0">
                     <a:latin typeface="Calibri" pitchFamily="34" charset="0"/>
-                    <a:ea typeface="Calibri" pitchFamily="34" charset="0"/>
                     <a:cs typeface="Times New Roman" pitchFamily="18" charset="0"/>
                   </a:rPr>
-                  <a:t>Vin (3.3V)</a:t>
+                  <a:t>!Reset</a:t>
                 </a:r>
                 <a:endParaRPr kumimoji="0" lang="en-US" altLang="en-US" sz="3200" b="0" i="0" u="none" strike="noStrike" cap="none" normalizeH="0" baseline="0" dirty="0" smtClean="0">
                   <a:ln>
@@ -10755,7 +9324,7 @@
             </p:nvSpPr>
             <p:spPr bwMode="auto">
               <a:xfrm rot="10800000" flipV="1">
-                <a:off x="1498572" y="1904047"/>
+                <a:off x="1557316" y="1894181"/>
                 <a:ext cx="964494" cy="269875"/>
               </a:xfrm>
               <a:prstGeom prst="rect">
@@ -10796,20 +9365,25 @@
                   <a:tabLst/>
                 </a:pPr>
                 <a:r>
-                  <a:rPr kumimoji="0" lang="en-US" altLang="en-US" b="0" i="0" u="none" strike="noStrike" cap="none" normalizeH="0" baseline="0" dirty="0" smtClean="0">
-                    <a:ln>
-                      <a:noFill/>
-                    </a:ln>
-                    <a:solidFill>
-                      <a:schemeClr val="tx1"/>
-                    </a:solidFill>
-                    <a:effectLst/>
+                  <a:rPr lang="en-US" altLang="en-US" dirty="0" smtClean="0">
                     <a:latin typeface="Calibri" pitchFamily="34" charset="0"/>
                     <a:ea typeface="Calibri" pitchFamily="34" charset="0"/>
                     <a:cs typeface="Times New Roman" pitchFamily="18" charset="0"/>
                   </a:rPr>
-                  <a:t>GPIO</a:t>
+                  <a:t>UART0</a:t>
                 </a:r>
+                <a:endParaRPr kumimoji="0" lang="en-US" altLang="en-US" b="0" i="0" u="none" strike="noStrike" cap="none" normalizeH="0" baseline="0" dirty="0" smtClean="0">
+                  <a:ln>
+                    <a:noFill/>
+                  </a:ln>
+                  <a:solidFill>
+                    <a:schemeClr val="tx1"/>
+                  </a:solidFill>
+                  <a:effectLst/>
+                  <a:latin typeface="Calibri" pitchFamily="34" charset="0"/>
+                  <a:ea typeface="Calibri" pitchFamily="34" charset="0"/>
+                  <a:cs typeface="Times New Roman" pitchFamily="18" charset="0"/>
+                </a:endParaRPr>
               </a:p>
               <a:p>
                 <a:pPr marL="0" marR="0" lvl="0" indent="0" algn="r" defTabSz="914400" rtl="0" eaLnBrk="1" fontAlgn="base" latinLnBrk="0" hangingPunct="1">
@@ -10927,8 +9501,8 @@
             </p:nvSpPr>
             <p:spPr bwMode="auto">
               <a:xfrm rot="10800000" flipV="1">
-                <a:off x="6063058" y="1690833"/>
-                <a:ext cx="567937" cy="204019"/>
+                <a:off x="6069869" y="1723373"/>
+                <a:ext cx="962675" cy="204019"/>
               </a:xfrm>
               <a:prstGeom prst="rect">
                 <a:avLst/>
@@ -10968,7 +9542,7 @@
                   <a:tabLst/>
                 </a:pPr>
                 <a:r>
-                  <a:rPr kumimoji="0" lang="en-US" altLang="en-US" b="0" i="0" u="none" strike="noStrike" cap="none" normalizeH="0" baseline="0" dirty="0" smtClean="0">
+                  <a:rPr kumimoji="0" lang="en-US" altLang="en-US" sz="1600" b="0" i="0" u="none" strike="noStrike" cap="none" normalizeH="0" baseline="0" dirty="0" smtClean="0">
                     <a:ln>
                       <a:noFill/>
                     </a:ln>
@@ -10976,13 +9550,12 @@
                       <a:schemeClr val="tx1"/>
                     </a:solidFill>
                     <a:effectLst/>
-                    <a:latin typeface="Calibri" pitchFamily="34" charset="0"/>
-                    <a:ea typeface="Calibri" pitchFamily="34" charset="0"/>
-                    <a:cs typeface="Times New Roman" pitchFamily="18" charset="0"/>
+                    <a:latin typeface="Arial" pitchFamily="34" charset="0"/>
+                    <a:cs typeface="Arial" pitchFamily="34" charset="0"/>
                   </a:rPr>
-                  <a:t>LEDs</a:t>
+                  <a:t>Peripherals</a:t>
                 </a:r>
-                <a:endParaRPr kumimoji="0" lang="en-US" altLang="en-US" sz="3200" b="0" i="0" u="none" strike="noStrike" cap="none" normalizeH="0" baseline="0" dirty="0" smtClean="0">
+                <a:endParaRPr kumimoji="0" lang="en-US" altLang="en-US" sz="1600" b="0" i="0" u="none" strike="noStrike" cap="none" normalizeH="0" baseline="0" dirty="0" smtClean="0">
                   <a:ln>
                     <a:noFill/>
                   </a:ln>
@@ -11176,13 +9749,121 @@
       </p:cxnSp>
       <p:cxnSp>
         <p:nvCxnSpPr>
-          <p:cNvPr id="31" name="Straight Arrow Connector 30"/>
+          <p:cNvPr id="33" name="Straight Arrow Connector 32"/>
           <p:cNvCxnSpPr/>
           <p:nvPr/>
         </p:nvCxnSpPr>
         <p:spPr>
           <a:xfrm>
-            <a:off x="5982082" y="1470968"/>
+            <a:off x="5999459" y="1484784"/>
+            <a:ext cx="1041067" cy="0"/>
+          </a:xfrm>
+          <a:prstGeom prst="straightConnector1">
+            <a:avLst/>
+          </a:prstGeom>
+          <a:ln w="12700">
+            <a:solidFill>
+              <a:schemeClr val="tx1"/>
+            </a:solidFill>
+            <a:headEnd type="arrow"/>
+            <a:tailEnd type="arrow"/>
+          </a:ln>
+        </p:spPr>
+        <p:style>
+          <a:lnRef idx="1">
+            <a:schemeClr val="accent1"/>
+          </a:lnRef>
+          <a:fillRef idx="0">
+            <a:schemeClr val="accent1"/>
+          </a:fillRef>
+          <a:effectRef idx="0">
+            <a:schemeClr val="accent1"/>
+          </a:effectRef>
+          <a:fontRef idx="minor">
+            <a:schemeClr val="tx1"/>
+          </a:fontRef>
+        </p:style>
+      </p:cxnSp>
+      <p:sp>
+        <p:nvSpPr>
+          <p:cNvPr id="34" name="Text Box 2"/>
+          <p:cNvSpPr txBox="1">
+            <a:spLocks noChangeArrowheads="1"/>
+          </p:cNvSpPr>
+          <p:nvPr/>
+        </p:nvSpPr>
+        <p:spPr bwMode="auto">
+          <a:xfrm rot="10800000" flipV="1">
+            <a:off x="761673" y="908193"/>
+            <a:ext cx="1700376" cy="438800"/>
+          </a:xfrm>
+          <a:prstGeom prst="rect">
+            <a:avLst/>
+          </a:prstGeom>
+          <a:solidFill>
+            <a:srgbClr val="FFFFFF"/>
+          </a:solidFill>
+          <a:ln w="9525">
+            <a:noFill/>
+            <a:miter lim="800000"/>
+            <a:headEnd/>
+            <a:tailEnd/>
+          </a:ln>
+        </p:spPr>
+        <p:txBody>
+          <a:bodyPr vert="horz" wrap="square" lIns="91440" tIns="45720" rIns="91440" bIns="45720" numCol="1" anchor="t" anchorCtr="0" compatLnSpc="1">
+            <a:prstTxWarp prst="textNoShape">
+              <a:avLst/>
+            </a:prstTxWarp>
+          </a:bodyPr>
+          <a:lstStyle/>
+          <a:p>
+            <a:pPr marL="0" marR="0" lvl="0" indent="0" algn="r" defTabSz="914400" rtl="0" eaLnBrk="1" fontAlgn="base" latinLnBrk="0" hangingPunct="1">
+              <a:lnSpc>
+                <a:spcPct val="100000"/>
+              </a:lnSpc>
+              <a:spcBef>
+                <a:spcPct val="0"/>
+              </a:spcBef>
+              <a:spcAft>
+                <a:spcPct val="0"/>
+              </a:spcAft>
+              <a:buClrTx/>
+              <a:buSzTx/>
+              <a:buFontTx/>
+              <a:buNone/>
+              <a:tabLst/>
+            </a:pPr>
+            <a:r>
+              <a:rPr lang="en-US" altLang="en-US" sz="1400" dirty="0" smtClean="0">
+                <a:latin typeface="Calibri" pitchFamily="34" charset="0"/>
+                <a:cs typeface="Times New Roman" pitchFamily="18" charset="0"/>
+              </a:rPr>
+              <a:t>Power Management System</a:t>
+            </a:r>
+            <a:endParaRPr kumimoji="0" lang="en-US" altLang="en-US" sz="1400" b="0" i="0" u="none" strike="noStrike" cap="none" normalizeH="0" baseline="0" dirty="0" smtClean="0">
+              <a:ln>
+                <a:noFill/>
+              </a:ln>
+              <a:solidFill>
+                <a:schemeClr val="tx1"/>
+              </a:solidFill>
+              <a:effectLst/>
+              <a:latin typeface="Arial" pitchFamily="34" charset="0"/>
+              <a:cs typeface="Arial" pitchFamily="34" charset="0"/>
+            </a:endParaRPr>
+          </a:p>
+        </p:txBody>
+      </p:sp>
+      <p:cxnSp>
+        <p:nvCxnSpPr>
+          <p:cNvPr id="35" name="Straight Arrow Connector 34"/>
+          <p:cNvCxnSpPr/>
+          <p:nvPr/>
+        </p:nvCxnSpPr>
+        <p:spPr>
+          <a:xfrm>
+            <a:off x="2493126" y="1088740"/>
             <a:ext cx="1041070" cy="0"/>
           </a:xfrm>
           <a:prstGeom prst="straightConnector1">
@@ -11230,7 +9911,7 @@
 </p:sld>
 </file>
 
-<file path=ppt/slides/slide7.xml><?xml version="1.0" encoding="utf-8"?>
+<file path=ppt/slides/slide6.xml><?xml version="1.0" encoding="utf-8"?>
 <p:sld xmlns:a="http://schemas.openxmlformats.org/drawingml/2006/main" xmlns:r="http://schemas.openxmlformats.org/officeDocument/2006/relationships" xmlns:p="http://schemas.openxmlformats.org/presentationml/2006/main">
   <p:cSld>
     <p:spTree>
@@ -11491,7 +10172,7 @@
 </p:sld>
 </file>
 
-<file path=ppt/slides/slide8.xml><?xml version="1.0" encoding="utf-8"?>
+<file path=ppt/slides/slide7.xml><?xml version="1.0" encoding="utf-8"?>
 <p:sld xmlns:a="http://schemas.openxmlformats.org/drawingml/2006/main" xmlns:r="http://schemas.openxmlformats.org/officeDocument/2006/relationships" xmlns:p="http://schemas.openxmlformats.org/presentationml/2006/main">
   <p:cSld>
     <p:spTree>

--- a/HW5_Design_Diagrams/T05 _ CUBESAT HW05.pptx
+++ b/HW5_Design_Diagrams/T05 _ CUBESAT HW05.pptx
@@ -310,7 +310,7 @@
           <a:p>
             <a:fld id="{465FB7FF-4A76-43F4-B3E9-8144B6754821}" type="datetimeFigureOut">
               <a:rPr lang="en-US" smtClean="0"/>
-              <a:t>12/9/2015</a:t>
+              <a:t>12/10/2015</a:t>
             </a:fld>
             <a:endParaRPr lang="en-US"/>
           </a:p>
@@ -480,7 +480,7 @@
           <a:p>
             <a:fld id="{465FB7FF-4A76-43F4-B3E9-8144B6754821}" type="datetimeFigureOut">
               <a:rPr lang="en-US" smtClean="0"/>
-              <a:t>12/9/2015</a:t>
+              <a:t>12/10/2015</a:t>
             </a:fld>
             <a:endParaRPr lang="en-US"/>
           </a:p>
@@ -660,7 +660,7 @@
           <a:p>
             <a:fld id="{465FB7FF-4A76-43F4-B3E9-8144B6754821}" type="datetimeFigureOut">
               <a:rPr lang="en-US" smtClean="0"/>
-              <a:t>12/9/2015</a:t>
+              <a:t>12/10/2015</a:t>
             </a:fld>
             <a:endParaRPr lang="en-US"/>
           </a:p>
@@ -830,7 +830,7 @@
           <a:p>
             <a:fld id="{465FB7FF-4A76-43F4-B3E9-8144B6754821}" type="datetimeFigureOut">
               <a:rPr lang="en-US" smtClean="0"/>
-              <a:t>12/9/2015</a:t>
+              <a:t>12/10/2015</a:t>
             </a:fld>
             <a:endParaRPr lang="en-US"/>
           </a:p>
@@ -1076,7 +1076,7 @@
           <a:p>
             <a:fld id="{465FB7FF-4A76-43F4-B3E9-8144B6754821}" type="datetimeFigureOut">
               <a:rPr lang="en-US" smtClean="0"/>
-              <a:t>12/9/2015</a:t>
+              <a:t>12/10/2015</a:t>
             </a:fld>
             <a:endParaRPr lang="en-US"/>
           </a:p>
@@ -1364,7 +1364,7 @@
           <a:p>
             <a:fld id="{465FB7FF-4A76-43F4-B3E9-8144B6754821}" type="datetimeFigureOut">
               <a:rPr lang="en-US" smtClean="0"/>
-              <a:t>12/9/2015</a:t>
+              <a:t>12/10/2015</a:t>
             </a:fld>
             <a:endParaRPr lang="en-US"/>
           </a:p>
@@ -1786,7 +1786,7 @@
           <a:p>
             <a:fld id="{465FB7FF-4A76-43F4-B3E9-8144B6754821}" type="datetimeFigureOut">
               <a:rPr lang="en-US" smtClean="0"/>
-              <a:t>12/9/2015</a:t>
+              <a:t>12/10/2015</a:t>
             </a:fld>
             <a:endParaRPr lang="en-US"/>
           </a:p>
@@ -1904,7 +1904,7 @@
           <a:p>
             <a:fld id="{465FB7FF-4A76-43F4-B3E9-8144B6754821}" type="datetimeFigureOut">
               <a:rPr lang="en-US" smtClean="0"/>
-              <a:t>12/9/2015</a:t>
+              <a:t>12/10/2015</a:t>
             </a:fld>
             <a:endParaRPr lang="en-US"/>
           </a:p>
@@ -1999,7 +1999,7 @@
           <a:p>
             <a:fld id="{465FB7FF-4A76-43F4-B3E9-8144B6754821}" type="datetimeFigureOut">
               <a:rPr lang="en-US" smtClean="0"/>
-              <a:t>12/9/2015</a:t>
+              <a:t>12/10/2015</a:t>
             </a:fld>
             <a:endParaRPr lang="en-US"/>
           </a:p>
@@ -2276,7 +2276,7 @@
           <a:p>
             <a:fld id="{465FB7FF-4A76-43F4-B3E9-8144B6754821}" type="datetimeFigureOut">
               <a:rPr lang="en-US" smtClean="0"/>
-              <a:t>12/9/2015</a:t>
+              <a:t>12/10/2015</a:t>
             </a:fld>
             <a:endParaRPr lang="en-US"/>
           </a:p>
@@ -2529,7 +2529,7 @@
           <a:p>
             <a:fld id="{465FB7FF-4A76-43F4-B3E9-8144B6754821}" type="datetimeFigureOut">
               <a:rPr lang="en-US" smtClean="0"/>
-              <a:t>12/9/2015</a:t>
+              <a:t>12/10/2015</a:t>
             </a:fld>
             <a:endParaRPr lang="en-US"/>
           </a:p>
@@ -2742,7 +2742,7 @@
           <a:p>
             <a:fld id="{465FB7FF-4A76-43F4-B3E9-8144B6754821}" type="datetimeFigureOut">
               <a:rPr lang="en-US" smtClean="0"/>
-              <a:t>12/9/2015</a:t>
+              <a:t>12/10/2015</a:t>
             </a:fld>
             <a:endParaRPr lang="en-US"/>
           </a:p>
@@ -3401,7 +3401,7 @@
                     <a:ea typeface="Calibri" pitchFamily="34" charset="0"/>
                     <a:cs typeface="Times New Roman" pitchFamily="18" charset="0"/>
                   </a:rPr>
-                  <a:t>USB Power</a:t>
+                  <a:t>Power</a:t>
                 </a:r>
                 <a:endParaRPr kumimoji="0" lang="en-US" altLang="en-US" sz="3200" b="0" i="0" u="none" strike="noStrike" cap="none" normalizeH="0" baseline="0" dirty="0" smtClean="0">
                   <a:ln>
@@ -3491,18 +3491,6 @@
                   </a:rPr>
                   <a:t>On/Off</a:t>
                 </a:r>
-                <a:endParaRPr kumimoji="0" lang="en-US" altLang="en-US" b="0" i="0" u="none" strike="noStrike" cap="none" normalizeH="0" baseline="0" dirty="0" smtClean="0">
-                  <a:ln>
-                    <a:noFill/>
-                  </a:ln>
-                  <a:solidFill>
-                    <a:schemeClr val="tx1"/>
-                  </a:solidFill>
-                  <a:effectLst/>
-                  <a:latin typeface="Calibri" pitchFamily="34" charset="0"/>
-                  <a:ea typeface="Calibri" pitchFamily="34" charset="0"/>
-                  <a:cs typeface="Times New Roman" pitchFamily="18" charset="0"/>
-                </a:endParaRPr>
               </a:p>
               <a:p>
                 <a:pPr marL="0" marR="0" lvl="0" indent="0" algn="r" defTabSz="914400" rtl="0" eaLnBrk="1" fontAlgn="base" latinLnBrk="0" hangingPunct="1">
@@ -4060,42 +4048,6 @@
       </p:cxnSp>
       <p:cxnSp>
         <p:nvCxnSpPr>
-          <p:cNvPr id="37" name="Straight Arrow Connector 36"/>
-          <p:cNvCxnSpPr/>
-          <p:nvPr/>
-        </p:nvCxnSpPr>
-        <p:spPr>
-          <a:xfrm>
-            <a:off x="2889672" y="1912921"/>
-            <a:ext cx="696279" cy="1"/>
-          </a:xfrm>
-          <a:prstGeom prst="straightConnector1">
-            <a:avLst/>
-          </a:prstGeom>
-          <a:ln>
-            <a:solidFill>
-              <a:schemeClr val="tx1"/>
-            </a:solidFill>
-            <a:tailEnd type="arrow"/>
-          </a:ln>
-        </p:spPr>
-        <p:style>
-          <a:lnRef idx="1">
-            <a:schemeClr val="accent1"/>
-          </a:lnRef>
-          <a:fillRef idx="0">
-            <a:schemeClr val="accent1"/>
-          </a:fillRef>
-          <a:effectRef idx="0">
-            <a:schemeClr val="accent1"/>
-          </a:effectRef>
-          <a:fontRef idx="minor">
-            <a:schemeClr val="tx1"/>
-          </a:fontRef>
-        </p:style>
-      </p:cxnSp>
-      <p:cxnSp>
-        <p:nvCxnSpPr>
           <p:cNvPr id="40" name="Straight Arrow Connector 39"/>
           <p:cNvCxnSpPr/>
           <p:nvPr/>
@@ -4175,14 +4127,14 @@
           <p:nvPr>
             <p:extLst>
               <p:ext uri="{D42A27DB-BD31-4B8C-83A1-F6EECF244321}">
-                <p14:modId xmlns:p14="http://schemas.microsoft.com/office/powerpoint/2010/main" val="4159418594"/>
+                <p14:modId xmlns:p14="http://schemas.microsoft.com/office/powerpoint/2010/main" val="3010978254"/>
               </p:ext>
             </p:extLst>
           </p:nvPr>
         </p:nvGraphicFramePr>
         <p:xfrm>
           <a:off x="461604" y="2787389"/>
-          <a:ext cx="8412480" cy="3779520"/>
+          <a:ext cx="8412480" cy="3535680"/>
         </p:xfrm>
         <a:graphic>
           <a:graphicData uri="http://schemas.openxmlformats.org/drawingml/2006/table">
@@ -4294,26 +4246,16 @@
                           <a:latin typeface="Times New Roman" panose="02020603050405020304" pitchFamily="18" charset="0"/>
                           <a:cs typeface="Times New Roman" panose="02020603050405020304" pitchFamily="18" charset="0"/>
                         </a:rPr>
-                        <a:t>!Reset: Reset Button</a:t>
+                        <a:t>!Reset: Reset </a:t>
                       </a:r>
-                    </a:p>
-                    <a:p>
-                      <a:pPr marL="342900" indent="-342900">
-                        <a:buAutoNum type="arabicParenR"/>
-                      </a:pPr>
                       <a:r>
                         <a:rPr lang="en-US" sz="1600" baseline="0" dirty="0" smtClean="0">
                           <a:latin typeface="Times New Roman" panose="02020603050405020304" pitchFamily="18" charset="0"/>
                           <a:cs typeface="Times New Roman" panose="02020603050405020304" pitchFamily="18" charset="0"/>
                         </a:rPr>
-                        <a:t>Debug: Debug with JTAG</a:t>
+                        <a:t>Button</a:t>
                       </a:r>
-                    </a:p>
-                    <a:p>
-                      <a:pPr marL="0" indent="0">
-                        <a:buNone/>
-                      </a:pPr>
-                      <a:endParaRPr lang="en-US" sz="1600" dirty="0">
+                      <a:endParaRPr lang="en-US" sz="1600" baseline="0" dirty="0" smtClean="0">
                         <a:latin typeface="Times New Roman" panose="02020603050405020304" pitchFamily="18" charset="0"/>
                         <a:cs typeface="Times New Roman" panose="02020603050405020304" pitchFamily="18" charset="0"/>
                       </a:endParaRPr>
@@ -4389,12 +4331,41 @@
                           <a:latin typeface="Times New Roman" panose="02020603050405020304" pitchFamily="18" charset="0"/>
                           <a:cs typeface="Times New Roman" panose="02020603050405020304" pitchFamily="18" charset="0"/>
                         </a:rPr>
-                        <a:t> breakout pins</a:t>
+                        <a:t> breakout </a:t>
                       </a:r>
-                      <a:endParaRPr lang="en-US" sz="1600" dirty="0">
-                        <a:latin typeface="Times New Roman" panose="02020603050405020304" pitchFamily="18" charset="0"/>
-                        <a:cs typeface="Times New Roman" panose="02020603050405020304" pitchFamily="18" charset="0"/>
-                      </a:endParaRPr>
+                      <a:r>
+                        <a:rPr lang="en-US" sz="1600" baseline="0" dirty="0" smtClean="0">
+                          <a:latin typeface="Times New Roman" panose="02020603050405020304" pitchFamily="18" charset="0"/>
+                          <a:cs typeface="Times New Roman" panose="02020603050405020304" pitchFamily="18" charset="0"/>
+                        </a:rPr>
+                        <a:t>pins</a:t>
+                      </a:r>
+                    </a:p>
+                    <a:p>
+                      <a:pPr marL="342900" marR="0" indent="-342900" algn="l" defTabSz="914400" rtl="0" eaLnBrk="1" fontAlgn="auto" latinLnBrk="0" hangingPunct="1">
+                        <a:lnSpc>
+                          <a:spcPct val="100000"/>
+                        </a:lnSpc>
+                        <a:spcBef>
+                          <a:spcPts val="0"/>
+                        </a:spcBef>
+                        <a:spcAft>
+                          <a:spcPts val="0"/>
+                        </a:spcAft>
+                        <a:buClrTx/>
+                        <a:buSzTx/>
+                        <a:buFontTx/>
+                        <a:buAutoNum type="arabicParenR"/>
+                        <a:tabLst/>
+                        <a:defRPr/>
+                      </a:pPr>
+                      <a:r>
+                        <a:rPr lang="en-US" sz="1600" baseline="0" dirty="0" smtClean="0">
+                          <a:latin typeface="Times New Roman" panose="02020603050405020304" pitchFamily="18" charset="0"/>
+                          <a:cs typeface="Times New Roman" panose="02020603050405020304" pitchFamily="18" charset="0"/>
+                        </a:rPr>
+                        <a:t>Debug: Debug with JTAG</a:t>
+                      </a:r>
                     </a:p>
                   </a:txBody>
                   <a:tcPr/>
@@ -4453,6 +4424,43 @@
           </a:graphicData>
         </a:graphic>
       </p:graphicFrame>
+      <p:cxnSp>
+        <p:nvCxnSpPr>
+          <p:cNvPr id="24" name="Straight Arrow Connector 23"/>
+          <p:cNvCxnSpPr/>
+          <p:nvPr/>
+        </p:nvCxnSpPr>
+        <p:spPr>
+          <a:xfrm>
+            <a:off x="2879345" y="1916832"/>
+            <a:ext cx="706140" cy="0"/>
+          </a:xfrm>
+          <a:prstGeom prst="straightConnector1">
+            <a:avLst/>
+          </a:prstGeom>
+          <a:ln>
+            <a:solidFill>
+              <a:schemeClr val="tx1"/>
+            </a:solidFill>
+            <a:headEnd type="arrow"/>
+            <a:tailEnd type="arrow"/>
+          </a:ln>
+        </p:spPr>
+        <p:style>
+          <a:lnRef idx="1">
+            <a:schemeClr val="accent1"/>
+          </a:lnRef>
+          <a:fillRef idx="0">
+            <a:schemeClr val="accent1"/>
+          </a:fillRef>
+          <a:effectRef idx="0">
+            <a:schemeClr val="accent1"/>
+          </a:effectRef>
+          <a:fontRef idx="minor">
+            <a:schemeClr val="tx1"/>
+          </a:fontRef>
+        </p:style>
+      </p:cxnSp>
     </p:spTree>
     <p:extLst>
       <p:ext uri="{BB962C8B-B14F-4D97-AF65-F5344CB8AC3E}">
@@ -4729,7 +4737,7 @@
           </p:nvSpPr>
           <p:spPr bwMode="auto">
             <a:xfrm rot="10800000" flipV="1">
-              <a:off x="286302" y="2155221"/>
+              <a:off x="286302" y="2253354"/>
               <a:ext cx="1313421" cy="238916"/>
             </a:xfrm>
             <a:prstGeom prst="rect">
@@ -4782,7 +4790,7 @@
                   <a:ea typeface="Calibri" pitchFamily="34" charset="0"/>
                   <a:cs typeface="Times New Roman" pitchFamily="18" charset="0"/>
                 </a:rPr>
-                <a:t>USB/UART Power</a:t>
+                <a:t>USB</a:t>
               </a:r>
               <a:endParaRPr kumimoji="0" lang="en-US" altLang="en-US" sz="3200" b="0" i="0" u="none" strike="noStrike" cap="none" normalizeH="0" baseline="0" dirty="0" smtClean="0">
                 <a:ln>
@@ -4970,27 +4978,12 @@
                 <a:tabLst/>
               </a:pPr>
               <a:r>
-                <a:rPr lang="en-US" altLang="en-US" sz="1400" dirty="0" err="1">
+                <a:rPr lang="en-US" altLang="en-US" sz="1400" dirty="0">
                   <a:latin typeface="Calibri" pitchFamily="34" charset="0"/>
                   <a:ea typeface="Calibri" pitchFamily="34" charset="0"/>
                   <a:cs typeface="Times New Roman" pitchFamily="18" charset="0"/>
                 </a:rPr>
                 <a:t>m</a:t>
-              </a:r>
-              <a:r>
-                <a:rPr kumimoji="0" lang="en-US" altLang="en-US" sz="1400" b="0" i="0" u="none" strike="noStrike" cap="none" normalizeH="0" dirty="0" err="1" smtClean="0">
-                  <a:ln>
-                    <a:noFill/>
-                  </a:ln>
-                  <a:solidFill>
-                    <a:schemeClr val="tx1"/>
-                  </a:solidFill>
-                  <a:effectLst/>
-                  <a:latin typeface="Calibri" pitchFamily="34" charset="0"/>
-                  <a:ea typeface="Calibri" pitchFamily="34" charset="0"/>
-                  <a:cs typeface="Times New Roman" pitchFamily="18" charset="0"/>
-                </a:rPr>
-                <a:t>ent</a:t>
               </a:r>
               <a:r>
                 <a:rPr kumimoji="0" lang="en-US" altLang="en-US" sz="1400" b="0" i="0" u="none" strike="noStrike" cap="none" normalizeH="0" dirty="0" smtClean="0">
@@ -5005,7 +4998,7 @@
                   <a:ea typeface="Calibri" pitchFamily="34" charset="0"/>
                   <a:cs typeface="Times New Roman" pitchFamily="18" charset="0"/>
                 </a:rPr>
-                <a:t> System</a:t>
+                <a:t>ent System</a:t>
               </a:r>
               <a:endParaRPr kumimoji="0" lang="en-US" altLang="en-US" sz="1400" b="0" i="0" u="none" strike="noStrike" cap="none" normalizeH="0" baseline="0" dirty="0" smtClean="0">
                 <a:ln>
@@ -5284,14 +5277,7 @@
                   <a:latin typeface="Calibri" pitchFamily="34" charset="0"/>
                   <a:cs typeface="Times New Roman" pitchFamily="18" charset="0"/>
                 </a:rPr>
-                <a:t>RF </a:t>
-              </a:r>
-              <a:r>
-                <a:rPr lang="en-US" altLang="en-US" sz="1600" dirty="0" smtClean="0">
-                  <a:latin typeface="Calibri" pitchFamily="34" charset="0"/>
-                  <a:cs typeface="Times New Roman" pitchFamily="18" charset="0"/>
-                </a:rPr>
-                <a:t>Filter</a:t>
+                <a:t>RF Filter</a:t>
               </a:r>
               <a:endParaRPr kumimoji="0" lang="en-US" altLang="en-US" sz="2800" b="0" i="0" u="none" strike="noStrike" cap="none" normalizeH="0" baseline="0" dirty="0" smtClean="0">
                 <a:ln>
@@ -5963,7 +5949,7 @@
         </p:nvSpPr>
         <p:spPr bwMode="auto">
           <a:xfrm rot="10800000" flipV="1">
-            <a:off x="321934" y="1275447"/>
+            <a:off x="321934" y="1300560"/>
             <a:ext cx="1313421" cy="238916"/>
           </a:xfrm>
           <a:prstGeom prst="rect">
@@ -6032,39 +6018,6 @@
           </a:p>
         </p:txBody>
       </p:sp>
-      <p:cxnSp>
-        <p:nvCxnSpPr>
-          <p:cNvPr id="5" name="Straight Arrow Connector 4"/>
-          <p:cNvCxnSpPr/>
-          <p:nvPr/>
-        </p:nvCxnSpPr>
-        <p:spPr>
-          <a:xfrm>
-            <a:off x="1596603" y="1430910"/>
-            <a:ext cx="1130140" cy="0"/>
-          </a:xfrm>
-          <a:prstGeom prst="straightConnector1">
-            <a:avLst/>
-          </a:prstGeom>
-          <a:ln>
-            <a:tailEnd type="triangle"/>
-          </a:ln>
-        </p:spPr>
-        <p:style>
-          <a:lnRef idx="2">
-            <a:schemeClr val="dk1"/>
-          </a:lnRef>
-          <a:fillRef idx="0">
-            <a:schemeClr val="dk1"/>
-          </a:fillRef>
-          <a:effectRef idx="1">
-            <a:schemeClr val="dk1"/>
-          </a:effectRef>
-          <a:fontRef idx="minor">
-            <a:schemeClr val="tx1"/>
-          </a:fontRef>
-        </p:style>
-      </p:cxnSp>
       <p:cxnSp>
         <p:nvCxnSpPr>
           <p:cNvPr id="50" name="Straight Arrow Connector 49"/>
@@ -6200,6 +6153,40 @@
           </a:fillRef>
           <a:effectRef idx="0">
             <a:schemeClr val="accent1"/>
+          </a:effectRef>
+          <a:fontRef idx="minor">
+            <a:schemeClr val="tx1"/>
+          </a:fontRef>
+        </p:style>
+      </p:cxnSp>
+      <p:cxnSp>
+        <p:nvCxnSpPr>
+          <p:cNvPr id="36" name="Straight Arrow Connector 35"/>
+          <p:cNvCxnSpPr/>
+          <p:nvPr/>
+        </p:nvCxnSpPr>
+        <p:spPr>
+          <a:xfrm>
+            <a:off x="1635355" y="1514364"/>
+            <a:ext cx="1081864" cy="0"/>
+          </a:xfrm>
+          <a:prstGeom prst="straightConnector1">
+            <a:avLst/>
+          </a:prstGeom>
+          <a:ln>
+            <a:headEnd type="arrow"/>
+            <a:tailEnd type="arrow"/>
+          </a:ln>
+        </p:spPr>
+        <p:style>
+          <a:lnRef idx="2">
+            <a:schemeClr val="dk1"/>
+          </a:lnRef>
+          <a:fillRef idx="0">
+            <a:schemeClr val="dk1"/>
+          </a:fillRef>
+          <a:effectRef idx="1">
+            <a:schemeClr val="dk1"/>
           </a:effectRef>
           <a:fontRef idx="minor">
             <a:schemeClr val="tx1"/>
@@ -6637,14 +6624,7 @@
                           <a:latin typeface="Times New Roman" panose="02020603050405020304" pitchFamily="18" charset="0"/>
                           <a:cs typeface="Times New Roman" panose="02020603050405020304" pitchFamily="18" charset="0"/>
                         </a:rPr>
-                        <a:t> (Input –Output</a:t>
-                      </a:r>
-                      <a:r>
-                        <a:rPr lang="en-US" sz="1600" baseline="0" dirty="0" smtClean="0">
-                          <a:latin typeface="Times New Roman" panose="02020603050405020304" pitchFamily="18" charset="0"/>
-                          <a:cs typeface="Times New Roman" panose="02020603050405020304" pitchFamily="18" charset="0"/>
-                        </a:rPr>
-                        <a:t>)</a:t>
+                        <a:t> (Input –Output)</a:t>
                       </a:r>
                       <a:endParaRPr lang="en-US" sz="1600" dirty="0">
                         <a:latin typeface="Times New Roman" panose="02020603050405020304" pitchFamily="18" charset="0"/>
@@ -6667,28 +6647,7 @@
                           <a:latin typeface="Times New Roman" panose="02020603050405020304" pitchFamily="18" charset="0"/>
                           <a:cs typeface="Times New Roman" panose="02020603050405020304" pitchFamily="18" charset="0"/>
                         </a:rPr>
-                        <a:t>USB : </a:t>
-                      </a:r>
-                      <a:r>
-                        <a:rPr lang="en-US" sz="1600" baseline="0" dirty="0" smtClean="0">
-                          <a:latin typeface="Times New Roman" panose="02020603050405020304" pitchFamily="18" charset="0"/>
-                          <a:cs typeface="Times New Roman" panose="02020603050405020304" pitchFamily="18" charset="0"/>
-                        </a:rPr>
-                        <a:t>  USB </a:t>
-                      </a:r>
-                      <a:r>
-                        <a:rPr lang="en-US" sz="1600" baseline="0" dirty="0" smtClean="0">
-                          <a:latin typeface="Times New Roman" panose="02020603050405020304" pitchFamily="18" charset="0"/>
-                          <a:cs typeface="Times New Roman" panose="02020603050405020304" pitchFamily="18" charset="0"/>
-                        </a:rPr>
-                        <a:t>connection (D+ and </a:t>
-                      </a:r>
-                      <a:r>
-                        <a:rPr lang="en-US" sz="1600" baseline="0" dirty="0" smtClean="0">
-                          <a:latin typeface="Times New Roman" panose="02020603050405020304" pitchFamily="18" charset="0"/>
-                          <a:cs typeface="Times New Roman" panose="02020603050405020304" pitchFamily="18" charset="0"/>
-                        </a:rPr>
-                        <a:t>D- lines)</a:t>
+                        <a:t>USB :   USB connection (D+ and D- lines)</a:t>
                       </a:r>
                       <a:endParaRPr lang="en-US" sz="1600" dirty="0">
                         <a:latin typeface="Times New Roman" panose="02020603050405020304" pitchFamily="18" charset="0"/>
@@ -6711,21 +6670,7 @@
                           <a:latin typeface="Times New Roman" panose="02020603050405020304" pitchFamily="18" charset="0"/>
                           <a:cs typeface="Times New Roman" panose="02020603050405020304" pitchFamily="18" charset="0"/>
                         </a:rPr>
-                        <a:t>  RX </a:t>
-                      </a:r>
-                      <a:r>
-                        <a:rPr lang="en-US" sz="1600" baseline="0" dirty="0" smtClean="0">
-                          <a:latin typeface="Times New Roman" panose="02020603050405020304" pitchFamily="18" charset="0"/>
-                          <a:cs typeface="Times New Roman" panose="02020603050405020304" pitchFamily="18" charset="0"/>
-                        </a:rPr>
-                        <a:t>and </a:t>
-                      </a:r>
-                      <a:r>
-                        <a:rPr lang="en-US" sz="1600" baseline="0" dirty="0" smtClean="0">
-                          <a:latin typeface="Times New Roman" panose="02020603050405020304" pitchFamily="18" charset="0"/>
-                          <a:cs typeface="Times New Roman" panose="02020603050405020304" pitchFamily="18" charset="0"/>
-                        </a:rPr>
-                        <a:t>TX lines to MCU UART0 pin</a:t>
+                        <a:t>  RX and TX lines to MCU UART0 pin</a:t>
                       </a:r>
                       <a:endParaRPr lang="en-US" sz="1600" dirty="0">
                         <a:latin typeface="Times New Roman" panose="02020603050405020304" pitchFamily="18" charset="0"/>
@@ -7361,14 +7306,7 @@
                       <a:latin typeface="Times New Roman" panose="02020603050405020304" pitchFamily="18" charset="0"/>
                       <a:cs typeface="Times New Roman" panose="02020603050405020304" pitchFamily="18" charset="0"/>
                     </a:rPr>
-                    <a:t>  </a:t>
-                  </a:r>
-                  <a:r>
-                    <a:rPr lang="en-US" altLang="en-US" sz="1600" dirty="0" smtClean="0">
-                      <a:latin typeface="Times New Roman" panose="02020603050405020304" pitchFamily="18" charset="0"/>
-                      <a:cs typeface="Times New Roman" panose="02020603050405020304" pitchFamily="18" charset="0"/>
-                    </a:rPr>
-                    <a:t>UART0</a:t>
+                    <a:t>  UART0</a:t>
                   </a:r>
                   <a:endParaRPr kumimoji="0" lang="en-US" altLang="en-US" sz="2800" b="0" i="0" u="none" strike="noStrike" cap="none" normalizeH="0" baseline="0" dirty="0" smtClean="0">
                     <a:ln>
@@ -8647,44 +8585,7 @@
                           <a:latin typeface="Times New Roman" panose="02020603050405020304" pitchFamily="18" charset="0"/>
                           <a:cs typeface="Times New Roman" panose="02020603050405020304" pitchFamily="18" charset="0"/>
                         </a:rPr>
-                        <a:t>Peripherals: </a:t>
-                      </a:r>
-                      <a:r>
-                        <a:rPr lang="en-US" sz="1400" baseline="0" dirty="0" smtClean="0">
-                          <a:latin typeface="Times New Roman" panose="02020603050405020304" pitchFamily="18" charset="0"/>
-                          <a:cs typeface="Times New Roman" panose="02020603050405020304" pitchFamily="18" charset="0"/>
-                        </a:rPr>
-                        <a:t>Connection to peripherals </a:t>
-                      </a:r>
-                      <a:r>
-                        <a:rPr lang="en-US" sz="1400" baseline="0" dirty="0" smtClean="0">
-                          <a:latin typeface="Times New Roman" panose="02020603050405020304" pitchFamily="18" charset="0"/>
-                          <a:cs typeface="Times New Roman" panose="02020603050405020304" pitchFamily="18" charset="0"/>
-                        </a:rPr>
-                        <a:t>which are at users discretion</a:t>
-                      </a:r>
-                      <a:endParaRPr lang="en-US" sz="1400" baseline="0" dirty="0" smtClean="0">
-                        <a:latin typeface="Times New Roman" panose="02020603050405020304" pitchFamily="18" charset="0"/>
-                        <a:cs typeface="Times New Roman" panose="02020603050405020304" pitchFamily="18" charset="0"/>
-                      </a:endParaRPr>
-                    </a:p>
-                    <a:p>
-                      <a:pPr marL="342900" indent="-342900">
-                        <a:buAutoNum type="arabicParenR"/>
-                      </a:pPr>
-                      <a:r>
-                        <a:rPr lang="en-US" sz="1400" baseline="0" dirty="0" smtClean="0">
-                          <a:latin typeface="Times New Roman" panose="02020603050405020304" pitchFamily="18" charset="0"/>
-                          <a:cs typeface="Times New Roman" panose="02020603050405020304" pitchFamily="18" charset="0"/>
-                        </a:rPr>
-                        <a:t>Debug: Connection </a:t>
-                      </a:r>
-                      <a:r>
-                        <a:rPr lang="en-US" sz="1400" baseline="0" dirty="0" smtClean="0">
-                          <a:latin typeface="Times New Roman" panose="02020603050405020304" pitchFamily="18" charset="0"/>
-                          <a:cs typeface="Times New Roman" panose="02020603050405020304" pitchFamily="18" charset="0"/>
-                        </a:rPr>
-                        <a:t>to 10-pin JTAG interface</a:t>
+                        <a:t>Peripherals: Connection to peripherals which are at users discretion</a:t>
                       </a:r>
                     </a:p>
                     <a:p>
@@ -8696,14 +8597,19 @@
                           <a:latin typeface="Times New Roman" panose="02020603050405020304" pitchFamily="18" charset="0"/>
                           <a:cs typeface="Times New Roman" panose="02020603050405020304" pitchFamily="18" charset="0"/>
                         </a:rPr>
-                        <a:t>RFIO: Radio input-output channel at 436.5 MHz </a:t>
+                        <a:t>Debug: Connection to 10-pin JTAG interface</a:t>
                       </a:r>
+                    </a:p>
+                    <a:p>
+                      <a:pPr marL="342900" indent="-342900">
+                        <a:buAutoNum type="arabicParenR"/>
+                      </a:pPr>
                       <a:r>
                         <a:rPr lang="en-US" sz="1400" baseline="0" dirty="0" smtClean="0">
                           <a:latin typeface="Times New Roman" panose="02020603050405020304" pitchFamily="18" charset="0"/>
                           <a:cs typeface="Times New Roman" panose="02020603050405020304" pitchFamily="18" charset="0"/>
                         </a:rPr>
-                        <a:t>passband</a:t>
+                        <a:t>RFIO: Radio input-output channel at 436.5 MHz passband</a:t>
                       </a:r>
                     </a:p>
                     <a:p>
@@ -9555,17 +9461,6 @@
                   </a:rPr>
                   <a:t>Peripherals</a:t>
                 </a:r>
-                <a:endParaRPr kumimoji="0" lang="en-US" altLang="en-US" sz="1600" b="0" i="0" u="none" strike="noStrike" cap="none" normalizeH="0" baseline="0" dirty="0" smtClean="0">
-                  <a:ln>
-                    <a:noFill/>
-                  </a:ln>
-                  <a:solidFill>
-                    <a:schemeClr val="tx1"/>
-                  </a:solidFill>
-                  <a:effectLst/>
-                  <a:latin typeface="Arial" pitchFamily="34" charset="0"/>
-                  <a:cs typeface="Arial" pitchFamily="34" charset="0"/>
-                </a:endParaRPr>
               </a:p>
             </p:txBody>
           </p:sp>
